--- a/Document/51800590_51800903_51800212.pptx
+++ b/Document/51800590_51800903_51800212.pptx
@@ -5,10 +5,10 @@
     <p:sldMasterId id="2147483684" r:id="rId4"/>
   </p:sldMasterIdLst>
   <p:notesMasterIdLst>
-    <p:notesMasterId r:id="rId38"/>
+    <p:notesMasterId r:id="rId42"/>
   </p:notesMasterIdLst>
   <p:handoutMasterIdLst>
-    <p:handoutMasterId r:id="rId39"/>
+    <p:handoutMasterId r:id="rId43"/>
   </p:handoutMasterIdLst>
   <p:sldIdLst>
     <p:sldId id="285" r:id="rId5"/>
@@ -43,7 +43,11 @@
     <p:sldId id="303" r:id="rId34"/>
     <p:sldId id="304" r:id="rId35"/>
     <p:sldId id="293" r:id="rId36"/>
-    <p:sldId id="272" r:id="rId37"/>
+    <p:sldId id="313" r:id="rId37"/>
+    <p:sldId id="314" r:id="rId38"/>
+    <p:sldId id="315" r:id="rId39"/>
+    <p:sldId id="316" r:id="rId40"/>
+    <p:sldId id="272" r:id="rId41"/>
   </p:sldIdLst>
   <p:sldSz cx="12192000" cy="6858000"/>
   <p:notesSz cx="6858000" cy="9144000"/>
@@ -963,51 +967,47 @@
         <a:lstStyle/>
         <a:p>
           <a:r>
-            <a:rPr lang="en-US" sz="4000" dirty="0" err="1" smtClean="0">
+            <a:rPr lang="en-US" sz="4000" dirty="0" err="1">
               <a:latin typeface="Times New Roman" panose="02020603050405020304" pitchFamily="18" charset="0"/>
               <a:cs typeface="Times New Roman" panose="02020603050405020304" pitchFamily="18" charset="0"/>
             </a:rPr>
             <a:t>Công</a:t>
           </a:r>
           <a:r>
-            <a:rPr lang="en-US" sz="4000" dirty="0" smtClean="0">
+            <a:rPr lang="en-US" sz="4000" dirty="0">
               <a:latin typeface="Times New Roman" panose="02020603050405020304" pitchFamily="18" charset="0"/>
               <a:cs typeface="Times New Roman" panose="02020603050405020304" pitchFamily="18" charset="0"/>
             </a:rPr>
             <a:t> </a:t>
           </a:r>
           <a:r>
-            <a:rPr lang="en-US" sz="4000" dirty="0" err="1" smtClean="0">
+            <a:rPr lang="en-US" sz="4000" dirty="0" err="1">
               <a:latin typeface="Times New Roman" panose="02020603050405020304" pitchFamily="18" charset="0"/>
               <a:cs typeface="Times New Roman" panose="02020603050405020304" pitchFamily="18" charset="0"/>
             </a:rPr>
             <a:t>dụng</a:t>
           </a:r>
           <a:r>
-            <a:rPr lang="en-US" sz="4000" dirty="0" smtClean="0">
+            <a:rPr lang="en-US" sz="4000" dirty="0">
               <a:latin typeface="Times New Roman" panose="02020603050405020304" pitchFamily="18" charset="0"/>
               <a:cs typeface="Times New Roman" panose="02020603050405020304" pitchFamily="18" charset="0"/>
             </a:rPr>
             <a:t> </a:t>
           </a:r>
           <a:r>
-            <a:rPr lang="en-US" sz="4000" dirty="0" err="1" smtClean="0">
+            <a:rPr lang="en-US" sz="4000" dirty="0" err="1">
               <a:latin typeface="Times New Roman" panose="02020603050405020304" pitchFamily="18" charset="0"/>
               <a:cs typeface="Times New Roman" panose="02020603050405020304" pitchFamily="18" charset="0"/>
             </a:rPr>
             <a:t>của</a:t>
           </a:r>
           <a:r>
-            <a:rPr lang="en-US" sz="4000" dirty="0" smtClean="0">
+            <a:rPr lang="en-US" sz="4000" dirty="0">
               <a:latin typeface="Times New Roman" panose="02020603050405020304" pitchFamily="18" charset="0"/>
               <a:cs typeface="Times New Roman" panose="02020603050405020304" pitchFamily="18" charset="0"/>
             </a:rPr>
             <a:t> Web</a:t>
           </a:r>
-          <a:endParaRPr lang="en-US" sz="4000" dirty="0">
-            <a:latin typeface="Times New Roman" panose="02020603050405020304" pitchFamily="18" charset="0"/>
-            <a:cs typeface="Times New Roman" panose="02020603050405020304" pitchFamily="18" charset="0"/>
-          </a:endParaRPr>
         </a:p>
       </dgm:t>
     </dgm:pt>
@@ -1041,63 +1041,63 @@
         <a:lstStyle/>
         <a:p>
           <a:r>
-            <a:rPr lang="en-US" sz="4000" dirty="0" err="1" smtClean="0">
+            <a:rPr lang="en-US" sz="4000" dirty="0" err="1">
               <a:latin typeface="Times New Roman" panose="02020603050405020304" pitchFamily="18" charset="0"/>
               <a:cs typeface="Times New Roman" panose="02020603050405020304" pitchFamily="18" charset="0"/>
             </a:rPr>
             <a:t>Các</a:t>
           </a:r>
           <a:r>
-            <a:rPr lang="en-US" sz="4000" dirty="0" smtClean="0">
+            <a:rPr lang="en-US" sz="4000" dirty="0">
               <a:latin typeface="Times New Roman" panose="02020603050405020304" pitchFamily="18" charset="0"/>
               <a:cs typeface="Times New Roman" panose="02020603050405020304" pitchFamily="18" charset="0"/>
             </a:rPr>
             <a:t> </a:t>
           </a:r>
           <a:r>
-            <a:rPr lang="en-US" sz="4000" dirty="0" err="1" smtClean="0">
+            <a:rPr lang="en-US" sz="4000" dirty="0" err="1">
               <a:latin typeface="Times New Roman" panose="02020603050405020304" pitchFamily="18" charset="0"/>
               <a:cs typeface="Times New Roman" panose="02020603050405020304" pitchFamily="18" charset="0"/>
             </a:rPr>
             <a:t>công</a:t>
           </a:r>
           <a:r>
-            <a:rPr lang="en-US" sz="4000" dirty="0" smtClean="0">
+            <a:rPr lang="en-US" sz="4000" dirty="0">
               <a:latin typeface="Times New Roman" panose="02020603050405020304" pitchFamily="18" charset="0"/>
               <a:cs typeface="Times New Roman" panose="02020603050405020304" pitchFamily="18" charset="0"/>
             </a:rPr>
             <a:t> </a:t>
           </a:r>
           <a:r>
-            <a:rPr lang="en-US" sz="4000" dirty="0" err="1" smtClean="0">
+            <a:rPr lang="en-US" sz="4000" dirty="0" err="1">
               <a:latin typeface="Times New Roman" panose="02020603050405020304" pitchFamily="18" charset="0"/>
               <a:cs typeface="Times New Roman" panose="02020603050405020304" pitchFamily="18" charset="0"/>
             </a:rPr>
             <a:t>cụ</a:t>
           </a:r>
           <a:r>
-            <a:rPr lang="en-US" sz="4000" dirty="0" smtClean="0">
+            <a:rPr lang="en-US" sz="4000" dirty="0">
               <a:latin typeface="Times New Roman" panose="02020603050405020304" pitchFamily="18" charset="0"/>
               <a:cs typeface="Times New Roman" panose="02020603050405020304" pitchFamily="18" charset="0"/>
             </a:rPr>
             <a:t> </a:t>
           </a:r>
           <a:r>
-            <a:rPr lang="en-US" sz="4000" dirty="0" err="1" smtClean="0">
+            <a:rPr lang="en-US" sz="4000" dirty="0" err="1">
               <a:latin typeface="Times New Roman" panose="02020603050405020304" pitchFamily="18" charset="0"/>
               <a:cs typeface="Times New Roman" panose="02020603050405020304" pitchFamily="18" charset="0"/>
             </a:rPr>
             <a:t>phát</a:t>
           </a:r>
           <a:r>
-            <a:rPr lang="en-US" sz="4000" dirty="0" smtClean="0">
+            <a:rPr lang="en-US" sz="4000" dirty="0">
               <a:latin typeface="Times New Roman" panose="02020603050405020304" pitchFamily="18" charset="0"/>
               <a:cs typeface="Times New Roman" panose="02020603050405020304" pitchFamily="18" charset="0"/>
             </a:rPr>
             <a:t> </a:t>
           </a:r>
           <a:r>
-            <a:rPr lang="en-US" sz="4000" dirty="0" err="1" smtClean="0">
+            <a:rPr lang="en-US" sz="4000" dirty="0" err="1">
               <a:latin typeface="Times New Roman" panose="02020603050405020304" pitchFamily="18" charset="0"/>
               <a:cs typeface="Times New Roman" panose="02020603050405020304" pitchFamily="18" charset="0"/>
             </a:rPr>
@@ -1140,91 +1140,91 @@
         <a:lstStyle/>
         <a:p>
           <a:r>
-            <a:rPr lang="en-US" sz="4000" dirty="0" err="1" smtClean="0">
+            <a:rPr lang="en-US" sz="4000" dirty="0" err="1">
               <a:latin typeface="Times New Roman" panose="02020603050405020304" pitchFamily="18" charset="0"/>
               <a:cs typeface="Times New Roman" panose="02020603050405020304" pitchFamily="18" charset="0"/>
             </a:rPr>
             <a:t>Phân</a:t>
           </a:r>
           <a:r>
-            <a:rPr lang="en-US" sz="4000" dirty="0" smtClean="0">
+            <a:rPr lang="en-US" sz="4000" dirty="0">
               <a:latin typeface="Times New Roman" panose="02020603050405020304" pitchFamily="18" charset="0"/>
               <a:cs typeface="Times New Roman" panose="02020603050405020304" pitchFamily="18" charset="0"/>
             </a:rPr>
             <a:t> </a:t>
           </a:r>
           <a:r>
-            <a:rPr lang="en-US" sz="4000" dirty="0" err="1" smtClean="0">
+            <a:rPr lang="en-US" sz="4000" dirty="0" err="1">
               <a:latin typeface="Times New Roman" panose="02020603050405020304" pitchFamily="18" charset="0"/>
               <a:cs typeface="Times New Roman" panose="02020603050405020304" pitchFamily="18" charset="0"/>
             </a:rPr>
             <a:t>tích</a:t>
           </a:r>
           <a:r>
-            <a:rPr lang="en-US" sz="4000" dirty="0" smtClean="0">
+            <a:rPr lang="en-US" sz="4000" dirty="0">
               <a:latin typeface="Times New Roman" panose="02020603050405020304" pitchFamily="18" charset="0"/>
               <a:cs typeface="Times New Roman" panose="02020603050405020304" pitchFamily="18" charset="0"/>
             </a:rPr>
             <a:t> </a:t>
           </a:r>
           <a:r>
-            <a:rPr lang="en-US" sz="4000" dirty="0" err="1" smtClean="0">
+            <a:rPr lang="en-US" sz="4000" dirty="0" err="1">
               <a:latin typeface="Times New Roman" panose="02020603050405020304" pitchFamily="18" charset="0"/>
               <a:cs typeface="Times New Roman" panose="02020603050405020304" pitchFamily="18" charset="0"/>
             </a:rPr>
             <a:t>và</a:t>
           </a:r>
           <a:r>
-            <a:rPr lang="en-US" sz="4000" dirty="0" smtClean="0">
+            <a:rPr lang="en-US" sz="4000" dirty="0">
               <a:latin typeface="Times New Roman" panose="02020603050405020304" pitchFamily="18" charset="0"/>
               <a:cs typeface="Times New Roman" panose="02020603050405020304" pitchFamily="18" charset="0"/>
             </a:rPr>
             <a:t> </a:t>
           </a:r>
           <a:r>
-            <a:rPr lang="en-US" sz="4000" dirty="0" err="1" smtClean="0">
+            <a:rPr lang="en-US" sz="4000" dirty="0" err="1">
               <a:latin typeface="Times New Roman" panose="02020603050405020304" pitchFamily="18" charset="0"/>
               <a:cs typeface="Times New Roman" panose="02020603050405020304" pitchFamily="18" charset="0"/>
             </a:rPr>
             <a:t>Thiết</a:t>
           </a:r>
           <a:r>
-            <a:rPr lang="en-US" sz="4000" dirty="0" smtClean="0">
+            <a:rPr lang="en-US" sz="4000" dirty="0">
               <a:latin typeface="Times New Roman" panose="02020603050405020304" pitchFamily="18" charset="0"/>
               <a:cs typeface="Times New Roman" panose="02020603050405020304" pitchFamily="18" charset="0"/>
             </a:rPr>
             <a:t> </a:t>
           </a:r>
           <a:r>
-            <a:rPr lang="en-US" sz="4000" dirty="0" err="1" smtClean="0">
+            <a:rPr lang="en-US" sz="4000" dirty="0" err="1">
               <a:latin typeface="Times New Roman" panose="02020603050405020304" pitchFamily="18" charset="0"/>
               <a:cs typeface="Times New Roman" panose="02020603050405020304" pitchFamily="18" charset="0"/>
             </a:rPr>
             <a:t>kế</a:t>
           </a:r>
           <a:r>
-            <a:rPr lang="en-US" sz="4000" dirty="0" smtClean="0">
+            <a:rPr lang="en-US" sz="4000" dirty="0">
               <a:latin typeface="Times New Roman" panose="02020603050405020304" pitchFamily="18" charset="0"/>
               <a:cs typeface="Times New Roman" panose="02020603050405020304" pitchFamily="18" charset="0"/>
             </a:rPr>
             <a:t> </a:t>
           </a:r>
           <a:r>
-            <a:rPr lang="en-US" sz="4000" dirty="0" err="1" smtClean="0">
+            <a:rPr lang="en-US" sz="4000" dirty="0" err="1">
               <a:latin typeface="Times New Roman" panose="02020603050405020304" pitchFamily="18" charset="0"/>
               <a:cs typeface="Times New Roman" panose="02020603050405020304" pitchFamily="18" charset="0"/>
             </a:rPr>
             <a:t>yêu</a:t>
           </a:r>
           <a:r>
-            <a:rPr lang="en-US" sz="4000" dirty="0" smtClean="0">
+            <a:rPr lang="en-US" sz="4000" dirty="0">
               <a:latin typeface="Times New Roman" panose="02020603050405020304" pitchFamily="18" charset="0"/>
               <a:cs typeface="Times New Roman" panose="02020603050405020304" pitchFamily="18" charset="0"/>
             </a:rPr>
             <a:t> </a:t>
           </a:r>
           <a:r>
-            <a:rPr lang="en-US" sz="4000" dirty="0" err="1" smtClean="0">
+            <a:rPr lang="en-US" sz="4000" dirty="0" err="1">
               <a:latin typeface="Times New Roman" panose="02020603050405020304" pitchFamily="18" charset="0"/>
               <a:cs typeface="Times New Roman" panose="02020603050405020304" pitchFamily="18" charset="0"/>
             </a:rPr>
@@ -1268,13 +1268,6 @@
         </dgm:presLayoutVars>
       </dgm:prSet>
       <dgm:spPr/>
-      <dgm:t>
-        <a:bodyPr/>
-        <a:lstStyle/>
-        <a:p>
-          <a:endParaRPr lang="en-US"/>
-        </a:p>
-      </dgm:t>
     </dgm:pt>
     <dgm:pt modelId="{DC9C0BF3-9157-4B68-9568-61EDDD2B6D7B}" type="pres">
       <dgm:prSet presAssocID="{56B8FC32-5F11-4F70-AE78-562E4F8A4D28}" presName="Name1" presStyleCnt="0"/>
@@ -1291,13 +1284,6 @@
     <dgm:pt modelId="{4E588AE3-0800-47AC-9F49-0936A816F628}" type="pres">
       <dgm:prSet presAssocID="{56B8FC32-5F11-4F70-AE78-562E4F8A4D28}" presName="conn" presStyleLbl="parChTrans1D2" presStyleIdx="0" presStyleCnt="1"/>
       <dgm:spPr/>
-      <dgm:t>
-        <a:bodyPr/>
-        <a:lstStyle/>
-        <a:p>
-          <a:endParaRPr lang="en-US"/>
-        </a:p>
-      </dgm:t>
     </dgm:pt>
     <dgm:pt modelId="{517011CC-DD35-44A8-AB6A-4CAED6596771}" type="pres">
       <dgm:prSet presAssocID="{56B8FC32-5F11-4F70-AE78-562E4F8A4D28}" presName="extraNode" presStyleLbl="node1" presStyleIdx="0" presStyleCnt="3"/>
@@ -1314,13 +1300,6 @@
         </dgm:presLayoutVars>
       </dgm:prSet>
       <dgm:spPr/>
-      <dgm:t>
-        <a:bodyPr/>
-        <a:lstStyle/>
-        <a:p>
-          <a:endParaRPr lang="en-US"/>
-        </a:p>
-      </dgm:t>
     </dgm:pt>
     <dgm:pt modelId="{D300129B-E247-403D-AB25-AFCB4979225D}" type="pres">
       <dgm:prSet presAssocID="{D681E7A7-DDEC-467E-8A95-A6C50DC00458}" presName="accent_1" presStyleCnt="0"/>
@@ -1337,13 +1316,6 @@
         </dgm:presLayoutVars>
       </dgm:prSet>
       <dgm:spPr/>
-      <dgm:t>
-        <a:bodyPr/>
-        <a:lstStyle/>
-        <a:p>
-          <a:endParaRPr lang="en-US"/>
-        </a:p>
-      </dgm:t>
     </dgm:pt>
     <dgm:pt modelId="{5CB00014-1CC2-429E-9D92-4311979D81FE}" type="pres">
       <dgm:prSet presAssocID="{7BFF7771-C8CD-4012-8504-5FB43718C88E}" presName="accent_2" presStyleCnt="0"/>
@@ -1360,13 +1332,6 @@
         </dgm:presLayoutVars>
       </dgm:prSet>
       <dgm:spPr/>
-      <dgm:t>
-        <a:bodyPr/>
-        <a:lstStyle/>
-        <a:p>
-          <a:endParaRPr lang="en-US"/>
-        </a:p>
-      </dgm:t>
     </dgm:pt>
     <dgm:pt modelId="{5B6553C1-1132-4D50-9B4B-374C20762D92}" type="pres">
       <dgm:prSet presAssocID="{B31BCD01-8E04-44AF-9373-F6CFDE0379CC}" presName="accent_3" presStyleCnt="0"/>
@@ -1379,13 +1344,13 @@
   </dgm:ptLst>
   <dgm:cxnLst>
     <dgm:cxn modelId="{F17B8913-B075-4997-A7FC-C89C531651BC}" type="presOf" srcId="{56B8FC32-5F11-4F70-AE78-562E4F8A4D28}" destId="{F1FC6A71-997C-4EE4-8932-0E61B32C744C}" srcOrd="0" destOrd="0" presId="urn:microsoft.com/office/officeart/2008/layout/VerticalCurvedList"/>
+    <dgm:cxn modelId="{5E11EF7E-6CB6-4FD4-9BF2-1DC86BBDD605}" type="presOf" srcId="{D681E7A7-DDEC-467E-8A95-A6C50DC00458}" destId="{B641343C-3A10-499C-86A8-416CFACD1D96}" srcOrd="0" destOrd="0" presId="urn:microsoft.com/office/officeart/2008/layout/VerticalCurvedList"/>
+    <dgm:cxn modelId="{DAB67B8A-50CD-479A-87A0-139C127D4453}" srcId="{56B8FC32-5F11-4F70-AE78-562E4F8A4D28}" destId="{7BFF7771-C8CD-4012-8504-5FB43718C88E}" srcOrd="1" destOrd="0" parTransId="{5741F385-09AE-4ED5-8A73-D7E60AE16035}" sibTransId="{3FCF7B1E-2FEA-40FE-A4E0-FE62F7401B28}"/>
     <dgm:cxn modelId="{A4E78199-2ED3-4E2B-B2D0-4DE42A80C726}" srcId="{56B8FC32-5F11-4F70-AE78-562E4F8A4D28}" destId="{D681E7A7-DDEC-467E-8A95-A6C50DC00458}" srcOrd="0" destOrd="0" parTransId="{79314FC5-0A52-4214-A31F-076BFA8B4C35}" sibTransId="{706B68D7-413D-4E3B-B667-B34EA626313D}"/>
-    <dgm:cxn modelId="{BC3116D7-6833-4441-81EF-367EB87D8C49}" type="presOf" srcId="{706B68D7-413D-4E3B-B667-B34EA626313D}" destId="{4E588AE3-0800-47AC-9F49-0936A816F628}" srcOrd="0" destOrd="0" presId="urn:microsoft.com/office/officeart/2008/layout/VerticalCurvedList"/>
-    <dgm:cxn modelId="{DAB67B8A-50CD-479A-87A0-139C127D4453}" srcId="{56B8FC32-5F11-4F70-AE78-562E4F8A4D28}" destId="{7BFF7771-C8CD-4012-8504-5FB43718C88E}" srcOrd="1" destOrd="0" parTransId="{5741F385-09AE-4ED5-8A73-D7E60AE16035}" sibTransId="{3FCF7B1E-2FEA-40FE-A4E0-FE62F7401B28}"/>
     <dgm:cxn modelId="{33DFBEB2-EE96-44DF-BBF2-809617EA26EF}" srcId="{56B8FC32-5F11-4F70-AE78-562E4F8A4D28}" destId="{B31BCD01-8E04-44AF-9373-F6CFDE0379CC}" srcOrd="2" destOrd="0" parTransId="{9B13E857-0BD1-4172-9DCE-798A51B616BB}" sibTransId="{881326E3-EC17-4CFD-8BAE-A65B21E7B500}"/>
     <dgm:cxn modelId="{3409B6D4-C287-436C-9096-23EC6CA071DD}" type="presOf" srcId="{7BFF7771-C8CD-4012-8504-5FB43718C88E}" destId="{984DF6B8-A744-4849-A1B6-860FEF34255A}" srcOrd="0" destOrd="0" presId="urn:microsoft.com/office/officeart/2008/layout/VerticalCurvedList"/>
+    <dgm:cxn modelId="{BC3116D7-6833-4441-81EF-367EB87D8C49}" type="presOf" srcId="{706B68D7-413D-4E3B-B667-B34EA626313D}" destId="{4E588AE3-0800-47AC-9F49-0936A816F628}" srcOrd="0" destOrd="0" presId="urn:microsoft.com/office/officeart/2008/layout/VerticalCurvedList"/>
     <dgm:cxn modelId="{4702CDD7-4A15-4C51-BF1D-A1D7745A3664}" type="presOf" srcId="{B31BCD01-8E04-44AF-9373-F6CFDE0379CC}" destId="{E845EB7A-16AE-47AC-A300-ECB669BBE607}" srcOrd="0" destOrd="0" presId="urn:microsoft.com/office/officeart/2008/layout/VerticalCurvedList"/>
-    <dgm:cxn modelId="{5E11EF7E-6CB6-4FD4-9BF2-1DC86BBDD605}" type="presOf" srcId="{D681E7A7-DDEC-467E-8A95-A6C50DC00458}" destId="{B641343C-3A10-499C-86A8-416CFACD1D96}" srcOrd="0" destOrd="0" presId="urn:microsoft.com/office/officeart/2008/layout/VerticalCurvedList"/>
     <dgm:cxn modelId="{0B88B0AD-83BC-4CF1-A688-A5868D4F6AC9}" type="presParOf" srcId="{F1FC6A71-997C-4EE4-8932-0E61B32C744C}" destId="{DC9C0BF3-9157-4B68-9568-61EDDD2B6D7B}" srcOrd="0" destOrd="0" presId="urn:microsoft.com/office/officeart/2008/layout/VerticalCurvedList"/>
     <dgm:cxn modelId="{92CD5B85-AF26-47CB-AE63-A5CE098DDA83}" type="presParOf" srcId="{DC9C0BF3-9157-4B68-9568-61EDDD2B6D7B}" destId="{E5A2A107-8E79-4AEE-8D46-AC66437426E8}" srcOrd="0" destOrd="0" presId="urn:microsoft.com/office/officeart/2008/layout/VerticalCurvedList"/>
     <dgm:cxn modelId="{CD1AF8DC-E692-4195-895C-9E9429BDE79E}" type="presParOf" srcId="{E5A2A107-8E79-4AEE-8D46-AC66437426E8}" destId="{DF140724-B461-44C8-A5C3-94141E36569A}" srcOrd="0" destOrd="0" presId="urn:microsoft.com/office/officeart/2008/layout/VerticalCurvedList"/>
@@ -1540,7 +1505,7 @@
         </a:bodyPr>
         <a:lstStyle/>
         <a:p>
-          <a:pPr lvl="0" algn="l" defTabSz="1778000">
+          <a:pPr marL="0" lvl="0" indent="0" algn="l" defTabSz="1778000">
             <a:lnSpc>
               <a:spcPct val="90000"/>
             </a:lnSpc>
@@ -1550,53 +1515,50 @@
             <a:spcAft>
               <a:spcPct val="35000"/>
             </a:spcAft>
+            <a:buNone/>
           </a:pPr>
           <a:r>
-            <a:rPr lang="en-US" sz="4000" kern="1200" dirty="0" err="1" smtClean="0">
+            <a:rPr lang="en-US" sz="4000" kern="1200" dirty="0" err="1">
               <a:latin typeface="Times New Roman" panose="02020603050405020304" pitchFamily="18" charset="0"/>
               <a:cs typeface="Times New Roman" panose="02020603050405020304" pitchFamily="18" charset="0"/>
             </a:rPr>
             <a:t>Công</a:t>
           </a:r>
           <a:r>
-            <a:rPr lang="en-US" sz="4000" kern="1200" dirty="0" smtClean="0">
+            <a:rPr lang="en-US" sz="4000" kern="1200" dirty="0">
               <a:latin typeface="Times New Roman" panose="02020603050405020304" pitchFamily="18" charset="0"/>
               <a:cs typeface="Times New Roman" panose="02020603050405020304" pitchFamily="18" charset="0"/>
             </a:rPr>
             <a:t> </a:t>
           </a:r>
           <a:r>
-            <a:rPr lang="en-US" sz="4000" kern="1200" dirty="0" err="1" smtClean="0">
+            <a:rPr lang="en-US" sz="4000" kern="1200" dirty="0" err="1">
               <a:latin typeface="Times New Roman" panose="02020603050405020304" pitchFamily="18" charset="0"/>
               <a:cs typeface="Times New Roman" panose="02020603050405020304" pitchFamily="18" charset="0"/>
             </a:rPr>
             <a:t>dụng</a:t>
           </a:r>
           <a:r>
-            <a:rPr lang="en-US" sz="4000" kern="1200" dirty="0" smtClean="0">
+            <a:rPr lang="en-US" sz="4000" kern="1200" dirty="0">
               <a:latin typeface="Times New Roman" panose="02020603050405020304" pitchFamily="18" charset="0"/>
               <a:cs typeface="Times New Roman" panose="02020603050405020304" pitchFamily="18" charset="0"/>
             </a:rPr>
             <a:t> </a:t>
           </a:r>
           <a:r>
-            <a:rPr lang="en-US" sz="4000" kern="1200" dirty="0" err="1" smtClean="0">
+            <a:rPr lang="en-US" sz="4000" kern="1200" dirty="0" err="1">
               <a:latin typeface="Times New Roman" panose="02020603050405020304" pitchFamily="18" charset="0"/>
               <a:cs typeface="Times New Roman" panose="02020603050405020304" pitchFamily="18" charset="0"/>
             </a:rPr>
             <a:t>của</a:t>
           </a:r>
           <a:r>
-            <a:rPr lang="en-US" sz="4000" kern="1200" dirty="0" smtClean="0">
+            <a:rPr lang="en-US" sz="4000" kern="1200" dirty="0">
               <a:latin typeface="Times New Roman" panose="02020603050405020304" pitchFamily="18" charset="0"/>
               <a:cs typeface="Times New Roman" panose="02020603050405020304" pitchFamily="18" charset="0"/>
             </a:rPr>
             <a:t> Web</a:t>
           </a:r>
-          <a:endParaRPr lang="en-US" sz="4000" kern="1200" dirty="0">
-            <a:latin typeface="Times New Roman" panose="02020603050405020304" pitchFamily="18" charset="0"/>
-            <a:cs typeface="Times New Roman" panose="02020603050405020304" pitchFamily="18" charset="0"/>
-          </a:endParaRPr>
         </a:p>
       </dsp:txBody>
       <dsp:txXfrm>
@@ -1727,7 +1689,7 @@
         </a:bodyPr>
         <a:lstStyle/>
         <a:p>
-          <a:pPr lvl="0" algn="l" defTabSz="1778000">
+          <a:pPr marL="0" lvl="0" indent="0" algn="l" defTabSz="1778000">
             <a:lnSpc>
               <a:spcPct val="90000"/>
             </a:lnSpc>
@@ -1737,65 +1699,66 @@
             <a:spcAft>
               <a:spcPct val="35000"/>
             </a:spcAft>
+            <a:buNone/>
           </a:pPr>
           <a:r>
-            <a:rPr lang="en-US" sz="4000" kern="1200" dirty="0" err="1" smtClean="0">
+            <a:rPr lang="en-US" sz="4000" kern="1200" dirty="0" err="1">
               <a:latin typeface="Times New Roman" panose="02020603050405020304" pitchFamily="18" charset="0"/>
               <a:cs typeface="Times New Roman" panose="02020603050405020304" pitchFamily="18" charset="0"/>
             </a:rPr>
             <a:t>Các</a:t>
           </a:r>
           <a:r>
-            <a:rPr lang="en-US" sz="4000" kern="1200" dirty="0" smtClean="0">
+            <a:rPr lang="en-US" sz="4000" kern="1200" dirty="0">
               <a:latin typeface="Times New Roman" panose="02020603050405020304" pitchFamily="18" charset="0"/>
               <a:cs typeface="Times New Roman" panose="02020603050405020304" pitchFamily="18" charset="0"/>
             </a:rPr>
             <a:t> </a:t>
           </a:r>
           <a:r>
-            <a:rPr lang="en-US" sz="4000" kern="1200" dirty="0" err="1" smtClean="0">
+            <a:rPr lang="en-US" sz="4000" kern="1200" dirty="0" err="1">
               <a:latin typeface="Times New Roman" panose="02020603050405020304" pitchFamily="18" charset="0"/>
               <a:cs typeface="Times New Roman" panose="02020603050405020304" pitchFamily="18" charset="0"/>
             </a:rPr>
             <a:t>công</a:t>
           </a:r>
           <a:r>
-            <a:rPr lang="en-US" sz="4000" kern="1200" dirty="0" smtClean="0">
+            <a:rPr lang="en-US" sz="4000" kern="1200" dirty="0">
               <a:latin typeface="Times New Roman" panose="02020603050405020304" pitchFamily="18" charset="0"/>
               <a:cs typeface="Times New Roman" panose="02020603050405020304" pitchFamily="18" charset="0"/>
             </a:rPr>
             <a:t> </a:t>
           </a:r>
           <a:r>
-            <a:rPr lang="en-US" sz="4000" kern="1200" dirty="0" err="1" smtClean="0">
+            <a:rPr lang="en-US" sz="4000" kern="1200" dirty="0" err="1">
               <a:latin typeface="Times New Roman" panose="02020603050405020304" pitchFamily="18" charset="0"/>
               <a:cs typeface="Times New Roman" panose="02020603050405020304" pitchFamily="18" charset="0"/>
             </a:rPr>
             <a:t>cụ</a:t>
           </a:r>
           <a:r>
-            <a:rPr lang="en-US" sz="4000" kern="1200" dirty="0" smtClean="0">
+            <a:rPr lang="en-US" sz="4000" kern="1200" dirty="0">
               <a:latin typeface="Times New Roman" panose="02020603050405020304" pitchFamily="18" charset="0"/>
               <a:cs typeface="Times New Roman" panose="02020603050405020304" pitchFamily="18" charset="0"/>
             </a:rPr>
             <a:t> </a:t>
           </a:r>
           <a:r>
-            <a:rPr lang="en-US" sz="4000" kern="1200" dirty="0" err="1" smtClean="0">
+            <a:rPr lang="en-US" sz="4000" kern="1200" dirty="0" err="1">
               <a:latin typeface="Times New Roman" panose="02020603050405020304" pitchFamily="18" charset="0"/>
               <a:cs typeface="Times New Roman" panose="02020603050405020304" pitchFamily="18" charset="0"/>
             </a:rPr>
             <a:t>phát</a:t>
           </a:r>
           <a:r>
-            <a:rPr lang="en-US" sz="4000" kern="1200" dirty="0" smtClean="0">
+            <a:rPr lang="en-US" sz="4000" kern="1200" dirty="0">
               <a:latin typeface="Times New Roman" panose="02020603050405020304" pitchFamily="18" charset="0"/>
               <a:cs typeface="Times New Roman" panose="02020603050405020304" pitchFamily="18" charset="0"/>
             </a:rPr>
             <a:t> </a:t>
           </a:r>
           <a:r>
-            <a:rPr lang="en-US" sz="4000" kern="1200" dirty="0" err="1" smtClean="0">
+            <a:rPr lang="en-US" sz="4000" kern="1200" dirty="0" err="1">
               <a:latin typeface="Times New Roman" panose="02020603050405020304" pitchFamily="18" charset="0"/>
               <a:cs typeface="Times New Roman" panose="02020603050405020304" pitchFamily="18" charset="0"/>
             </a:rPr>
@@ -1935,7 +1898,7 @@
         </a:bodyPr>
         <a:lstStyle/>
         <a:p>
-          <a:pPr lvl="0" algn="l" defTabSz="1778000">
+          <a:pPr marL="0" lvl="0" indent="0" algn="l" defTabSz="1778000">
             <a:lnSpc>
               <a:spcPct val="90000"/>
             </a:lnSpc>
@@ -1945,93 +1908,94 @@
             <a:spcAft>
               <a:spcPct val="35000"/>
             </a:spcAft>
+            <a:buNone/>
           </a:pPr>
           <a:r>
-            <a:rPr lang="en-US" sz="4000" kern="1200" dirty="0" err="1" smtClean="0">
+            <a:rPr lang="en-US" sz="4000" kern="1200" dirty="0" err="1">
               <a:latin typeface="Times New Roman" panose="02020603050405020304" pitchFamily="18" charset="0"/>
               <a:cs typeface="Times New Roman" panose="02020603050405020304" pitchFamily="18" charset="0"/>
             </a:rPr>
             <a:t>Phân</a:t>
           </a:r>
           <a:r>
-            <a:rPr lang="en-US" sz="4000" kern="1200" dirty="0" smtClean="0">
+            <a:rPr lang="en-US" sz="4000" kern="1200" dirty="0">
               <a:latin typeface="Times New Roman" panose="02020603050405020304" pitchFamily="18" charset="0"/>
               <a:cs typeface="Times New Roman" panose="02020603050405020304" pitchFamily="18" charset="0"/>
             </a:rPr>
             <a:t> </a:t>
           </a:r>
           <a:r>
-            <a:rPr lang="en-US" sz="4000" kern="1200" dirty="0" err="1" smtClean="0">
+            <a:rPr lang="en-US" sz="4000" kern="1200" dirty="0" err="1">
               <a:latin typeface="Times New Roman" panose="02020603050405020304" pitchFamily="18" charset="0"/>
               <a:cs typeface="Times New Roman" panose="02020603050405020304" pitchFamily="18" charset="0"/>
             </a:rPr>
             <a:t>tích</a:t>
           </a:r>
           <a:r>
-            <a:rPr lang="en-US" sz="4000" kern="1200" dirty="0" smtClean="0">
+            <a:rPr lang="en-US" sz="4000" kern="1200" dirty="0">
               <a:latin typeface="Times New Roman" panose="02020603050405020304" pitchFamily="18" charset="0"/>
               <a:cs typeface="Times New Roman" panose="02020603050405020304" pitchFamily="18" charset="0"/>
             </a:rPr>
             <a:t> </a:t>
           </a:r>
           <a:r>
-            <a:rPr lang="en-US" sz="4000" kern="1200" dirty="0" err="1" smtClean="0">
+            <a:rPr lang="en-US" sz="4000" kern="1200" dirty="0" err="1">
               <a:latin typeface="Times New Roman" panose="02020603050405020304" pitchFamily="18" charset="0"/>
               <a:cs typeface="Times New Roman" panose="02020603050405020304" pitchFamily="18" charset="0"/>
             </a:rPr>
             <a:t>và</a:t>
           </a:r>
           <a:r>
-            <a:rPr lang="en-US" sz="4000" kern="1200" dirty="0" smtClean="0">
+            <a:rPr lang="en-US" sz="4000" kern="1200" dirty="0">
               <a:latin typeface="Times New Roman" panose="02020603050405020304" pitchFamily="18" charset="0"/>
               <a:cs typeface="Times New Roman" panose="02020603050405020304" pitchFamily="18" charset="0"/>
             </a:rPr>
             <a:t> </a:t>
           </a:r>
           <a:r>
-            <a:rPr lang="en-US" sz="4000" kern="1200" dirty="0" err="1" smtClean="0">
+            <a:rPr lang="en-US" sz="4000" kern="1200" dirty="0" err="1">
               <a:latin typeface="Times New Roman" panose="02020603050405020304" pitchFamily="18" charset="0"/>
               <a:cs typeface="Times New Roman" panose="02020603050405020304" pitchFamily="18" charset="0"/>
             </a:rPr>
             <a:t>Thiết</a:t>
           </a:r>
           <a:r>
-            <a:rPr lang="en-US" sz="4000" kern="1200" dirty="0" smtClean="0">
+            <a:rPr lang="en-US" sz="4000" kern="1200" dirty="0">
               <a:latin typeface="Times New Roman" panose="02020603050405020304" pitchFamily="18" charset="0"/>
               <a:cs typeface="Times New Roman" panose="02020603050405020304" pitchFamily="18" charset="0"/>
             </a:rPr>
             <a:t> </a:t>
           </a:r>
           <a:r>
-            <a:rPr lang="en-US" sz="4000" kern="1200" dirty="0" err="1" smtClean="0">
+            <a:rPr lang="en-US" sz="4000" kern="1200" dirty="0" err="1">
               <a:latin typeface="Times New Roman" panose="02020603050405020304" pitchFamily="18" charset="0"/>
               <a:cs typeface="Times New Roman" panose="02020603050405020304" pitchFamily="18" charset="0"/>
             </a:rPr>
             <a:t>kế</a:t>
           </a:r>
           <a:r>
-            <a:rPr lang="en-US" sz="4000" kern="1200" dirty="0" smtClean="0">
+            <a:rPr lang="en-US" sz="4000" kern="1200" dirty="0">
               <a:latin typeface="Times New Roman" panose="02020603050405020304" pitchFamily="18" charset="0"/>
               <a:cs typeface="Times New Roman" panose="02020603050405020304" pitchFamily="18" charset="0"/>
             </a:rPr>
             <a:t> </a:t>
           </a:r>
           <a:r>
-            <a:rPr lang="en-US" sz="4000" kern="1200" dirty="0" err="1" smtClean="0">
+            <a:rPr lang="en-US" sz="4000" kern="1200" dirty="0" err="1">
               <a:latin typeface="Times New Roman" panose="02020603050405020304" pitchFamily="18" charset="0"/>
               <a:cs typeface="Times New Roman" panose="02020603050405020304" pitchFamily="18" charset="0"/>
             </a:rPr>
             <a:t>yêu</a:t>
           </a:r>
           <a:r>
-            <a:rPr lang="en-US" sz="4000" kern="1200" dirty="0" smtClean="0">
+            <a:rPr lang="en-US" sz="4000" kern="1200" dirty="0">
               <a:latin typeface="Times New Roman" panose="02020603050405020304" pitchFamily="18" charset="0"/>
               <a:cs typeface="Times New Roman" panose="02020603050405020304" pitchFamily="18" charset="0"/>
             </a:rPr>
             <a:t> </a:t>
           </a:r>
           <a:r>
-            <a:rPr lang="en-US" sz="4000" kern="1200" dirty="0" err="1" smtClean="0">
+            <a:rPr lang="en-US" sz="4000" kern="1200" dirty="0" err="1">
               <a:latin typeface="Times New Roman" panose="02020603050405020304" pitchFamily="18" charset="0"/>
               <a:cs typeface="Times New Roman" panose="02020603050405020304" pitchFamily="18" charset="0"/>
             </a:rPr>
@@ -4438,7 +4402,7 @@
           <p:cNvPr id="2" name="Header Placeholder 1">
             <a:extLst>
               <a:ext uri="{FF2B5EF4-FFF2-40B4-BE49-F238E27FC236}">
-                <a16:creationId xmlns:a16="http://schemas.microsoft.com/office/drawing/2014/main" xmlns="" id="{1AD81DDF-98D4-498E-A94D-DDD7A807AD43}"/>
+                <a16:creationId xmlns:a16="http://schemas.microsoft.com/office/drawing/2014/main" id="{1AD81DDF-98D4-498E-A94D-DDD7A807AD43}"/>
               </a:ext>
             </a:extLst>
           </p:cNvPr>
@@ -4475,7 +4439,7 @@
           <p:cNvPr id="3" name="Date Placeholder 2">
             <a:extLst>
               <a:ext uri="{FF2B5EF4-FFF2-40B4-BE49-F238E27FC236}">
-                <a16:creationId xmlns:a16="http://schemas.microsoft.com/office/drawing/2014/main" xmlns="" id="{6391BFCE-55A1-4C09-B4B5-9359AD6F4DF3}"/>
+                <a16:creationId xmlns:a16="http://schemas.microsoft.com/office/drawing/2014/main" id="{6391BFCE-55A1-4C09-B4B5-9359AD6F4DF3}"/>
               </a:ext>
             </a:extLst>
           </p:cNvPr>
@@ -4516,7 +4480,7 @@
           <p:cNvPr id="4" name="Footer Placeholder 3">
             <a:extLst>
               <a:ext uri="{FF2B5EF4-FFF2-40B4-BE49-F238E27FC236}">
-                <a16:creationId xmlns:a16="http://schemas.microsoft.com/office/drawing/2014/main" xmlns="" id="{4BEEB1F3-97EE-4F0D-B402-E34820EC6842}"/>
+                <a16:creationId xmlns:a16="http://schemas.microsoft.com/office/drawing/2014/main" id="{4BEEB1F3-97EE-4F0D-B402-E34820EC6842}"/>
               </a:ext>
             </a:extLst>
           </p:cNvPr>
@@ -4553,7 +4517,7 @@
           <p:cNvPr id="5" name="Slide Number Placeholder 4">
             <a:extLst>
               <a:ext uri="{FF2B5EF4-FFF2-40B4-BE49-F238E27FC236}">
-                <a16:creationId xmlns:a16="http://schemas.microsoft.com/office/drawing/2014/main" xmlns="" id="{A054877F-A04A-4D6A-A0A8-95CC6E2D2A37}"/>
+                <a16:creationId xmlns:a16="http://schemas.microsoft.com/office/drawing/2014/main" id="{A054877F-A04A-4D6A-A0A8-95CC6E2D2A37}"/>
               </a:ext>
             </a:extLst>
           </p:cNvPr>
@@ -5376,7 +5340,7 @@
           <p:cNvPr id="9" name="Straight Connector 8">
             <a:extLst>
               <a:ext uri="{FF2B5EF4-FFF2-40B4-BE49-F238E27FC236}">
-                <a16:creationId xmlns:a16="http://schemas.microsoft.com/office/drawing/2014/main" xmlns="" id="{6CC09F73-0AD6-4A1E-A331-75A00B808982}"/>
+                <a16:creationId xmlns:a16="http://schemas.microsoft.com/office/drawing/2014/main" id="{6CC09F73-0AD6-4A1E-A331-75A00B808982}"/>
               </a:ext>
             </a:extLst>
           </p:cNvPr>
@@ -5413,7 +5377,7 @@
           <p:cNvPr id="8" name="Content Placeholder 2">
             <a:extLst>
               <a:ext uri="{FF2B5EF4-FFF2-40B4-BE49-F238E27FC236}">
-                <a16:creationId xmlns:a16="http://schemas.microsoft.com/office/drawing/2014/main" xmlns="" id="{9DE9A20D-024F-4A17-9B20-526AA4037253}"/>
+                <a16:creationId xmlns:a16="http://schemas.microsoft.com/office/drawing/2014/main" id="{9DE9A20D-024F-4A17-9B20-526AA4037253}"/>
               </a:ext>
             </a:extLst>
           </p:cNvPr>
@@ -5475,7 +5439,7 @@
           <p:cNvPr id="10" name="Content Placeholder 2">
             <a:extLst>
               <a:ext uri="{FF2B5EF4-FFF2-40B4-BE49-F238E27FC236}">
-                <a16:creationId xmlns:a16="http://schemas.microsoft.com/office/drawing/2014/main" xmlns="" id="{37D8F60F-F9DD-4AAC-BF28-C004CCDF2D69}"/>
+                <a16:creationId xmlns:a16="http://schemas.microsoft.com/office/drawing/2014/main" id="{37D8F60F-F9DD-4AAC-BF28-C004CCDF2D69}"/>
               </a:ext>
             </a:extLst>
           </p:cNvPr>
@@ -5537,7 +5501,7 @@
           <p:cNvPr id="11" name="Text Placeholder 3">
             <a:extLst>
               <a:ext uri="{FF2B5EF4-FFF2-40B4-BE49-F238E27FC236}">
-                <a16:creationId xmlns:a16="http://schemas.microsoft.com/office/drawing/2014/main" xmlns="" id="{8F09FDD8-5B1C-4AAA-8EEC-0A77C9E477D1}"/>
+                <a16:creationId xmlns:a16="http://schemas.microsoft.com/office/drawing/2014/main" id="{8F09FDD8-5B1C-4AAA-8EEC-0A77C9E477D1}"/>
               </a:ext>
             </a:extLst>
           </p:cNvPr>
@@ -5608,7 +5572,7 @@
           <p:cNvPr id="12" name="Text Placeholder 3">
             <a:extLst>
               <a:ext uri="{FF2B5EF4-FFF2-40B4-BE49-F238E27FC236}">
-                <a16:creationId xmlns:a16="http://schemas.microsoft.com/office/drawing/2014/main" xmlns="" id="{E6DF0B7E-E17E-4875-966D-4DE67F755B71}"/>
+                <a16:creationId xmlns:a16="http://schemas.microsoft.com/office/drawing/2014/main" id="{E6DF0B7E-E17E-4875-966D-4DE67F755B71}"/>
               </a:ext>
             </a:extLst>
           </p:cNvPr>
@@ -5679,7 +5643,7 @@
           <p:cNvPr id="13" name="Straight Connector 12">
             <a:extLst>
               <a:ext uri="{FF2B5EF4-FFF2-40B4-BE49-F238E27FC236}">
-                <a16:creationId xmlns:a16="http://schemas.microsoft.com/office/drawing/2014/main" xmlns="" id="{5685D963-B130-47E9-AFCC-AEBED2B1155B}"/>
+                <a16:creationId xmlns:a16="http://schemas.microsoft.com/office/drawing/2014/main" id="{5685D963-B130-47E9-AFCC-AEBED2B1155B}"/>
               </a:ext>
             </a:extLst>
           </p:cNvPr>
@@ -5724,7 +5688,7 @@
           <p:cNvPr id="14" name="Straight Connector 13">
             <a:extLst>
               <a:ext uri="{FF2B5EF4-FFF2-40B4-BE49-F238E27FC236}">
-                <a16:creationId xmlns:a16="http://schemas.microsoft.com/office/drawing/2014/main" xmlns="" id="{2FA9B6CF-713A-4942-BE35-A61AFCDDFD3D}"/>
+                <a16:creationId xmlns:a16="http://schemas.microsoft.com/office/drawing/2014/main" id="{2FA9B6CF-713A-4942-BE35-A61AFCDDFD3D}"/>
               </a:ext>
             </a:extLst>
           </p:cNvPr>
@@ -5769,7 +5733,7 @@
           <p:cNvPr id="19" name="Text Placeholder 18">
             <a:extLst>
               <a:ext uri="{FF2B5EF4-FFF2-40B4-BE49-F238E27FC236}">
-                <a16:creationId xmlns:a16="http://schemas.microsoft.com/office/drawing/2014/main" xmlns="" id="{93809A32-C7A4-4739-994B-BE492F855ACC}"/>
+                <a16:creationId xmlns:a16="http://schemas.microsoft.com/office/drawing/2014/main" id="{93809A32-C7A4-4739-994B-BE492F855ACC}"/>
               </a:ext>
             </a:extLst>
           </p:cNvPr>
@@ -5833,7 +5797,7 @@
           <p:cNvPr id="7" name="Title 6">
             <a:extLst>
               <a:ext uri="{FF2B5EF4-FFF2-40B4-BE49-F238E27FC236}">
-                <a16:creationId xmlns:a16="http://schemas.microsoft.com/office/drawing/2014/main" xmlns="" id="{2C1ABD52-D5FE-4FC2-8449-5DA0E52853E1}"/>
+                <a16:creationId xmlns:a16="http://schemas.microsoft.com/office/drawing/2014/main" id="{2C1ABD52-D5FE-4FC2-8449-5DA0E52853E1}"/>
               </a:ext>
             </a:extLst>
           </p:cNvPr>
@@ -6487,7 +6451,7 @@
           <p:cNvPr id="6" name="Title 5">
             <a:extLst>
               <a:ext uri="{FF2B5EF4-FFF2-40B4-BE49-F238E27FC236}">
-                <a16:creationId xmlns:a16="http://schemas.microsoft.com/office/drawing/2014/main" xmlns="" id="{C414FF1F-6558-4E39-87DB-276E44F5477C}"/>
+                <a16:creationId xmlns:a16="http://schemas.microsoft.com/office/drawing/2014/main" id="{C414FF1F-6558-4E39-87DB-276E44F5477C}"/>
               </a:ext>
             </a:extLst>
           </p:cNvPr>
@@ -7000,7 +6964,7 @@
           <p:cNvPr id="9" name="Straight Connector 8">
             <a:extLst>
               <a:ext uri="{FF2B5EF4-FFF2-40B4-BE49-F238E27FC236}">
-                <a16:creationId xmlns:a16="http://schemas.microsoft.com/office/drawing/2014/main" xmlns="" id="{4715607D-9DE2-4687-AAF8-EF2427252A90}"/>
+                <a16:creationId xmlns:a16="http://schemas.microsoft.com/office/drawing/2014/main" id="{4715607D-9DE2-4687-AAF8-EF2427252A90}"/>
               </a:ext>
             </a:extLst>
           </p:cNvPr>
@@ -7037,7 +7001,7 @@
           <p:cNvPr id="7" name="Title 6">
             <a:extLst>
               <a:ext uri="{FF2B5EF4-FFF2-40B4-BE49-F238E27FC236}">
-                <a16:creationId xmlns:a16="http://schemas.microsoft.com/office/drawing/2014/main" xmlns="" id="{2F96D46B-C1B8-46AB-87DF-61A8058B1F42}"/>
+                <a16:creationId xmlns:a16="http://schemas.microsoft.com/office/drawing/2014/main" id="{2F96D46B-C1B8-46AB-87DF-61A8058B1F42}"/>
               </a:ext>
             </a:extLst>
           </p:cNvPr>
@@ -7420,7 +7384,7 @@
           <p:cNvPr id="11" name="Straight Connector 10">
             <a:extLst>
               <a:ext uri="{FF2B5EF4-FFF2-40B4-BE49-F238E27FC236}">
-                <a16:creationId xmlns:a16="http://schemas.microsoft.com/office/drawing/2014/main" xmlns="" id="{C384AA55-1960-47F4-BA3C-E97A6F2D0B19}"/>
+                <a16:creationId xmlns:a16="http://schemas.microsoft.com/office/drawing/2014/main" id="{C384AA55-1960-47F4-BA3C-E97A6F2D0B19}"/>
               </a:ext>
             </a:extLst>
           </p:cNvPr>
@@ -7457,7 +7421,7 @@
           <p:cNvPr id="9" name="Title 8">
             <a:extLst>
               <a:ext uri="{FF2B5EF4-FFF2-40B4-BE49-F238E27FC236}">
-                <a16:creationId xmlns:a16="http://schemas.microsoft.com/office/drawing/2014/main" xmlns="" id="{09471694-1220-4CFC-A31F-622E5D3DE2D5}"/>
+                <a16:creationId xmlns:a16="http://schemas.microsoft.com/office/drawing/2014/main" id="{09471694-1220-4CFC-A31F-622E5D3DE2D5}"/>
               </a:ext>
             </a:extLst>
           </p:cNvPr>
@@ -7580,7 +7544,7 @@
           <p:cNvPr id="7" name="Straight Connector 6">
             <a:extLst>
               <a:ext uri="{FF2B5EF4-FFF2-40B4-BE49-F238E27FC236}">
-                <a16:creationId xmlns:a16="http://schemas.microsoft.com/office/drawing/2014/main" xmlns="" id="{FFB55B52-B62C-4800-AAC1-B15AF2FE1F45}"/>
+                <a16:creationId xmlns:a16="http://schemas.microsoft.com/office/drawing/2014/main" id="{FFB55B52-B62C-4800-AAC1-B15AF2FE1F45}"/>
               </a:ext>
             </a:extLst>
           </p:cNvPr>
@@ -7617,7 +7581,7 @@
           <p:cNvPr id="5" name="Title 4">
             <a:extLst>
               <a:ext uri="{FF2B5EF4-FFF2-40B4-BE49-F238E27FC236}">
-                <a16:creationId xmlns:a16="http://schemas.microsoft.com/office/drawing/2014/main" xmlns="" id="{3DF0054B-B64C-418E-A1B8-428EE4A1DB50}"/>
+                <a16:creationId xmlns:a16="http://schemas.microsoft.com/office/drawing/2014/main" id="{3DF0054B-B64C-418E-A1B8-428EE4A1DB50}"/>
               </a:ext>
             </a:extLst>
           </p:cNvPr>
@@ -7740,7 +7704,7 @@
           <p:cNvPr id="7" name="Straight Connector 6">
             <a:extLst>
               <a:ext uri="{FF2B5EF4-FFF2-40B4-BE49-F238E27FC236}">
-                <a16:creationId xmlns:a16="http://schemas.microsoft.com/office/drawing/2014/main" xmlns="" id="{FFB55B52-B62C-4800-AAC1-B15AF2FE1F45}"/>
+                <a16:creationId xmlns:a16="http://schemas.microsoft.com/office/drawing/2014/main" id="{FFB55B52-B62C-4800-AAC1-B15AF2FE1F45}"/>
               </a:ext>
             </a:extLst>
           </p:cNvPr>
@@ -7777,7 +7741,7 @@
           <p:cNvPr id="5" name="Title 4">
             <a:extLst>
               <a:ext uri="{FF2B5EF4-FFF2-40B4-BE49-F238E27FC236}">
-                <a16:creationId xmlns:a16="http://schemas.microsoft.com/office/drawing/2014/main" xmlns="" id="{3DF0054B-B64C-418E-A1B8-428EE4A1DB50}"/>
+                <a16:creationId xmlns:a16="http://schemas.microsoft.com/office/drawing/2014/main" id="{3DF0054B-B64C-418E-A1B8-428EE4A1DB50}"/>
               </a:ext>
             </a:extLst>
           </p:cNvPr>
@@ -7805,7 +7769,7 @@
           <p:cNvPr id="6" name="Text Placeholder 5">
             <a:extLst>
               <a:ext uri="{FF2B5EF4-FFF2-40B4-BE49-F238E27FC236}">
-                <a16:creationId xmlns:a16="http://schemas.microsoft.com/office/drawing/2014/main" xmlns="" id="{A5A680F6-C147-410B-94DF-19850752D7DF}"/>
+                <a16:creationId xmlns:a16="http://schemas.microsoft.com/office/drawing/2014/main" id="{A5A680F6-C147-410B-94DF-19850752D7DF}"/>
               </a:ext>
             </a:extLst>
           </p:cNvPr>
@@ -8161,7 +8125,7 @@
           <p:cNvPr id="9" name="Straight Connector 8">
             <a:extLst>
               <a:ext uri="{FF2B5EF4-FFF2-40B4-BE49-F238E27FC236}">
-                <a16:creationId xmlns:a16="http://schemas.microsoft.com/office/drawing/2014/main" xmlns="" id="{6CC09F73-0AD6-4A1E-A331-75A00B808982}"/>
+                <a16:creationId xmlns:a16="http://schemas.microsoft.com/office/drawing/2014/main" id="{6CC09F73-0AD6-4A1E-A331-75A00B808982}"/>
               </a:ext>
             </a:extLst>
           </p:cNvPr>
@@ -8198,7 +8162,7 @@
           <p:cNvPr id="7" name="Title 6">
             <a:extLst>
               <a:ext uri="{FF2B5EF4-FFF2-40B4-BE49-F238E27FC236}">
-                <a16:creationId xmlns:a16="http://schemas.microsoft.com/office/drawing/2014/main" xmlns="" id="{1B74F78C-6D32-47C3-ABB2-6E7092A9C4A3}"/>
+                <a16:creationId xmlns:a16="http://schemas.microsoft.com/office/drawing/2014/main" id="{1B74F78C-6D32-47C3-ABB2-6E7092A9C4A3}"/>
               </a:ext>
             </a:extLst>
           </p:cNvPr>
@@ -8938,7 +8902,7 @@
           <p:cNvPr id="7" name="Title 6">
             <a:extLst>
               <a:ext uri="{FF2B5EF4-FFF2-40B4-BE49-F238E27FC236}">
-                <a16:creationId xmlns:a16="http://schemas.microsoft.com/office/drawing/2014/main" xmlns="" id="{B1C83DE4-BA04-4315-BD3E-C6E51C0D8D10}"/>
+                <a16:creationId xmlns:a16="http://schemas.microsoft.com/office/drawing/2014/main" id="{B1C83DE4-BA04-4315-BD3E-C6E51C0D8D10}"/>
               </a:ext>
             </a:extLst>
           </p:cNvPr>
@@ -8963,7 +8927,7 @@
           <p:cNvPr id="9" name="Picture 8">
             <a:extLst>
               <a:ext uri="{FF2B5EF4-FFF2-40B4-BE49-F238E27FC236}">
-                <a16:creationId xmlns:a16="http://schemas.microsoft.com/office/drawing/2014/main" xmlns="" id="{E552F1D9-C3EF-4B18-826C-2FC142E0D6D9}"/>
+                <a16:creationId xmlns:a16="http://schemas.microsoft.com/office/drawing/2014/main" id="{E552F1D9-C3EF-4B18-826C-2FC142E0D6D9}"/>
               </a:ext>
             </a:extLst>
           </p:cNvPr>
@@ -9041,65 +9005,61 @@
           <a:lstStyle/>
           <a:p>
             <a:r>
-              <a:rPr lang="en-US" sz="4800" dirty="0" err="1" smtClean="0">
+              <a:rPr lang="en-US" sz="4800" dirty="0" err="1">
                 <a:latin typeface="Times New Roman" panose="02020603050405020304" pitchFamily="18" charset="0"/>
                 <a:cs typeface="Times New Roman" panose="02020603050405020304" pitchFamily="18" charset="0"/>
               </a:rPr>
               <a:t>Phân</a:t>
             </a:r>
             <a:r>
-              <a:rPr lang="en-US" sz="4800" dirty="0" smtClean="0">
-                <a:latin typeface="Times New Roman" panose="02020603050405020304" pitchFamily="18" charset="0"/>
-                <a:cs typeface="Times New Roman" panose="02020603050405020304" pitchFamily="18" charset="0"/>
-              </a:rPr>
-              <a:t> </a:t>
-            </a:r>
-            <a:r>
-              <a:rPr lang="en-US" sz="4800" dirty="0" err="1" smtClean="0">
+              <a:rPr lang="en-US" sz="4800" dirty="0">
+                <a:latin typeface="Times New Roman" panose="02020603050405020304" pitchFamily="18" charset="0"/>
+                <a:cs typeface="Times New Roman" panose="02020603050405020304" pitchFamily="18" charset="0"/>
+              </a:rPr>
+              <a:t> </a:t>
+            </a:r>
+            <a:r>
+              <a:rPr lang="en-US" sz="4800" dirty="0" err="1">
                 <a:latin typeface="Times New Roman" panose="02020603050405020304" pitchFamily="18" charset="0"/>
                 <a:cs typeface="Times New Roman" panose="02020603050405020304" pitchFamily="18" charset="0"/>
               </a:rPr>
               <a:t>tích</a:t>
             </a:r>
             <a:r>
-              <a:rPr lang="en-US" sz="4800" dirty="0" smtClean="0">
-                <a:latin typeface="Times New Roman" panose="02020603050405020304" pitchFamily="18" charset="0"/>
-                <a:cs typeface="Times New Roman" panose="02020603050405020304" pitchFamily="18" charset="0"/>
-              </a:rPr>
-              <a:t> </a:t>
-            </a:r>
-            <a:r>
-              <a:rPr lang="en-US" sz="4800" dirty="0" err="1" smtClean="0">
+              <a:rPr lang="en-US" sz="4800" dirty="0">
+                <a:latin typeface="Times New Roman" panose="02020603050405020304" pitchFamily="18" charset="0"/>
+                <a:cs typeface="Times New Roman" panose="02020603050405020304" pitchFamily="18" charset="0"/>
+              </a:rPr>
+              <a:t> </a:t>
+            </a:r>
+            <a:r>
+              <a:rPr lang="en-US" sz="4800" dirty="0" err="1">
                 <a:latin typeface="Times New Roman" panose="02020603050405020304" pitchFamily="18" charset="0"/>
                 <a:cs typeface="Times New Roman" panose="02020603050405020304" pitchFamily="18" charset="0"/>
               </a:rPr>
               <a:t>hệ</a:t>
             </a:r>
             <a:r>
-              <a:rPr lang="en-US" sz="4800" dirty="0" smtClean="0">
-                <a:latin typeface="Times New Roman" panose="02020603050405020304" pitchFamily="18" charset="0"/>
-                <a:cs typeface="Times New Roman" panose="02020603050405020304" pitchFamily="18" charset="0"/>
-              </a:rPr>
-              <a:t> </a:t>
-            </a:r>
-            <a:r>
-              <a:rPr lang="en-US" sz="4800" dirty="0" err="1" smtClean="0">
+              <a:rPr lang="en-US" sz="4800" dirty="0">
+                <a:latin typeface="Times New Roman" panose="02020603050405020304" pitchFamily="18" charset="0"/>
+                <a:cs typeface="Times New Roman" panose="02020603050405020304" pitchFamily="18" charset="0"/>
+              </a:rPr>
+              <a:t> </a:t>
+            </a:r>
+            <a:r>
+              <a:rPr lang="en-US" sz="4800" dirty="0" err="1">
                 <a:latin typeface="Times New Roman" panose="02020603050405020304" pitchFamily="18" charset="0"/>
                 <a:cs typeface="Times New Roman" panose="02020603050405020304" pitchFamily="18" charset="0"/>
               </a:rPr>
               <a:t>thống</a:t>
             </a:r>
             <a:r>
-              <a:rPr lang="en-US" sz="4800" dirty="0" smtClean="0">
-                <a:latin typeface="Times New Roman" panose="02020603050405020304" pitchFamily="18" charset="0"/>
-                <a:cs typeface="Times New Roman" panose="02020603050405020304" pitchFamily="18" charset="0"/>
-              </a:rPr>
-              <a:t> </a:t>
-            </a:r>
-            <a:endParaRPr lang="en-US" sz="4800" dirty="0">
-              <a:latin typeface="Times New Roman" panose="02020603050405020304" pitchFamily="18" charset="0"/>
-              <a:cs typeface="Times New Roman" panose="02020603050405020304" pitchFamily="18" charset="0"/>
-            </a:endParaRPr>
+              <a:rPr lang="en-US" sz="4800" dirty="0">
+                <a:latin typeface="Times New Roman" panose="02020603050405020304" pitchFamily="18" charset="0"/>
+                <a:cs typeface="Times New Roman" panose="02020603050405020304" pitchFamily="18" charset="0"/>
+              </a:rPr>
+              <a:t> </a:t>
+            </a:r>
           </a:p>
         </p:txBody>
       </p:sp>
@@ -9108,7 +9068,7 @@
           <p:cNvPr id="7" name="Graphic 6" descr="Gears icon">
             <a:extLst>
               <a:ext uri="{FF2B5EF4-FFF2-40B4-BE49-F238E27FC236}">
-                <a16:creationId xmlns:a16="http://schemas.microsoft.com/office/drawing/2014/main" xmlns="" id="{DA9595F8-50AF-4C85-9BC5-B52646E113FB}"/>
+                <a16:creationId xmlns:a16="http://schemas.microsoft.com/office/drawing/2014/main" id="{DA9595F8-50AF-4C85-9BC5-B52646E113FB}"/>
               </a:ext>
             </a:extLst>
           </p:cNvPr>
@@ -9121,7 +9081,7 @@
           <a:blip r:embed="rId2">
             <a:extLst>
               <a:ext uri="{96DAC541-7B7A-43D3-8B79-37D633B846F1}">
-                <asvg:svgBlip xmlns:asvg="http://schemas.microsoft.com/office/drawing/2016/SVG/main" xmlns="" r:embed="rId3"/>
+                <asvg:svgBlip xmlns:asvg="http://schemas.microsoft.com/office/drawing/2016/SVG/main" r:embed="rId3"/>
               </a:ext>
             </a:extLst>
           </a:blip>
@@ -9171,83 +9131,158 @@
               <a:buChar char="q"/>
             </a:pPr>
             <a:r>
-              <a:rPr lang="en-US" sz="2550" b="1" dirty="0" smtClean="0">
-                <a:latin typeface="Times New Roman" panose="02020603050405020304" pitchFamily="18" charset="0"/>
-                <a:ea typeface="Times New Roman" panose="02020603050405020304" pitchFamily="18" charset="0"/>
-              </a:rPr>
-              <a:t> </a:t>
-            </a:r>
-            <a:r>
-              <a:rPr lang="en-US" sz="2550" b="1" dirty="0" err="1" smtClean="0">
+              <a:rPr lang="en-US" sz="2550" b="1" dirty="0">
+                <a:latin typeface="Times New Roman" panose="02020603050405020304" pitchFamily="18" charset="0"/>
+                <a:ea typeface="Times New Roman" panose="02020603050405020304" pitchFamily="18" charset="0"/>
+              </a:rPr>
+              <a:t> </a:t>
+            </a:r>
+            <a:r>
+              <a:rPr lang="en-US" sz="2550" b="1" dirty="0" err="1">
                 <a:latin typeface="Times New Roman" panose="02020603050405020304" pitchFamily="18" charset="0"/>
                 <a:ea typeface="Times New Roman" panose="02020603050405020304" pitchFamily="18" charset="0"/>
               </a:rPr>
               <a:t>Các</a:t>
             </a:r>
             <a:r>
-              <a:rPr lang="en-US" sz="2550" b="1" dirty="0" smtClean="0">
-                <a:latin typeface="Times New Roman" panose="02020603050405020304" pitchFamily="18" charset="0"/>
-                <a:ea typeface="Times New Roman" panose="02020603050405020304" pitchFamily="18" charset="0"/>
-              </a:rPr>
-              <a:t> </a:t>
-            </a:r>
-            <a:r>
-              <a:rPr lang="en-US" sz="2550" b="1" dirty="0" err="1" smtClean="0">
+              <a:rPr lang="en-US" sz="2550" b="1" dirty="0">
+                <a:latin typeface="Times New Roman" panose="02020603050405020304" pitchFamily="18" charset="0"/>
+                <a:ea typeface="Times New Roman" panose="02020603050405020304" pitchFamily="18" charset="0"/>
+              </a:rPr>
+              <a:t> </a:t>
+            </a:r>
+            <a:r>
+              <a:rPr lang="en-US" sz="2550" b="1" dirty="0" err="1">
                 <a:latin typeface="Times New Roman" panose="02020603050405020304" pitchFamily="18" charset="0"/>
                 <a:ea typeface="Times New Roman" panose="02020603050405020304" pitchFamily="18" charset="0"/>
               </a:rPr>
               <a:t>ràng</a:t>
             </a:r>
             <a:r>
-              <a:rPr lang="en-US" sz="2550" b="1" dirty="0" smtClean="0">
-                <a:latin typeface="Times New Roman" panose="02020603050405020304" pitchFamily="18" charset="0"/>
-                <a:ea typeface="Times New Roman" panose="02020603050405020304" pitchFamily="18" charset="0"/>
-              </a:rPr>
-              <a:t> </a:t>
-            </a:r>
-            <a:r>
-              <a:rPr lang="en-US" sz="2550" b="1" dirty="0" err="1" smtClean="0">
+              <a:rPr lang="en-US" sz="2550" b="1" dirty="0">
+                <a:latin typeface="Times New Roman" panose="02020603050405020304" pitchFamily="18" charset="0"/>
+                <a:ea typeface="Times New Roman" panose="02020603050405020304" pitchFamily="18" charset="0"/>
+              </a:rPr>
+              <a:t> </a:t>
+            </a:r>
+            <a:r>
+              <a:rPr lang="en-US" sz="2550" b="1" dirty="0" err="1">
                 <a:latin typeface="Times New Roman" panose="02020603050405020304" pitchFamily="18" charset="0"/>
                 <a:ea typeface="Times New Roman" panose="02020603050405020304" pitchFamily="18" charset="0"/>
               </a:rPr>
               <a:t>buộc</a:t>
             </a:r>
             <a:r>
-              <a:rPr lang="en-US" sz="2550" b="1" dirty="0" smtClean="0">
-                <a:latin typeface="Times New Roman" panose="02020603050405020304" pitchFamily="18" charset="0"/>
-                <a:ea typeface="Times New Roman" panose="02020603050405020304" pitchFamily="18" charset="0"/>
-              </a:rPr>
-              <a:t> </a:t>
-            </a:r>
-            <a:r>
-              <a:rPr lang="en-US" sz="2550" b="1" dirty="0" err="1" smtClean="0">
+              <a:rPr lang="en-US" sz="2550" b="1" dirty="0">
+                <a:latin typeface="Times New Roman" panose="02020603050405020304" pitchFamily="18" charset="0"/>
+                <a:ea typeface="Times New Roman" panose="02020603050405020304" pitchFamily="18" charset="0"/>
+              </a:rPr>
+              <a:t> </a:t>
+            </a:r>
+            <a:r>
+              <a:rPr lang="en-US" sz="2550" b="1" dirty="0" err="1">
                 <a:latin typeface="Times New Roman" panose="02020603050405020304" pitchFamily="18" charset="0"/>
                 <a:ea typeface="Times New Roman" panose="02020603050405020304" pitchFamily="18" charset="0"/>
               </a:rPr>
               <a:t>hệ</a:t>
             </a:r>
             <a:r>
-              <a:rPr lang="en-US" sz="2550" b="1" dirty="0" smtClean="0">
-                <a:latin typeface="Times New Roman" panose="02020603050405020304" pitchFamily="18" charset="0"/>
-                <a:ea typeface="Times New Roman" panose="02020603050405020304" pitchFamily="18" charset="0"/>
-              </a:rPr>
-              <a:t> </a:t>
-            </a:r>
-            <a:r>
-              <a:rPr lang="en-US" sz="2550" b="1" dirty="0" err="1" smtClean="0">
+              <a:rPr lang="en-US" sz="2550" b="1" dirty="0">
+                <a:latin typeface="Times New Roman" panose="02020603050405020304" pitchFamily="18" charset="0"/>
+                <a:ea typeface="Times New Roman" panose="02020603050405020304" pitchFamily="18" charset="0"/>
+              </a:rPr>
+              <a:t> </a:t>
+            </a:r>
+            <a:r>
+              <a:rPr lang="en-US" sz="2550" b="1" dirty="0" err="1">
                 <a:latin typeface="Times New Roman" panose="02020603050405020304" pitchFamily="18" charset="0"/>
                 <a:ea typeface="Times New Roman" panose="02020603050405020304" pitchFamily="18" charset="0"/>
               </a:rPr>
               <a:t>thống</a:t>
             </a:r>
             <a:r>
-              <a:rPr lang="en-US" sz="2550" b="1" dirty="0" smtClean="0">
+              <a:rPr lang="en-US" sz="2550" b="1" dirty="0">
                 <a:latin typeface="Times New Roman" panose="02020603050405020304" pitchFamily="18" charset="0"/>
                 <a:ea typeface="Times New Roman" panose="02020603050405020304" pitchFamily="18" charset="0"/>
               </a:rPr>
               <a:t>:</a:t>
             </a:r>
-            <a:endParaRPr lang="en-US" sz="2550" b="1" dirty="0">
+          </a:p>
+          <a:p>
+            <a:pPr marL="1200150" lvl="2" indent="-285750" algn="just">
+              <a:lnSpc>
+                <a:spcPct val="150000"/>
+              </a:lnSpc>
+              <a:spcAft>
+                <a:spcPts val="0"/>
+              </a:spcAft>
+              <a:buFont typeface="Arial" panose="020B0604020202020204" pitchFamily="34" charset="0"/>
+              <a:buChar char="•"/>
+            </a:pPr>
+            <a:r>
+              <a:rPr lang="en-US" sz="2400" dirty="0" err="1">
+                <a:latin typeface="Times New Roman" panose="02020603050405020304" pitchFamily="18" charset="0"/>
+                <a:ea typeface="Times New Roman" panose="02020603050405020304" pitchFamily="18" charset="0"/>
+              </a:rPr>
+              <a:t>Tốc</a:t>
+            </a:r>
+            <a:r>
+              <a:rPr lang="en-US" sz="2400" dirty="0">
+                <a:latin typeface="Times New Roman" panose="02020603050405020304" pitchFamily="18" charset="0"/>
+                <a:ea typeface="Times New Roman" panose="02020603050405020304" pitchFamily="18" charset="0"/>
+              </a:rPr>
+              <a:t> </a:t>
+            </a:r>
+            <a:r>
+              <a:rPr lang="en-US" sz="2400" dirty="0" err="1">
+                <a:latin typeface="Times New Roman" panose="02020603050405020304" pitchFamily="18" charset="0"/>
+                <a:ea typeface="Times New Roman" panose="02020603050405020304" pitchFamily="18" charset="0"/>
+              </a:rPr>
+              <a:t>độ</a:t>
+            </a:r>
+            <a:r>
+              <a:rPr lang="en-US" sz="2400" dirty="0">
+                <a:latin typeface="Times New Roman" panose="02020603050405020304" pitchFamily="18" charset="0"/>
+                <a:ea typeface="Times New Roman" panose="02020603050405020304" pitchFamily="18" charset="0"/>
+              </a:rPr>
+              <a:t> </a:t>
+            </a:r>
+            <a:r>
+              <a:rPr lang="en-US" sz="2400" dirty="0" err="1">
+                <a:latin typeface="Times New Roman" panose="02020603050405020304" pitchFamily="18" charset="0"/>
+                <a:ea typeface="Times New Roman" panose="02020603050405020304" pitchFamily="18" charset="0"/>
+              </a:rPr>
+              <a:t>xử</a:t>
+            </a:r>
+            <a:r>
+              <a:rPr lang="en-US" sz="2400" dirty="0">
+                <a:latin typeface="Times New Roman" panose="02020603050405020304" pitchFamily="18" charset="0"/>
+                <a:ea typeface="Times New Roman" panose="02020603050405020304" pitchFamily="18" charset="0"/>
+              </a:rPr>
+              <a:t> </a:t>
+            </a:r>
+            <a:r>
+              <a:rPr lang="en-US" sz="2400" dirty="0" err="1">
+                <a:latin typeface="Times New Roman" panose="02020603050405020304" pitchFamily="18" charset="0"/>
+                <a:ea typeface="Times New Roman" panose="02020603050405020304" pitchFamily="18" charset="0"/>
+              </a:rPr>
+              <a:t>lí</a:t>
+            </a:r>
+            <a:r>
+              <a:rPr lang="en-US" sz="2400" dirty="0">
+                <a:latin typeface="Times New Roman" panose="02020603050405020304" pitchFamily="18" charset="0"/>
+                <a:ea typeface="Times New Roman" panose="02020603050405020304" pitchFamily="18" charset="0"/>
+              </a:rPr>
+              <a:t> </a:t>
+            </a:r>
+            <a:r>
+              <a:rPr lang="en-US" sz="2400" dirty="0" err="1">
+                <a:latin typeface="Times New Roman" panose="02020603050405020304" pitchFamily="18" charset="0"/>
+                <a:ea typeface="Times New Roman" panose="02020603050405020304" pitchFamily="18" charset="0"/>
+              </a:rPr>
+              <a:t>nhanh</a:t>
+            </a:r>
+            <a:endParaRPr lang="en-US" sz="2400" dirty="0">
               <a:latin typeface="Times New Roman" panose="02020603050405020304" pitchFamily="18" charset="0"/>
               <a:ea typeface="Times New Roman" panose="02020603050405020304" pitchFamily="18" charset="0"/>
             </a:endParaRPr>
@@ -9264,69 +9299,195 @@
               <a:buChar char="•"/>
             </a:pPr>
             <a:r>
-              <a:rPr lang="en-US" sz="2400" dirty="0" err="1" smtClean="0">
-                <a:latin typeface="Times New Roman" panose="02020603050405020304" pitchFamily="18" charset="0"/>
-                <a:ea typeface="Times New Roman" panose="02020603050405020304" pitchFamily="18" charset="0"/>
-              </a:rPr>
-              <a:t>Tốc</a:t>
-            </a:r>
-            <a:r>
-              <a:rPr lang="en-US" sz="2400" dirty="0" smtClean="0">
-                <a:latin typeface="Times New Roman" panose="02020603050405020304" pitchFamily="18" charset="0"/>
-                <a:ea typeface="Times New Roman" panose="02020603050405020304" pitchFamily="18" charset="0"/>
-              </a:rPr>
-              <a:t> </a:t>
-            </a:r>
-            <a:r>
-              <a:rPr lang="en-US" sz="2400" dirty="0" err="1" smtClean="0">
-                <a:latin typeface="Times New Roman" panose="02020603050405020304" pitchFamily="18" charset="0"/>
-                <a:ea typeface="Times New Roman" panose="02020603050405020304" pitchFamily="18" charset="0"/>
-              </a:rPr>
-              <a:t>độ</a:t>
-            </a:r>
-            <a:r>
-              <a:rPr lang="en-US" sz="2400" dirty="0" smtClean="0">
-                <a:latin typeface="Times New Roman" panose="02020603050405020304" pitchFamily="18" charset="0"/>
-                <a:ea typeface="Times New Roman" panose="02020603050405020304" pitchFamily="18" charset="0"/>
-              </a:rPr>
-              <a:t> </a:t>
-            </a:r>
-            <a:r>
-              <a:rPr lang="en-US" sz="2400" dirty="0" err="1" smtClean="0">
-                <a:latin typeface="Times New Roman" panose="02020603050405020304" pitchFamily="18" charset="0"/>
-                <a:ea typeface="Times New Roman" panose="02020603050405020304" pitchFamily="18" charset="0"/>
-              </a:rPr>
-              <a:t>xử</a:t>
-            </a:r>
-            <a:r>
-              <a:rPr lang="en-US" sz="2400" dirty="0" smtClean="0">
-                <a:latin typeface="Times New Roman" panose="02020603050405020304" pitchFamily="18" charset="0"/>
-                <a:ea typeface="Times New Roman" panose="02020603050405020304" pitchFamily="18" charset="0"/>
-              </a:rPr>
-              <a:t> </a:t>
-            </a:r>
-            <a:r>
-              <a:rPr lang="en-US" sz="2400" dirty="0" err="1" smtClean="0">
-                <a:latin typeface="Times New Roman" panose="02020603050405020304" pitchFamily="18" charset="0"/>
-                <a:ea typeface="Times New Roman" panose="02020603050405020304" pitchFamily="18" charset="0"/>
-              </a:rPr>
-              <a:t>lí</a:t>
-            </a:r>
-            <a:r>
-              <a:rPr lang="en-US" sz="2400" dirty="0" smtClean="0">
-                <a:latin typeface="Times New Roman" panose="02020603050405020304" pitchFamily="18" charset="0"/>
-                <a:ea typeface="Times New Roman" panose="02020603050405020304" pitchFamily="18" charset="0"/>
-              </a:rPr>
-              <a:t> </a:t>
-            </a:r>
-            <a:r>
-              <a:rPr lang="en-US" sz="2400" dirty="0" err="1" smtClean="0">
-                <a:latin typeface="Times New Roman" panose="02020603050405020304" pitchFamily="18" charset="0"/>
-                <a:ea typeface="Times New Roman" panose="02020603050405020304" pitchFamily="18" charset="0"/>
-              </a:rPr>
-              <a:t>nhanh</a:t>
-            </a:r>
-            <a:endParaRPr lang="en-US" sz="2400" dirty="0" smtClean="0">
+              <a:rPr lang="en-US" sz="2400" dirty="0" err="1">
+                <a:latin typeface="Times New Roman" panose="02020603050405020304" pitchFamily="18" charset="0"/>
+                <a:ea typeface="Times New Roman" panose="02020603050405020304" pitchFamily="18" charset="0"/>
+              </a:rPr>
+              <a:t>Có</a:t>
+            </a:r>
+            <a:r>
+              <a:rPr lang="en-US" sz="2400" dirty="0">
+                <a:latin typeface="Times New Roman" panose="02020603050405020304" pitchFamily="18" charset="0"/>
+                <a:ea typeface="Times New Roman" panose="02020603050405020304" pitchFamily="18" charset="0"/>
+              </a:rPr>
+              <a:t> </a:t>
+            </a:r>
+            <a:r>
+              <a:rPr lang="en-US" sz="2400" dirty="0" err="1">
+                <a:latin typeface="Times New Roman" panose="02020603050405020304" pitchFamily="18" charset="0"/>
+                <a:ea typeface="Times New Roman" panose="02020603050405020304" pitchFamily="18" charset="0"/>
+              </a:rPr>
+              <a:t>khả</a:t>
+            </a:r>
+            <a:r>
+              <a:rPr lang="en-US" sz="2400" dirty="0">
+                <a:latin typeface="Times New Roman" panose="02020603050405020304" pitchFamily="18" charset="0"/>
+                <a:ea typeface="Times New Roman" panose="02020603050405020304" pitchFamily="18" charset="0"/>
+              </a:rPr>
+              <a:t> </a:t>
+            </a:r>
+            <a:r>
+              <a:rPr lang="en-US" sz="2400" dirty="0" err="1">
+                <a:latin typeface="Times New Roman" panose="02020603050405020304" pitchFamily="18" charset="0"/>
+                <a:ea typeface="Times New Roman" panose="02020603050405020304" pitchFamily="18" charset="0"/>
+              </a:rPr>
+              <a:t>năng</a:t>
+            </a:r>
+            <a:r>
+              <a:rPr lang="en-US" sz="2400" dirty="0">
+                <a:latin typeface="Times New Roman" panose="02020603050405020304" pitchFamily="18" charset="0"/>
+                <a:ea typeface="Times New Roman" panose="02020603050405020304" pitchFamily="18" charset="0"/>
+              </a:rPr>
+              <a:t> </a:t>
+            </a:r>
+            <a:r>
+              <a:rPr lang="en-US" sz="2400" dirty="0" err="1">
+                <a:latin typeface="Times New Roman" panose="02020603050405020304" pitchFamily="18" charset="0"/>
+                <a:ea typeface="Times New Roman" panose="02020603050405020304" pitchFamily="18" charset="0"/>
+              </a:rPr>
+              <a:t>sao</a:t>
+            </a:r>
+            <a:r>
+              <a:rPr lang="en-US" sz="2400" dirty="0">
+                <a:latin typeface="Times New Roman" panose="02020603050405020304" pitchFamily="18" charset="0"/>
+                <a:ea typeface="Times New Roman" panose="02020603050405020304" pitchFamily="18" charset="0"/>
+              </a:rPr>
+              <a:t> </a:t>
+            </a:r>
+            <a:r>
+              <a:rPr lang="en-US" sz="2400" dirty="0" err="1">
+                <a:latin typeface="Times New Roman" panose="02020603050405020304" pitchFamily="18" charset="0"/>
+                <a:ea typeface="Times New Roman" panose="02020603050405020304" pitchFamily="18" charset="0"/>
+              </a:rPr>
+              <a:t>lưu</a:t>
+            </a:r>
+            <a:r>
+              <a:rPr lang="en-US" sz="2400" dirty="0">
+                <a:latin typeface="Times New Roman" panose="02020603050405020304" pitchFamily="18" charset="0"/>
+                <a:ea typeface="Times New Roman" panose="02020603050405020304" pitchFamily="18" charset="0"/>
+              </a:rPr>
+              <a:t> </a:t>
+            </a:r>
+            <a:r>
+              <a:rPr lang="en-US" sz="2400" dirty="0" err="1">
+                <a:latin typeface="Times New Roman" panose="02020603050405020304" pitchFamily="18" charset="0"/>
+                <a:ea typeface="Times New Roman" panose="02020603050405020304" pitchFamily="18" charset="0"/>
+              </a:rPr>
+              <a:t>và</a:t>
+            </a:r>
+            <a:r>
+              <a:rPr lang="en-US" sz="2400" dirty="0">
+                <a:latin typeface="Times New Roman" panose="02020603050405020304" pitchFamily="18" charset="0"/>
+                <a:ea typeface="Times New Roman" panose="02020603050405020304" pitchFamily="18" charset="0"/>
+              </a:rPr>
+              <a:t> </a:t>
+            </a:r>
+            <a:r>
+              <a:rPr lang="en-US" sz="2400" dirty="0" err="1">
+                <a:latin typeface="Times New Roman" panose="02020603050405020304" pitchFamily="18" charset="0"/>
+                <a:ea typeface="Times New Roman" panose="02020603050405020304" pitchFamily="18" charset="0"/>
+              </a:rPr>
+              <a:t>phục</a:t>
+            </a:r>
+            <a:r>
+              <a:rPr lang="en-US" sz="2400" dirty="0">
+                <a:latin typeface="Times New Roman" panose="02020603050405020304" pitchFamily="18" charset="0"/>
+                <a:ea typeface="Times New Roman" panose="02020603050405020304" pitchFamily="18" charset="0"/>
+              </a:rPr>
+              <a:t> </a:t>
+            </a:r>
+            <a:r>
+              <a:rPr lang="en-US" sz="2400" dirty="0" err="1">
+                <a:latin typeface="Times New Roman" panose="02020603050405020304" pitchFamily="18" charset="0"/>
+                <a:ea typeface="Times New Roman" panose="02020603050405020304" pitchFamily="18" charset="0"/>
+              </a:rPr>
+              <a:t>hồi</a:t>
+            </a:r>
+            <a:r>
+              <a:rPr lang="en-US" sz="2400" dirty="0">
+                <a:latin typeface="Times New Roman" panose="02020603050405020304" pitchFamily="18" charset="0"/>
+                <a:ea typeface="Times New Roman" panose="02020603050405020304" pitchFamily="18" charset="0"/>
+              </a:rPr>
+              <a:t> </a:t>
+            </a:r>
+            <a:r>
+              <a:rPr lang="en-US" sz="2400" dirty="0" err="1">
+                <a:latin typeface="Times New Roman" panose="02020603050405020304" pitchFamily="18" charset="0"/>
+                <a:ea typeface="Times New Roman" panose="02020603050405020304" pitchFamily="18" charset="0"/>
+              </a:rPr>
+              <a:t>dữ</a:t>
+            </a:r>
+            <a:r>
+              <a:rPr lang="en-US" sz="2400" dirty="0">
+                <a:latin typeface="Times New Roman" panose="02020603050405020304" pitchFamily="18" charset="0"/>
+                <a:ea typeface="Times New Roman" panose="02020603050405020304" pitchFamily="18" charset="0"/>
+              </a:rPr>
+              <a:t> </a:t>
+            </a:r>
+            <a:r>
+              <a:rPr lang="en-US" sz="2400" dirty="0" err="1">
+                <a:latin typeface="Times New Roman" panose="02020603050405020304" pitchFamily="18" charset="0"/>
+                <a:ea typeface="Times New Roman" panose="02020603050405020304" pitchFamily="18" charset="0"/>
+              </a:rPr>
+              <a:t>liệu</a:t>
+            </a:r>
+            <a:r>
+              <a:rPr lang="en-US" sz="2400" dirty="0">
+                <a:latin typeface="Times New Roman" panose="02020603050405020304" pitchFamily="18" charset="0"/>
+                <a:ea typeface="Times New Roman" panose="02020603050405020304" pitchFamily="18" charset="0"/>
+              </a:rPr>
+              <a:t> </a:t>
+            </a:r>
+            <a:r>
+              <a:rPr lang="en-US" sz="2400" dirty="0" err="1">
+                <a:latin typeface="Times New Roman" panose="02020603050405020304" pitchFamily="18" charset="0"/>
+                <a:ea typeface="Times New Roman" panose="02020603050405020304" pitchFamily="18" charset="0"/>
+              </a:rPr>
+              <a:t>khi</a:t>
+            </a:r>
+            <a:r>
+              <a:rPr lang="en-US" sz="2400" dirty="0">
+                <a:latin typeface="Times New Roman" panose="02020603050405020304" pitchFamily="18" charset="0"/>
+                <a:ea typeface="Times New Roman" panose="02020603050405020304" pitchFamily="18" charset="0"/>
+              </a:rPr>
+              <a:t> </a:t>
+            </a:r>
+            <a:r>
+              <a:rPr lang="en-US" sz="2400" dirty="0" err="1">
+                <a:latin typeface="Times New Roman" panose="02020603050405020304" pitchFamily="18" charset="0"/>
+                <a:ea typeface="Times New Roman" panose="02020603050405020304" pitchFamily="18" charset="0"/>
+              </a:rPr>
+              <a:t>có</a:t>
+            </a:r>
+            <a:r>
+              <a:rPr lang="en-US" sz="2400" dirty="0">
+                <a:latin typeface="Times New Roman" panose="02020603050405020304" pitchFamily="18" charset="0"/>
+                <a:ea typeface="Times New Roman" panose="02020603050405020304" pitchFamily="18" charset="0"/>
+              </a:rPr>
+              <a:t> </a:t>
+            </a:r>
+            <a:r>
+              <a:rPr lang="en-US" sz="2400" dirty="0" err="1">
+                <a:latin typeface="Times New Roman" panose="02020603050405020304" pitchFamily="18" charset="0"/>
+                <a:ea typeface="Times New Roman" panose="02020603050405020304" pitchFamily="18" charset="0"/>
+              </a:rPr>
+              <a:t>sự</a:t>
+            </a:r>
+            <a:r>
+              <a:rPr lang="en-US" sz="2400" dirty="0">
+                <a:latin typeface="Times New Roman" panose="02020603050405020304" pitchFamily="18" charset="0"/>
+                <a:ea typeface="Times New Roman" panose="02020603050405020304" pitchFamily="18" charset="0"/>
+              </a:rPr>
+              <a:t> </a:t>
+            </a:r>
+            <a:r>
+              <a:rPr lang="en-US" sz="2400" dirty="0" err="1">
+                <a:latin typeface="Times New Roman" panose="02020603050405020304" pitchFamily="18" charset="0"/>
+                <a:ea typeface="Times New Roman" panose="02020603050405020304" pitchFamily="18" charset="0"/>
+              </a:rPr>
+              <a:t>cố</a:t>
+            </a:r>
+            <a:endParaRPr lang="en-US" sz="2400" dirty="0">
               <a:latin typeface="Times New Roman" panose="02020603050405020304" pitchFamily="18" charset="0"/>
               <a:ea typeface="Times New Roman" panose="02020603050405020304" pitchFamily="18" charset="0"/>
             </a:endParaRPr>
@@ -9343,195 +9504,125 @@
               <a:buChar char="•"/>
             </a:pPr>
             <a:r>
-              <a:rPr lang="en-US" sz="2400" dirty="0" err="1" smtClean="0">
-                <a:latin typeface="Times New Roman" panose="02020603050405020304" pitchFamily="18" charset="0"/>
-                <a:ea typeface="Times New Roman" panose="02020603050405020304" pitchFamily="18" charset="0"/>
-              </a:rPr>
-              <a:t>Có</a:t>
-            </a:r>
-            <a:r>
-              <a:rPr lang="en-US" sz="2400" dirty="0" smtClean="0">
-                <a:latin typeface="Times New Roman" panose="02020603050405020304" pitchFamily="18" charset="0"/>
-                <a:ea typeface="Times New Roman" panose="02020603050405020304" pitchFamily="18" charset="0"/>
-              </a:rPr>
-              <a:t> </a:t>
-            </a:r>
-            <a:r>
-              <a:rPr lang="en-US" sz="2400" dirty="0" err="1" smtClean="0">
-                <a:latin typeface="Times New Roman" panose="02020603050405020304" pitchFamily="18" charset="0"/>
-                <a:ea typeface="Times New Roman" panose="02020603050405020304" pitchFamily="18" charset="0"/>
-              </a:rPr>
-              <a:t>khả</a:t>
-            </a:r>
-            <a:r>
-              <a:rPr lang="en-US" sz="2400" dirty="0" smtClean="0">
-                <a:latin typeface="Times New Roman" panose="02020603050405020304" pitchFamily="18" charset="0"/>
-                <a:ea typeface="Times New Roman" panose="02020603050405020304" pitchFamily="18" charset="0"/>
-              </a:rPr>
-              <a:t> </a:t>
-            </a:r>
-            <a:r>
-              <a:rPr lang="en-US" sz="2400" dirty="0" err="1" smtClean="0">
-                <a:latin typeface="Times New Roman" panose="02020603050405020304" pitchFamily="18" charset="0"/>
-                <a:ea typeface="Times New Roman" panose="02020603050405020304" pitchFamily="18" charset="0"/>
-              </a:rPr>
-              <a:t>năng</a:t>
-            </a:r>
-            <a:r>
-              <a:rPr lang="en-US" sz="2400" dirty="0" smtClean="0">
-                <a:latin typeface="Times New Roman" panose="02020603050405020304" pitchFamily="18" charset="0"/>
-                <a:ea typeface="Times New Roman" panose="02020603050405020304" pitchFamily="18" charset="0"/>
-              </a:rPr>
-              <a:t> </a:t>
-            </a:r>
-            <a:r>
-              <a:rPr lang="en-US" sz="2400" dirty="0" err="1" smtClean="0">
-                <a:latin typeface="Times New Roman" panose="02020603050405020304" pitchFamily="18" charset="0"/>
-                <a:ea typeface="Times New Roman" panose="02020603050405020304" pitchFamily="18" charset="0"/>
-              </a:rPr>
-              <a:t>sao</a:t>
-            </a:r>
-            <a:r>
-              <a:rPr lang="en-US" sz="2400" dirty="0" smtClean="0">
-                <a:latin typeface="Times New Roman" panose="02020603050405020304" pitchFamily="18" charset="0"/>
-                <a:ea typeface="Times New Roman" panose="02020603050405020304" pitchFamily="18" charset="0"/>
-              </a:rPr>
-              <a:t> </a:t>
-            </a:r>
-            <a:r>
-              <a:rPr lang="en-US" sz="2400" dirty="0" err="1" smtClean="0">
-                <a:latin typeface="Times New Roman" panose="02020603050405020304" pitchFamily="18" charset="0"/>
-                <a:ea typeface="Times New Roman" panose="02020603050405020304" pitchFamily="18" charset="0"/>
-              </a:rPr>
-              <a:t>lưu</a:t>
-            </a:r>
-            <a:r>
-              <a:rPr lang="en-US" sz="2400" dirty="0" smtClean="0">
-                <a:latin typeface="Times New Roman" panose="02020603050405020304" pitchFamily="18" charset="0"/>
-                <a:ea typeface="Times New Roman" panose="02020603050405020304" pitchFamily="18" charset="0"/>
-              </a:rPr>
-              <a:t> </a:t>
-            </a:r>
-            <a:r>
-              <a:rPr lang="en-US" sz="2400" dirty="0" err="1" smtClean="0">
-                <a:latin typeface="Times New Roman" panose="02020603050405020304" pitchFamily="18" charset="0"/>
-                <a:ea typeface="Times New Roman" panose="02020603050405020304" pitchFamily="18" charset="0"/>
-              </a:rPr>
-              <a:t>và</a:t>
-            </a:r>
-            <a:r>
-              <a:rPr lang="en-US" sz="2400" dirty="0" smtClean="0">
-                <a:latin typeface="Times New Roman" panose="02020603050405020304" pitchFamily="18" charset="0"/>
-                <a:ea typeface="Times New Roman" panose="02020603050405020304" pitchFamily="18" charset="0"/>
-              </a:rPr>
-              <a:t> </a:t>
-            </a:r>
-            <a:r>
-              <a:rPr lang="en-US" sz="2400" dirty="0" err="1" smtClean="0">
-                <a:latin typeface="Times New Roman" panose="02020603050405020304" pitchFamily="18" charset="0"/>
-                <a:ea typeface="Times New Roman" panose="02020603050405020304" pitchFamily="18" charset="0"/>
-              </a:rPr>
-              <a:t>phục</a:t>
-            </a:r>
-            <a:r>
-              <a:rPr lang="en-US" sz="2400" dirty="0" smtClean="0">
-                <a:latin typeface="Times New Roman" panose="02020603050405020304" pitchFamily="18" charset="0"/>
-                <a:ea typeface="Times New Roman" panose="02020603050405020304" pitchFamily="18" charset="0"/>
-              </a:rPr>
-              <a:t> </a:t>
-            </a:r>
-            <a:r>
-              <a:rPr lang="en-US" sz="2400" dirty="0" err="1" smtClean="0">
-                <a:latin typeface="Times New Roman" panose="02020603050405020304" pitchFamily="18" charset="0"/>
-                <a:ea typeface="Times New Roman" panose="02020603050405020304" pitchFamily="18" charset="0"/>
-              </a:rPr>
-              <a:t>hồi</a:t>
-            </a:r>
-            <a:r>
-              <a:rPr lang="en-US" sz="2400" dirty="0" smtClean="0">
-                <a:latin typeface="Times New Roman" panose="02020603050405020304" pitchFamily="18" charset="0"/>
-                <a:ea typeface="Times New Roman" panose="02020603050405020304" pitchFamily="18" charset="0"/>
-              </a:rPr>
-              <a:t> </a:t>
-            </a:r>
-            <a:r>
-              <a:rPr lang="en-US" sz="2400" dirty="0" err="1" smtClean="0">
-                <a:latin typeface="Times New Roman" panose="02020603050405020304" pitchFamily="18" charset="0"/>
-                <a:ea typeface="Times New Roman" panose="02020603050405020304" pitchFamily="18" charset="0"/>
-              </a:rPr>
-              <a:t>dữ</a:t>
-            </a:r>
-            <a:r>
-              <a:rPr lang="en-US" sz="2400" dirty="0" smtClean="0">
-                <a:latin typeface="Times New Roman" panose="02020603050405020304" pitchFamily="18" charset="0"/>
-                <a:ea typeface="Times New Roman" panose="02020603050405020304" pitchFamily="18" charset="0"/>
-              </a:rPr>
-              <a:t> </a:t>
-            </a:r>
-            <a:r>
-              <a:rPr lang="en-US" sz="2400" dirty="0" err="1" smtClean="0">
-                <a:latin typeface="Times New Roman" panose="02020603050405020304" pitchFamily="18" charset="0"/>
-                <a:ea typeface="Times New Roman" panose="02020603050405020304" pitchFamily="18" charset="0"/>
-              </a:rPr>
-              <a:t>liệu</a:t>
-            </a:r>
-            <a:r>
-              <a:rPr lang="en-US" sz="2400" dirty="0" smtClean="0">
-                <a:latin typeface="Times New Roman" panose="02020603050405020304" pitchFamily="18" charset="0"/>
-                <a:ea typeface="Times New Roman" panose="02020603050405020304" pitchFamily="18" charset="0"/>
-              </a:rPr>
-              <a:t> </a:t>
-            </a:r>
-            <a:r>
-              <a:rPr lang="en-US" sz="2400" dirty="0" err="1" smtClean="0">
-                <a:latin typeface="Times New Roman" panose="02020603050405020304" pitchFamily="18" charset="0"/>
-                <a:ea typeface="Times New Roman" panose="02020603050405020304" pitchFamily="18" charset="0"/>
-              </a:rPr>
-              <a:t>khi</a:t>
-            </a:r>
-            <a:r>
-              <a:rPr lang="en-US" sz="2400" dirty="0" smtClean="0">
-                <a:latin typeface="Times New Roman" panose="02020603050405020304" pitchFamily="18" charset="0"/>
-                <a:ea typeface="Times New Roman" panose="02020603050405020304" pitchFamily="18" charset="0"/>
-              </a:rPr>
-              <a:t> </a:t>
-            </a:r>
-            <a:r>
-              <a:rPr lang="en-US" sz="2400" dirty="0" err="1" smtClean="0">
-                <a:latin typeface="Times New Roman" panose="02020603050405020304" pitchFamily="18" charset="0"/>
-                <a:ea typeface="Times New Roman" panose="02020603050405020304" pitchFamily="18" charset="0"/>
-              </a:rPr>
-              <a:t>có</a:t>
-            </a:r>
-            <a:r>
-              <a:rPr lang="en-US" sz="2400" dirty="0" smtClean="0">
-                <a:latin typeface="Times New Roman" panose="02020603050405020304" pitchFamily="18" charset="0"/>
-                <a:ea typeface="Times New Roman" panose="02020603050405020304" pitchFamily="18" charset="0"/>
-              </a:rPr>
-              <a:t> </a:t>
-            </a:r>
-            <a:r>
-              <a:rPr lang="en-US" sz="2400" dirty="0" err="1" smtClean="0">
-                <a:latin typeface="Times New Roman" panose="02020603050405020304" pitchFamily="18" charset="0"/>
-                <a:ea typeface="Times New Roman" panose="02020603050405020304" pitchFamily="18" charset="0"/>
-              </a:rPr>
-              <a:t>sự</a:t>
-            </a:r>
-            <a:r>
-              <a:rPr lang="en-US" sz="2400" dirty="0" smtClean="0">
-                <a:latin typeface="Times New Roman" panose="02020603050405020304" pitchFamily="18" charset="0"/>
-                <a:ea typeface="Times New Roman" panose="02020603050405020304" pitchFamily="18" charset="0"/>
-              </a:rPr>
-              <a:t> </a:t>
-            </a:r>
-            <a:r>
-              <a:rPr lang="en-US" sz="2400" dirty="0" err="1" smtClean="0">
-                <a:latin typeface="Times New Roman" panose="02020603050405020304" pitchFamily="18" charset="0"/>
-                <a:ea typeface="Times New Roman" panose="02020603050405020304" pitchFamily="18" charset="0"/>
-              </a:rPr>
-              <a:t>cố</a:t>
-            </a:r>
-            <a:endParaRPr lang="en-US" sz="2400" dirty="0" smtClean="0">
+              <a:rPr lang="en-US" sz="2400" dirty="0" err="1">
+                <a:latin typeface="Times New Roman" panose="02020603050405020304" pitchFamily="18" charset="0"/>
+                <a:ea typeface="Times New Roman" panose="02020603050405020304" pitchFamily="18" charset="0"/>
+              </a:rPr>
+              <a:t>Giao</a:t>
+            </a:r>
+            <a:r>
+              <a:rPr lang="en-US" sz="2400" dirty="0">
+                <a:latin typeface="Times New Roman" panose="02020603050405020304" pitchFamily="18" charset="0"/>
+                <a:ea typeface="Times New Roman" panose="02020603050405020304" pitchFamily="18" charset="0"/>
+              </a:rPr>
+              <a:t> </a:t>
+            </a:r>
+            <a:r>
+              <a:rPr lang="en-US" sz="2400" dirty="0" err="1">
+                <a:latin typeface="Times New Roman" panose="02020603050405020304" pitchFamily="18" charset="0"/>
+                <a:ea typeface="Times New Roman" panose="02020603050405020304" pitchFamily="18" charset="0"/>
+              </a:rPr>
+              <a:t>diện</a:t>
+            </a:r>
+            <a:r>
+              <a:rPr lang="en-US" sz="2400" dirty="0">
+                <a:latin typeface="Times New Roman" panose="02020603050405020304" pitchFamily="18" charset="0"/>
+                <a:ea typeface="Times New Roman" panose="02020603050405020304" pitchFamily="18" charset="0"/>
+              </a:rPr>
+              <a:t> </a:t>
+            </a:r>
+            <a:r>
+              <a:rPr lang="en-US" sz="2400" dirty="0" err="1">
+                <a:latin typeface="Times New Roman" panose="02020603050405020304" pitchFamily="18" charset="0"/>
+                <a:ea typeface="Times New Roman" panose="02020603050405020304" pitchFamily="18" charset="0"/>
+              </a:rPr>
+              <a:t>thân</a:t>
+            </a:r>
+            <a:r>
+              <a:rPr lang="en-US" sz="2400" dirty="0">
+                <a:latin typeface="Times New Roman" panose="02020603050405020304" pitchFamily="18" charset="0"/>
+                <a:ea typeface="Times New Roman" panose="02020603050405020304" pitchFamily="18" charset="0"/>
+              </a:rPr>
+              <a:t> </a:t>
+            </a:r>
+            <a:r>
+              <a:rPr lang="en-US" sz="2400" dirty="0" err="1">
+                <a:latin typeface="Times New Roman" panose="02020603050405020304" pitchFamily="18" charset="0"/>
+                <a:ea typeface="Times New Roman" panose="02020603050405020304" pitchFamily="18" charset="0"/>
+              </a:rPr>
+              <a:t>thiện</a:t>
+            </a:r>
+            <a:r>
+              <a:rPr lang="en-US" sz="2400" dirty="0">
+                <a:latin typeface="Times New Roman" panose="02020603050405020304" pitchFamily="18" charset="0"/>
+                <a:ea typeface="Times New Roman" panose="02020603050405020304" pitchFamily="18" charset="0"/>
+              </a:rPr>
+              <a:t>, </a:t>
+            </a:r>
+            <a:r>
+              <a:rPr lang="en-US" sz="2400" dirty="0" err="1">
+                <a:latin typeface="Times New Roman" panose="02020603050405020304" pitchFamily="18" charset="0"/>
+                <a:ea typeface="Times New Roman" panose="02020603050405020304" pitchFamily="18" charset="0"/>
+              </a:rPr>
+              <a:t>đơn</a:t>
+            </a:r>
+            <a:r>
+              <a:rPr lang="en-US" sz="2400" dirty="0">
+                <a:latin typeface="Times New Roman" panose="02020603050405020304" pitchFamily="18" charset="0"/>
+                <a:ea typeface="Times New Roman" panose="02020603050405020304" pitchFamily="18" charset="0"/>
+              </a:rPr>
+              <a:t> </a:t>
+            </a:r>
+            <a:r>
+              <a:rPr lang="en-US" sz="2400" dirty="0" err="1">
+                <a:latin typeface="Times New Roman" panose="02020603050405020304" pitchFamily="18" charset="0"/>
+                <a:ea typeface="Times New Roman" panose="02020603050405020304" pitchFamily="18" charset="0"/>
+              </a:rPr>
+              <a:t>giản</a:t>
+            </a:r>
+            <a:r>
+              <a:rPr lang="en-US" sz="2400" dirty="0">
+                <a:latin typeface="Times New Roman" panose="02020603050405020304" pitchFamily="18" charset="0"/>
+                <a:ea typeface="Times New Roman" panose="02020603050405020304" pitchFamily="18" charset="0"/>
+              </a:rPr>
+              <a:t>, </a:t>
+            </a:r>
+            <a:r>
+              <a:rPr lang="en-US" sz="2400" dirty="0" err="1">
+                <a:latin typeface="Times New Roman" panose="02020603050405020304" pitchFamily="18" charset="0"/>
+                <a:ea typeface="Times New Roman" panose="02020603050405020304" pitchFamily="18" charset="0"/>
+              </a:rPr>
+              <a:t>dễ</a:t>
+            </a:r>
+            <a:r>
+              <a:rPr lang="en-US" sz="2400" dirty="0">
+                <a:latin typeface="Times New Roman" panose="02020603050405020304" pitchFamily="18" charset="0"/>
+                <a:ea typeface="Times New Roman" panose="02020603050405020304" pitchFamily="18" charset="0"/>
+              </a:rPr>
+              <a:t> </a:t>
+            </a:r>
+            <a:r>
+              <a:rPr lang="en-US" sz="2400" dirty="0" err="1">
+                <a:latin typeface="Times New Roman" panose="02020603050405020304" pitchFamily="18" charset="0"/>
+                <a:ea typeface="Times New Roman" panose="02020603050405020304" pitchFamily="18" charset="0"/>
+              </a:rPr>
+              <a:t>sử</a:t>
+            </a:r>
+            <a:r>
+              <a:rPr lang="en-US" sz="2400" dirty="0">
+                <a:latin typeface="Times New Roman" panose="02020603050405020304" pitchFamily="18" charset="0"/>
+                <a:ea typeface="Times New Roman" panose="02020603050405020304" pitchFamily="18" charset="0"/>
+              </a:rPr>
+              <a:t> </a:t>
+            </a:r>
+            <a:r>
+              <a:rPr lang="en-US" sz="2400" dirty="0" err="1">
+                <a:latin typeface="Times New Roman" panose="02020603050405020304" pitchFamily="18" charset="0"/>
+                <a:ea typeface="Times New Roman" panose="02020603050405020304" pitchFamily="18" charset="0"/>
+              </a:rPr>
+              <a:t>dụng</a:t>
+            </a:r>
+            <a:endParaRPr lang="en-US" sz="2400" dirty="0">
               <a:latin typeface="Times New Roman" panose="02020603050405020304" pitchFamily="18" charset="0"/>
               <a:ea typeface="Times New Roman" panose="02020603050405020304" pitchFamily="18" charset="0"/>
             </a:endParaRPr>
@@ -9548,125 +9639,111 @@
               <a:buChar char="•"/>
             </a:pPr>
             <a:r>
-              <a:rPr lang="en-US" sz="2400" dirty="0" err="1" smtClean="0">
-                <a:latin typeface="Times New Roman" panose="02020603050405020304" pitchFamily="18" charset="0"/>
-                <a:ea typeface="Times New Roman" panose="02020603050405020304" pitchFamily="18" charset="0"/>
-              </a:rPr>
-              <a:t>Giao</a:t>
-            </a:r>
-            <a:r>
-              <a:rPr lang="en-US" sz="2400" dirty="0" smtClean="0">
-                <a:latin typeface="Times New Roman" panose="02020603050405020304" pitchFamily="18" charset="0"/>
-                <a:ea typeface="Times New Roman" panose="02020603050405020304" pitchFamily="18" charset="0"/>
-              </a:rPr>
-              <a:t> </a:t>
-            </a:r>
-            <a:r>
-              <a:rPr lang="en-US" sz="2400" dirty="0" err="1" smtClean="0">
-                <a:latin typeface="Times New Roman" panose="02020603050405020304" pitchFamily="18" charset="0"/>
-                <a:ea typeface="Times New Roman" panose="02020603050405020304" pitchFamily="18" charset="0"/>
-              </a:rPr>
-              <a:t>diện</a:t>
-            </a:r>
-            <a:r>
-              <a:rPr lang="en-US" sz="2400" dirty="0" smtClean="0">
-                <a:latin typeface="Times New Roman" panose="02020603050405020304" pitchFamily="18" charset="0"/>
-                <a:ea typeface="Times New Roman" panose="02020603050405020304" pitchFamily="18" charset="0"/>
-              </a:rPr>
-              <a:t> </a:t>
-            </a:r>
-            <a:r>
-              <a:rPr lang="en-US" sz="2400" dirty="0" err="1" smtClean="0">
-                <a:latin typeface="Times New Roman" panose="02020603050405020304" pitchFamily="18" charset="0"/>
-                <a:ea typeface="Times New Roman" panose="02020603050405020304" pitchFamily="18" charset="0"/>
-              </a:rPr>
-              <a:t>thân</a:t>
-            </a:r>
-            <a:r>
-              <a:rPr lang="en-US" sz="2400" dirty="0" smtClean="0">
-                <a:latin typeface="Times New Roman" panose="02020603050405020304" pitchFamily="18" charset="0"/>
-                <a:ea typeface="Times New Roman" panose="02020603050405020304" pitchFamily="18" charset="0"/>
-              </a:rPr>
-              <a:t> </a:t>
-            </a:r>
-            <a:r>
-              <a:rPr lang="en-US" sz="2400" dirty="0" err="1" smtClean="0">
-                <a:latin typeface="Times New Roman" panose="02020603050405020304" pitchFamily="18" charset="0"/>
-                <a:ea typeface="Times New Roman" panose="02020603050405020304" pitchFamily="18" charset="0"/>
-              </a:rPr>
-              <a:t>thiện</a:t>
-            </a:r>
-            <a:r>
-              <a:rPr lang="en-US" sz="2400" dirty="0" smtClean="0">
-                <a:latin typeface="Times New Roman" panose="02020603050405020304" pitchFamily="18" charset="0"/>
-                <a:ea typeface="Times New Roman" panose="02020603050405020304" pitchFamily="18" charset="0"/>
-              </a:rPr>
-              <a:t>, </a:t>
-            </a:r>
-            <a:r>
-              <a:rPr lang="en-US" sz="2400" dirty="0" err="1" smtClean="0">
-                <a:latin typeface="Times New Roman" panose="02020603050405020304" pitchFamily="18" charset="0"/>
-                <a:ea typeface="Times New Roman" panose="02020603050405020304" pitchFamily="18" charset="0"/>
-              </a:rPr>
-              <a:t>đơn</a:t>
-            </a:r>
-            <a:r>
-              <a:rPr lang="en-US" sz="2400" dirty="0" smtClean="0">
-                <a:latin typeface="Times New Roman" panose="02020603050405020304" pitchFamily="18" charset="0"/>
-                <a:ea typeface="Times New Roman" panose="02020603050405020304" pitchFamily="18" charset="0"/>
-              </a:rPr>
-              <a:t> </a:t>
-            </a:r>
-            <a:r>
-              <a:rPr lang="en-US" sz="2400" dirty="0" err="1" smtClean="0">
-                <a:latin typeface="Times New Roman" panose="02020603050405020304" pitchFamily="18" charset="0"/>
-                <a:ea typeface="Times New Roman" panose="02020603050405020304" pitchFamily="18" charset="0"/>
-              </a:rPr>
-              <a:t>giản</a:t>
-            </a:r>
-            <a:r>
-              <a:rPr lang="en-US" sz="2400" dirty="0" smtClean="0">
-                <a:latin typeface="Times New Roman" panose="02020603050405020304" pitchFamily="18" charset="0"/>
-                <a:ea typeface="Times New Roman" panose="02020603050405020304" pitchFamily="18" charset="0"/>
-              </a:rPr>
-              <a:t>, </a:t>
-            </a:r>
-            <a:r>
-              <a:rPr lang="en-US" sz="2400" dirty="0" err="1" smtClean="0">
-                <a:latin typeface="Times New Roman" panose="02020603050405020304" pitchFamily="18" charset="0"/>
-                <a:ea typeface="Times New Roman" panose="02020603050405020304" pitchFamily="18" charset="0"/>
-              </a:rPr>
-              <a:t>dễ</a:t>
-            </a:r>
-            <a:r>
-              <a:rPr lang="en-US" sz="2400" dirty="0" smtClean="0">
-                <a:latin typeface="Times New Roman" panose="02020603050405020304" pitchFamily="18" charset="0"/>
-                <a:ea typeface="Times New Roman" panose="02020603050405020304" pitchFamily="18" charset="0"/>
-              </a:rPr>
-              <a:t> </a:t>
-            </a:r>
-            <a:r>
-              <a:rPr lang="en-US" sz="2400" dirty="0" err="1" smtClean="0">
-                <a:latin typeface="Times New Roman" panose="02020603050405020304" pitchFamily="18" charset="0"/>
-                <a:ea typeface="Times New Roman" panose="02020603050405020304" pitchFamily="18" charset="0"/>
-              </a:rPr>
-              <a:t>sử</a:t>
-            </a:r>
-            <a:r>
-              <a:rPr lang="en-US" sz="2400" dirty="0" smtClean="0">
-                <a:latin typeface="Times New Roman" panose="02020603050405020304" pitchFamily="18" charset="0"/>
-                <a:ea typeface="Times New Roman" panose="02020603050405020304" pitchFamily="18" charset="0"/>
-              </a:rPr>
-              <a:t> </a:t>
-            </a:r>
-            <a:r>
-              <a:rPr lang="en-US" sz="2400" dirty="0" err="1" smtClean="0">
-                <a:latin typeface="Times New Roman" panose="02020603050405020304" pitchFamily="18" charset="0"/>
-                <a:ea typeface="Times New Roman" panose="02020603050405020304" pitchFamily="18" charset="0"/>
-              </a:rPr>
-              <a:t>dụng</a:t>
-            </a:r>
-            <a:endParaRPr lang="en-US" sz="2400" dirty="0" smtClean="0">
+              <a:rPr lang="en-US" sz="2400" dirty="0" err="1">
+                <a:latin typeface="Times New Roman" panose="02020603050405020304" pitchFamily="18" charset="0"/>
+                <a:ea typeface="Times New Roman" panose="02020603050405020304" pitchFamily="18" charset="0"/>
+              </a:rPr>
+              <a:t>Không</a:t>
+            </a:r>
+            <a:r>
+              <a:rPr lang="en-US" sz="2400" dirty="0">
+                <a:latin typeface="Times New Roman" panose="02020603050405020304" pitchFamily="18" charset="0"/>
+                <a:ea typeface="Times New Roman" panose="02020603050405020304" pitchFamily="18" charset="0"/>
+              </a:rPr>
+              <a:t> </a:t>
+            </a:r>
+            <a:r>
+              <a:rPr lang="en-US" sz="2400" dirty="0" err="1">
+                <a:latin typeface="Times New Roman" panose="02020603050405020304" pitchFamily="18" charset="0"/>
+                <a:ea typeface="Times New Roman" panose="02020603050405020304" pitchFamily="18" charset="0"/>
+              </a:rPr>
+              <a:t>bị</a:t>
+            </a:r>
+            <a:r>
+              <a:rPr lang="en-US" sz="2400" dirty="0">
+                <a:latin typeface="Times New Roman" panose="02020603050405020304" pitchFamily="18" charset="0"/>
+                <a:ea typeface="Times New Roman" panose="02020603050405020304" pitchFamily="18" charset="0"/>
+              </a:rPr>
+              <a:t> </a:t>
+            </a:r>
+            <a:r>
+              <a:rPr lang="en-US" sz="2400" dirty="0" err="1">
+                <a:latin typeface="Times New Roman" panose="02020603050405020304" pitchFamily="18" charset="0"/>
+                <a:ea typeface="Times New Roman" panose="02020603050405020304" pitchFamily="18" charset="0"/>
+              </a:rPr>
+              <a:t>quá</a:t>
+            </a:r>
+            <a:r>
+              <a:rPr lang="en-US" sz="2400" dirty="0">
+                <a:latin typeface="Times New Roman" panose="02020603050405020304" pitchFamily="18" charset="0"/>
+                <a:ea typeface="Times New Roman" panose="02020603050405020304" pitchFamily="18" charset="0"/>
+              </a:rPr>
+              <a:t> </a:t>
+            </a:r>
+            <a:r>
+              <a:rPr lang="en-US" sz="2400" dirty="0" err="1">
+                <a:latin typeface="Times New Roman" panose="02020603050405020304" pitchFamily="18" charset="0"/>
+                <a:ea typeface="Times New Roman" panose="02020603050405020304" pitchFamily="18" charset="0"/>
+              </a:rPr>
+              <a:t>tải</a:t>
+            </a:r>
+            <a:r>
+              <a:rPr lang="en-US" sz="2400" dirty="0">
+                <a:latin typeface="Times New Roman" panose="02020603050405020304" pitchFamily="18" charset="0"/>
+                <a:ea typeface="Times New Roman" panose="02020603050405020304" pitchFamily="18" charset="0"/>
+              </a:rPr>
+              <a:t> </a:t>
+            </a:r>
+            <a:r>
+              <a:rPr lang="en-US" sz="2400" dirty="0" err="1">
+                <a:latin typeface="Times New Roman" panose="02020603050405020304" pitchFamily="18" charset="0"/>
+                <a:ea typeface="Times New Roman" panose="02020603050405020304" pitchFamily="18" charset="0"/>
+              </a:rPr>
+              <a:t>trong</a:t>
+            </a:r>
+            <a:r>
+              <a:rPr lang="en-US" sz="2400" dirty="0">
+                <a:latin typeface="Times New Roman" panose="02020603050405020304" pitchFamily="18" charset="0"/>
+                <a:ea typeface="Times New Roman" panose="02020603050405020304" pitchFamily="18" charset="0"/>
+              </a:rPr>
+              <a:t> </a:t>
+            </a:r>
+            <a:r>
+              <a:rPr lang="en-US" sz="2400" dirty="0" err="1">
+                <a:latin typeface="Times New Roman" panose="02020603050405020304" pitchFamily="18" charset="0"/>
+                <a:ea typeface="Times New Roman" panose="02020603050405020304" pitchFamily="18" charset="0"/>
+              </a:rPr>
+              <a:t>giờ</a:t>
+            </a:r>
+            <a:r>
+              <a:rPr lang="en-US" sz="2400" dirty="0">
+                <a:latin typeface="Times New Roman" panose="02020603050405020304" pitchFamily="18" charset="0"/>
+                <a:ea typeface="Times New Roman" panose="02020603050405020304" pitchFamily="18" charset="0"/>
+              </a:rPr>
+              <a:t> </a:t>
+            </a:r>
+            <a:r>
+              <a:rPr lang="en-US" sz="2400" dirty="0" err="1">
+                <a:latin typeface="Times New Roman" panose="02020603050405020304" pitchFamily="18" charset="0"/>
+                <a:ea typeface="Times New Roman" panose="02020603050405020304" pitchFamily="18" charset="0"/>
+              </a:rPr>
+              <a:t>cao</a:t>
+            </a:r>
+            <a:r>
+              <a:rPr lang="en-US" sz="2400" dirty="0">
+                <a:latin typeface="Times New Roman" panose="02020603050405020304" pitchFamily="18" charset="0"/>
+                <a:ea typeface="Times New Roman" panose="02020603050405020304" pitchFamily="18" charset="0"/>
+              </a:rPr>
+              <a:t> </a:t>
+            </a:r>
+            <a:r>
+              <a:rPr lang="en-US" sz="2400" dirty="0" err="1">
+                <a:latin typeface="Times New Roman" panose="02020603050405020304" pitchFamily="18" charset="0"/>
+                <a:ea typeface="Times New Roman" panose="02020603050405020304" pitchFamily="18" charset="0"/>
+              </a:rPr>
+              <a:t>điểm</a:t>
+            </a:r>
+            <a:endParaRPr lang="en-US" sz="2400" dirty="0">
               <a:latin typeface="Times New Roman" panose="02020603050405020304" pitchFamily="18" charset="0"/>
               <a:ea typeface="Times New Roman" panose="02020603050405020304" pitchFamily="18" charset="0"/>
             </a:endParaRPr>
@@ -9683,254 +9760,133 @@
               <a:buChar char="•"/>
             </a:pPr>
             <a:r>
-              <a:rPr lang="en-US" sz="2400" dirty="0" err="1" smtClean="0">
-                <a:latin typeface="Times New Roman" panose="02020603050405020304" pitchFamily="18" charset="0"/>
-                <a:ea typeface="Times New Roman" panose="02020603050405020304" pitchFamily="18" charset="0"/>
-              </a:rPr>
-              <a:t>Không</a:t>
-            </a:r>
-            <a:r>
-              <a:rPr lang="en-US" sz="2400" dirty="0" smtClean="0">
-                <a:latin typeface="Times New Roman" panose="02020603050405020304" pitchFamily="18" charset="0"/>
-                <a:ea typeface="Times New Roman" panose="02020603050405020304" pitchFamily="18" charset="0"/>
-              </a:rPr>
-              <a:t> </a:t>
-            </a:r>
-            <a:r>
-              <a:rPr lang="en-US" sz="2400" dirty="0" err="1" smtClean="0">
-                <a:latin typeface="Times New Roman" panose="02020603050405020304" pitchFamily="18" charset="0"/>
-                <a:ea typeface="Times New Roman" panose="02020603050405020304" pitchFamily="18" charset="0"/>
-              </a:rPr>
-              <a:t>bị</a:t>
-            </a:r>
-            <a:r>
-              <a:rPr lang="en-US" sz="2400" dirty="0" smtClean="0">
-                <a:latin typeface="Times New Roman" panose="02020603050405020304" pitchFamily="18" charset="0"/>
-                <a:ea typeface="Times New Roman" panose="02020603050405020304" pitchFamily="18" charset="0"/>
-              </a:rPr>
-              <a:t> </a:t>
-            </a:r>
-            <a:r>
-              <a:rPr lang="en-US" sz="2400" dirty="0" err="1" smtClean="0">
-                <a:latin typeface="Times New Roman" panose="02020603050405020304" pitchFamily="18" charset="0"/>
-                <a:ea typeface="Times New Roman" panose="02020603050405020304" pitchFamily="18" charset="0"/>
-              </a:rPr>
-              <a:t>quá</a:t>
-            </a:r>
-            <a:r>
-              <a:rPr lang="en-US" sz="2400" dirty="0" smtClean="0">
-                <a:latin typeface="Times New Roman" panose="02020603050405020304" pitchFamily="18" charset="0"/>
-                <a:ea typeface="Times New Roman" panose="02020603050405020304" pitchFamily="18" charset="0"/>
-              </a:rPr>
-              <a:t> </a:t>
-            </a:r>
-            <a:r>
-              <a:rPr lang="en-US" sz="2400" dirty="0" err="1" smtClean="0">
-                <a:latin typeface="Times New Roman" panose="02020603050405020304" pitchFamily="18" charset="0"/>
-                <a:ea typeface="Times New Roman" panose="02020603050405020304" pitchFamily="18" charset="0"/>
-              </a:rPr>
-              <a:t>tải</a:t>
-            </a:r>
-            <a:r>
-              <a:rPr lang="en-US" sz="2400" dirty="0" smtClean="0">
-                <a:latin typeface="Times New Roman" panose="02020603050405020304" pitchFamily="18" charset="0"/>
-                <a:ea typeface="Times New Roman" panose="02020603050405020304" pitchFamily="18" charset="0"/>
-              </a:rPr>
-              <a:t> </a:t>
-            </a:r>
-            <a:r>
-              <a:rPr lang="en-US" sz="2400" dirty="0" err="1" smtClean="0">
-                <a:latin typeface="Times New Roman" panose="02020603050405020304" pitchFamily="18" charset="0"/>
-                <a:ea typeface="Times New Roman" panose="02020603050405020304" pitchFamily="18" charset="0"/>
-              </a:rPr>
-              <a:t>trong</a:t>
-            </a:r>
-            <a:r>
-              <a:rPr lang="en-US" sz="2400" dirty="0" smtClean="0">
-                <a:latin typeface="Times New Roman" panose="02020603050405020304" pitchFamily="18" charset="0"/>
-                <a:ea typeface="Times New Roman" panose="02020603050405020304" pitchFamily="18" charset="0"/>
-              </a:rPr>
-              <a:t> </a:t>
-            </a:r>
-            <a:r>
-              <a:rPr lang="en-US" sz="2400" dirty="0" err="1" smtClean="0">
-                <a:latin typeface="Times New Roman" panose="02020603050405020304" pitchFamily="18" charset="0"/>
-                <a:ea typeface="Times New Roman" panose="02020603050405020304" pitchFamily="18" charset="0"/>
-              </a:rPr>
-              <a:t>giờ</a:t>
-            </a:r>
-            <a:r>
-              <a:rPr lang="en-US" sz="2400" dirty="0" smtClean="0">
-                <a:latin typeface="Times New Roman" panose="02020603050405020304" pitchFamily="18" charset="0"/>
-                <a:ea typeface="Times New Roman" panose="02020603050405020304" pitchFamily="18" charset="0"/>
-              </a:rPr>
-              <a:t> </a:t>
-            </a:r>
-            <a:r>
-              <a:rPr lang="en-US" sz="2400" dirty="0" err="1" smtClean="0">
-                <a:latin typeface="Times New Roman" panose="02020603050405020304" pitchFamily="18" charset="0"/>
-                <a:ea typeface="Times New Roman" panose="02020603050405020304" pitchFamily="18" charset="0"/>
-              </a:rPr>
-              <a:t>cao</a:t>
-            </a:r>
-            <a:r>
-              <a:rPr lang="en-US" sz="2400" dirty="0" smtClean="0">
-                <a:latin typeface="Times New Roman" panose="02020603050405020304" pitchFamily="18" charset="0"/>
-                <a:ea typeface="Times New Roman" panose="02020603050405020304" pitchFamily="18" charset="0"/>
-              </a:rPr>
-              <a:t> </a:t>
-            </a:r>
-            <a:r>
-              <a:rPr lang="en-US" sz="2400" dirty="0" err="1" smtClean="0">
-                <a:latin typeface="Times New Roman" panose="02020603050405020304" pitchFamily="18" charset="0"/>
-                <a:ea typeface="Times New Roman" panose="02020603050405020304" pitchFamily="18" charset="0"/>
-              </a:rPr>
-              <a:t>điểm</a:t>
-            </a:r>
-            <a:endParaRPr lang="en-US" sz="2400" dirty="0" smtClean="0">
-              <a:latin typeface="Times New Roman" panose="02020603050405020304" pitchFamily="18" charset="0"/>
-              <a:ea typeface="Times New Roman" panose="02020603050405020304" pitchFamily="18" charset="0"/>
-            </a:endParaRPr>
-          </a:p>
-          <a:p>
-            <a:pPr marL="1200150" lvl="2" indent="-285750" algn="just">
-              <a:lnSpc>
-                <a:spcPct val="150000"/>
-              </a:lnSpc>
-              <a:spcAft>
-                <a:spcPts val="0"/>
-              </a:spcAft>
-              <a:buFont typeface="Arial" panose="020B0604020202020204" pitchFamily="34" charset="0"/>
-              <a:buChar char="•"/>
-            </a:pPr>
-            <a:r>
-              <a:rPr lang="en-US" sz="2400" dirty="0" err="1" smtClean="0">
+              <a:rPr lang="en-US" sz="2400" dirty="0" err="1">
                 <a:latin typeface="Times New Roman" panose="02020603050405020304" pitchFamily="18" charset="0"/>
                 <a:ea typeface="Times New Roman" panose="02020603050405020304" pitchFamily="18" charset="0"/>
               </a:rPr>
               <a:t>Tương</a:t>
             </a:r>
             <a:r>
-              <a:rPr lang="en-US" sz="2400" dirty="0" smtClean="0">
-                <a:latin typeface="Times New Roman" panose="02020603050405020304" pitchFamily="18" charset="0"/>
-                <a:ea typeface="Times New Roman" panose="02020603050405020304" pitchFamily="18" charset="0"/>
-              </a:rPr>
-              <a:t> </a:t>
-            </a:r>
-            <a:r>
-              <a:rPr lang="en-US" sz="2400" dirty="0" err="1" smtClean="0">
+              <a:rPr lang="en-US" sz="2400" dirty="0">
+                <a:latin typeface="Times New Roman" panose="02020603050405020304" pitchFamily="18" charset="0"/>
+                <a:ea typeface="Times New Roman" panose="02020603050405020304" pitchFamily="18" charset="0"/>
+              </a:rPr>
+              <a:t> </a:t>
+            </a:r>
+            <a:r>
+              <a:rPr lang="en-US" sz="2400" dirty="0" err="1">
                 <a:latin typeface="Times New Roman" panose="02020603050405020304" pitchFamily="18" charset="0"/>
                 <a:ea typeface="Times New Roman" panose="02020603050405020304" pitchFamily="18" charset="0"/>
               </a:rPr>
               <a:t>thích</a:t>
             </a:r>
             <a:r>
-              <a:rPr lang="en-US" sz="2400" dirty="0" smtClean="0">
-                <a:latin typeface="Times New Roman" panose="02020603050405020304" pitchFamily="18" charset="0"/>
-                <a:ea typeface="Times New Roman" panose="02020603050405020304" pitchFamily="18" charset="0"/>
-              </a:rPr>
-              <a:t> </a:t>
-            </a:r>
-            <a:r>
-              <a:rPr lang="en-US" sz="2400" dirty="0" err="1" smtClean="0">
+              <a:rPr lang="en-US" sz="2400" dirty="0">
+                <a:latin typeface="Times New Roman" panose="02020603050405020304" pitchFamily="18" charset="0"/>
+                <a:ea typeface="Times New Roman" panose="02020603050405020304" pitchFamily="18" charset="0"/>
+              </a:rPr>
+              <a:t> </a:t>
+            </a:r>
+            <a:r>
+              <a:rPr lang="en-US" sz="2400" dirty="0" err="1">
                 <a:latin typeface="Times New Roman" panose="02020603050405020304" pitchFamily="18" charset="0"/>
                 <a:ea typeface="Times New Roman" panose="02020603050405020304" pitchFamily="18" charset="0"/>
               </a:rPr>
               <a:t>với</a:t>
             </a:r>
             <a:r>
-              <a:rPr lang="en-US" sz="2400" dirty="0" smtClean="0">
-                <a:latin typeface="Times New Roman" panose="02020603050405020304" pitchFamily="18" charset="0"/>
-                <a:ea typeface="Times New Roman" panose="02020603050405020304" pitchFamily="18" charset="0"/>
-              </a:rPr>
-              <a:t> </a:t>
-            </a:r>
-            <a:r>
-              <a:rPr lang="en-US" sz="2400" dirty="0" err="1" smtClean="0">
+              <a:rPr lang="en-US" sz="2400" dirty="0">
+                <a:latin typeface="Times New Roman" panose="02020603050405020304" pitchFamily="18" charset="0"/>
+                <a:ea typeface="Times New Roman" panose="02020603050405020304" pitchFamily="18" charset="0"/>
+              </a:rPr>
+              <a:t> </a:t>
+            </a:r>
+            <a:r>
+              <a:rPr lang="en-US" sz="2400" dirty="0" err="1">
                 <a:latin typeface="Times New Roman" panose="02020603050405020304" pitchFamily="18" charset="0"/>
                 <a:ea typeface="Times New Roman" panose="02020603050405020304" pitchFamily="18" charset="0"/>
               </a:rPr>
               <a:t>hầu</a:t>
             </a:r>
             <a:r>
-              <a:rPr lang="en-US" sz="2400" dirty="0" smtClean="0">
-                <a:latin typeface="Times New Roman" panose="02020603050405020304" pitchFamily="18" charset="0"/>
-                <a:ea typeface="Times New Roman" panose="02020603050405020304" pitchFamily="18" charset="0"/>
-              </a:rPr>
-              <a:t> </a:t>
-            </a:r>
-            <a:r>
-              <a:rPr lang="en-US" sz="2400" dirty="0" err="1" smtClean="0">
+              <a:rPr lang="en-US" sz="2400" dirty="0">
+                <a:latin typeface="Times New Roman" panose="02020603050405020304" pitchFamily="18" charset="0"/>
+                <a:ea typeface="Times New Roman" panose="02020603050405020304" pitchFamily="18" charset="0"/>
+              </a:rPr>
+              <a:t> </a:t>
+            </a:r>
+            <a:r>
+              <a:rPr lang="en-US" sz="2400" dirty="0" err="1">
                 <a:latin typeface="Times New Roman" panose="02020603050405020304" pitchFamily="18" charset="0"/>
                 <a:ea typeface="Times New Roman" panose="02020603050405020304" pitchFamily="18" charset="0"/>
               </a:rPr>
               <a:t>hết</a:t>
             </a:r>
             <a:r>
-              <a:rPr lang="en-US" sz="2400" dirty="0" smtClean="0">
-                <a:latin typeface="Times New Roman" panose="02020603050405020304" pitchFamily="18" charset="0"/>
-                <a:ea typeface="Times New Roman" panose="02020603050405020304" pitchFamily="18" charset="0"/>
-              </a:rPr>
-              <a:t> </a:t>
-            </a:r>
-            <a:r>
-              <a:rPr lang="en-US" sz="2400" dirty="0" err="1" smtClean="0">
+              <a:rPr lang="en-US" sz="2400" dirty="0">
+                <a:latin typeface="Times New Roman" panose="02020603050405020304" pitchFamily="18" charset="0"/>
+                <a:ea typeface="Times New Roman" panose="02020603050405020304" pitchFamily="18" charset="0"/>
+              </a:rPr>
+              <a:t> </a:t>
+            </a:r>
+            <a:r>
+              <a:rPr lang="en-US" sz="2400" dirty="0" err="1">
                 <a:latin typeface="Times New Roman" panose="02020603050405020304" pitchFamily="18" charset="0"/>
                 <a:ea typeface="Times New Roman" panose="02020603050405020304" pitchFamily="18" charset="0"/>
               </a:rPr>
               <a:t>các</a:t>
             </a:r>
             <a:r>
-              <a:rPr lang="en-US" sz="2400" dirty="0" smtClean="0">
-                <a:latin typeface="Times New Roman" panose="02020603050405020304" pitchFamily="18" charset="0"/>
-                <a:ea typeface="Times New Roman" panose="02020603050405020304" pitchFamily="18" charset="0"/>
-              </a:rPr>
-              <a:t> </a:t>
-            </a:r>
-            <a:r>
-              <a:rPr lang="en-US" sz="2400" dirty="0" err="1" smtClean="0">
+              <a:rPr lang="en-US" sz="2400" dirty="0">
+                <a:latin typeface="Times New Roman" panose="02020603050405020304" pitchFamily="18" charset="0"/>
+                <a:ea typeface="Times New Roman" panose="02020603050405020304" pitchFamily="18" charset="0"/>
+              </a:rPr>
+              <a:t> </a:t>
+            </a:r>
+            <a:r>
+              <a:rPr lang="en-US" sz="2400" dirty="0" err="1">
                 <a:latin typeface="Times New Roman" panose="02020603050405020304" pitchFamily="18" charset="0"/>
                 <a:ea typeface="Times New Roman" panose="02020603050405020304" pitchFamily="18" charset="0"/>
               </a:rPr>
               <a:t>hệ</a:t>
             </a:r>
             <a:r>
-              <a:rPr lang="en-US" sz="2400" dirty="0" smtClean="0">
-                <a:latin typeface="Times New Roman" panose="02020603050405020304" pitchFamily="18" charset="0"/>
-                <a:ea typeface="Times New Roman" panose="02020603050405020304" pitchFamily="18" charset="0"/>
-              </a:rPr>
-              <a:t> </a:t>
-            </a:r>
-            <a:r>
-              <a:rPr lang="en-US" sz="2400" dirty="0" err="1" smtClean="0">
+              <a:rPr lang="en-US" sz="2400" dirty="0">
+                <a:latin typeface="Times New Roman" panose="02020603050405020304" pitchFamily="18" charset="0"/>
+                <a:ea typeface="Times New Roman" panose="02020603050405020304" pitchFamily="18" charset="0"/>
+              </a:rPr>
+              <a:t> </a:t>
+            </a:r>
+            <a:r>
+              <a:rPr lang="en-US" sz="2400" dirty="0" err="1">
                 <a:latin typeface="Times New Roman" panose="02020603050405020304" pitchFamily="18" charset="0"/>
                 <a:ea typeface="Times New Roman" panose="02020603050405020304" pitchFamily="18" charset="0"/>
               </a:rPr>
               <a:t>điều</a:t>
             </a:r>
             <a:r>
-              <a:rPr lang="en-US" sz="2400" dirty="0" smtClean="0">
-                <a:latin typeface="Times New Roman" panose="02020603050405020304" pitchFamily="18" charset="0"/>
-                <a:ea typeface="Times New Roman" panose="02020603050405020304" pitchFamily="18" charset="0"/>
-              </a:rPr>
-              <a:t> </a:t>
-            </a:r>
-            <a:r>
-              <a:rPr lang="en-US" sz="2400" dirty="0" err="1" smtClean="0">
+              <a:rPr lang="en-US" sz="2400" dirty="0">
+                <a:latin typeface="Times New Roman" panose="02020603050405020304" pitchFamily="18" charset="0"/>
+                <a:ea typeface="Times New Roman" panose="02020603050405020304" pitchFamily="18" charset="0"/>
+              </a:rPr>
+              <a:t> </a:t>
+            </a:r>
+            <a:r>
+              <a:rPr lang="en-US" sz="2400" dirty="0" err="1">
                 <a:latin typeface="Times New Roman" panose="02020603050405020304" pitchFamily="18" charset="0"/>
                 <a:ea typeface="Times New Roman" panose="02020603050405020304" pitchFamily="18" charset="0"/>
               </a:rPr>
               <a:t>hành</a:t>
             </a:r>
             <a:r>
-              <a:rPr lang="en-US" sz="2400" dirty="0" smtClean="0">
+              <a:rPr lang="en-US" sz="2400" dirty="0">
                 <a:latin typeface="Times New Roman" panose="02020603050405020304" pitchFamily="18" charset="0"/>
                 <a:ea typeface="Times New Roman" panose="02020603050405020304" pitchFamily="18" charset="0"/>
               </a:rPr>
               <a:t>: Window, Linux, </a:t>
             </a:r>
             <a:r>
-              <a:rPr lang="en-US" sz="2400" dirty="0" err="1" smtClean="0">
+              <a:rPr lang="en-US" sz="2400" dirty="0" err="1">
                 <a:latin typeface="Times New Roman" panose="02020603050405020304" pitchFamily="18" charset="0"/>
                 <a:ea typeface="Times New Roman" panose="02020603050405020304" pitchFamily="18" charset="0"/>
               </a:rPr>
@@ -9954,25 +9910,18 @@
   <p:clrMapOvr>
     <a:masterClrMapping/>
   </p:clrMapOvr>
-  <mc:AlternateContent xmlns:mc="http://schemas.openxmlformats.org/markup-compatibility/2006">
-    <mc:Choice xmlns:p14="http://schemas.microsoft.com/office/powerpoint/2010/main" Requires="p14">
+  <mc:AlternateContent xmlns:mc="http://schemas.openxmlformats.org/markup-compatibility/2006" xmlns:p14="http://schemas.microsoft.com/office/powerpoint/2010/main">
+    <mc:Choice Requires="p14">
       <p:transition spd="slow" p14:dur="800">
         <p:circle/>
       </p:transition>
     </mc:Choice>
-    <mc:Fallback>
+    <mc:Fallback xmlns="">
       <p:transition spd="slow">
         <p:circle/>
       </p:transition>
     </mc:Fallback>
   </mc:AlternateContent>
-  <p:timing>
-    <p:tnLst>
-      <p:par>
-        <p:cTn id="1" dur="indefinite" restart="never" nodeType="tmRoot"/>
-      </p:par>
-    </p:tnLst>
-  </p:timing>
 </p:sld>
 </file>
 
@@ -10044,7 +9993,7 @@
           <a:lstStyle/>
           <a:p>
             <a:pPr algn="ctr"/>
-            <a:endParaRPr lang="en-US" sz="4000" dirty="0" smtClean="0">
+            <a:endParaRPr lang="en-US" sz="4000" dirty="0">
               <a:latin typeface="Times New Roman" panose="02020603050405020304" pitchFamily="18" charset="0"/>
               <a:cs typeface="Times New Roman" panose="02020603050405020304" pitchFamily="18" charset="0"/>
             </a:endParaRPr>
@@ -10075,7 +10024,7 @@
           <a:p>
             <a:pPr algn="ctr"/>
             <a:r>
-              <a:rPr lang="en-US" sz="2100" b="1" dirty="0" smtClean="0">
+              <a:rPr lang="en-US" sz="2100" b="1" dirty="0">
                 <a:ln w="0"/>
                 <a:solidFill>
                   <a:srgbClr val="FF0000"/>
@@ -10254,7 +10203,7 @@
               <a:t> </a:t>
             </a:r>
             <a:r>
-              <a:rPr lang="en-US" sz="2800" b="1" dirty="0" err="1" smtClean="0">
+              <a:rPr lang="en-US" sz="2800" b="1" dirty="0" err="1">
                 <a:latin typeface="Times New Roman" panose="02020603050405020304" pitchFamily="18" charset="0"/>
                 <a:ea typeface="Times New Roman" panose="02020603050405020304" pitchFamily="18" charset="0"/>
               </a:rPr>
@@ -10383,7 +10332,7 @@
               <a:t> </a:t>
             </a:r>
             <a:r>
-              <a:rPr lang="en-US" sz="2800" b="1" dirty="0" err="1" smtClean="0">
+              <a:rPr lang="en-US" sz="2800" b="1" dirty="0" err="1">
                 <a:latin typeface="Times New Roman" panose="02020603050405020304" pitchFamily="18" charset="0"/>
                 <a:ea typeface="Times New Roman" panose="02020603050405020304" pitchFamily="18" charset="0"/>
               </a:rPr>
@@ -11305,7 +11254,7 @@
           <p:cNvPr id="2" name="Title 1">
             <a:extLst>
               <a:ext uri="{FF2B5EF4-FFF2-40B4-BE49-F238E27FC236}">
-                <a16:creationId xmlns:a16="http://schemas.microsoft.com/office/drawing/2014/main" xmlns="" id="{90DCA56C-7A25-4BD4-AA72-5256E68BE4CB}"/>
+                <a16:creationId xmlns:a16="http://schemas.microsoft.com/office/drawing/2014/main" id="{90DCA56C-7A25-4BD4-AA72-5256E68BE4CB}"/>
               </a:ext>
             </a:extLst>
           </p:cNvPr>
@@ -11345,7 +11294,7 @@
               </a:rPr>
             </a:br>
             <a:r>
-              <a:rPr lang="en-US" dirty="0" err="1" smtClean="0">
+              <a:rPr lang="en-US" dirty="0" err="1">
                 <a:solidFill>
                   <a:srgbClr val="FF0000"/>
                 </a:solidFill>
@@ -11353,7 +11302,7 @@
               <a:t>Quản</a:t>
             </a:r>
             <a:r>
-              <a:rPr lang="en-US" dirty="0" smtClean="0">
+              <a:rPr lang="en-US" dirty="0">
                 <a:solidFill>
                   <a:srgbClr val="FF0000"/>
                 </a:solidFill>
@@ -11361,7 +11310,7 @@
               <a:t> </a:t>
             </a:r>
             <a:r>
-              <a:rPr lang="en-US" dirty="0" err="1" smtClean="0">
+              <a:rPr lang="en-US" dirty="0" err="1">
                 <a:solidFill>
                   <a:srgbClr val="FF0000"/>
                 </a:solidFill>
@@ -11369,7 +11318,7 @@
               <a:t>lý</a:t>
             </a:r>
             <a:r>
-              <a:rPr lang="en-US" dirty="0" smtClean="0">
+              <a:rPr lang="en-US" dirty="0">
                 <a:solidFill>
                   <a:srgbClr val="FF0000"/>
                 </a:solidFill>
@@ -11377,7 +11326,7 @@
               <a:t> </a:t>
             </a:r>
             <a:r>
-              <a:rPr lang="en-US" dirty="0" err="1" smtClean="0">
+              <a:rPr lang="en-US" dirty="0" err="1">
                 <a:solidFill>
                   <a:srgbClr val="FF0000"/>
                 </a:solidFill>
@@ -11385,7 +11334,7 @@
               <a:t>bất</a:t>
             </a:r>
             <a:r>
-              <a:rPr lang="en-US" dirty="0" smtClean="0">
+              <a:rPr lang="en-US" dirty="0">
                 <a:solidFill>
                   <a:srgbClr val="FF0000"/>
                 </a:solidFill>
@@ -11393,7 +11342,7 @@
               <a:t> </a:t>
             </a:r>
             <a:r>
-              <a:rPr lang="en-US" dirty="0" err="1" smtClean="0">
+              <a:rPr lang="en-US" dirty="0" err="1">
                 <a:solidFill>
                   <a:srgbClr val="FF0000"/>
                 </a:solidFill>
@@ -11401,7 +11350,7 @@
               <a:t>động</a:t>
             </a:r>
             <a:r>
-              <a:rPr lang="en-US" dirty="0" smtClean="0">
+              <a:rPr lang="en-US" dirty="0">
                 <a:solidFill>
                   <a:srgbClr val="FF0000"/>
                 </a:solidFill>
@@ -11409,7 +11358,7 @@
               <a:t> </a:t>
             </a:r>
             <a:r>
-              <a:rPr lang="en-US" dirty="0" err="1" smtClean="0">
+              <a:rPr lang="en-US" dirty="0" err="1">
                 <a:solidFill>
                   <a:srgbClr val="FF0000"/>
                 </a:solidFill>
@@ -11448,21 +11397,21 @@
           <a:p>
             <a:pPr lvl="1"/>
             <a:r>
-              <a:rPr lang="en-US" sz="2400" dirty="0" smtClean="0">
+              <a:rPr lang="en-US" sz="2400" dirty="0">
                 <a:latin typeface="Times New Roman" panose="02020603050405020304" pitchFamily="18" charset="0"/>
                 <a:cs typeface="Times New Roman" panose="02020603050405020304" pitchFamily="18" charset="0"/>
               </a:rPr>
               <a:t>   </a:t>
             </a:r>
             <a:r>
-              <a:rPr lang="en-US" sz="2400" dirty="0" err="1" smtClean="0">
+              <a:rPr lang="en-US" sz="2400" dirty="0" err="1">
                 <a:latin typeface="Times New Roman" panose="02020603050405020304" pitchFamily="18" charset="0"/>
                 <a:cs typeface="Times New Roman" panose="02020603050405020304" pitchFamily="18" charset="0"/>
               </a:rPr>
               <a:t>Giáo</a:t>
             </a:r>
             <a:r>
-              <a:rPr lang="en-US" sz="2400" dirty="0" smtClean="0">
+              <a:rPr lang="en-US" sz="2400" dirty="0">
                 <a:latin typeface="Times New Roman" panose="02020603050405020304" pitchFamily="18" charset="0"/>
                 <a:cs typeface="Times New Roman" panose="02020603050405020304" pitchFamily="18" charset="0"/>
               </a:rPr>
@@ -11511,35 +11460,35 @@
               <a:t>: </a:t>
             </a:r>
             <a:r>
-              <a:rPr lang="en-US" sz="2400" dirty="0" err="1" smtClean="0">
+              <a:rPr lang="en-US" sz="2400" dirty="0" err="1">
                 <a:latin typeface="Times New Roman" panose="02020603050405020304" pitchFamily="18" charset="0"/>
                 <a:cs typeface="Times New Roman" panose="02020603050405020304" pitchFamily="18" charset="0"/>
               </a:rPr>
               <a:t>Thầy</a:t>
             </a:r>
             <a:r>
-              <a:rPr lang="en-US" sz="2400" dirty="0" smtClean="0">
-                <a:latin typeface="Times New Roman" panose="02020603050405020304" pitchFamily="18" charset="0"/>
-                <a:cs typeface="Times New Roman" panose="02020603050405020304" pitchFamily="18" charset="0"/>
-              </a:rPr>
-              <a:t> </a:t>
-            </a:r>
-            <a:r>
-              <a:rPr lang="en-US" sz="2400" dirty="0" err="1" smtClean="0">
+              <a:rPr lang="en-US" sz="2400" dirty="0">
+                <a:latin typeface="Times New Roman" panose="02020603050405020304" pitchFamily="18" charset="0"/>
+                <a:cs typeface="Times New Roman" panose="02020603050405020304" pitchFamily="18" charset="0"/>
+              </a:rPr>
+              <a:t> </a:t>
+            </a:r>
+            <a:r>
+              <a:rPr lang="en-US" sz="2400" dirty="0" err="1">
                 <a:latin typeface="Times New Roman" panose="02020603050405020304" pitchFamily="18" charset="0"/>
                 <a:cs typeface="Times New Roman" panose="02020603050405020304" pitchFamily="18" charset="0"/>
               </a:rPr>
               <a:t>Lục</a:t>
             </a:r>
             <a:r>
-              <a:rPr lang="en-US" sz="2400" dirty="0" smtClean="0">
+              <a:rPr lang="en-US" sz="2400" dirty="0">
                 <a:latin typeface="Times New Roman" panose="02020603050405020304" pitchFamily="18" charset="0"/>
                 <a:cs typeface="Times New Roman" panose="02020603050405020304" pitchFamily="18" charset="0"/>
               </a:rPr>
               <a:t> Minh </a:t>
             </a:r>
             <a:r>
-              <a:rPr lang="en-US" sz="2400" dirty="0" err="1" smtClean="0">
+              <a:rPr lang="en-US" sz="2400" dirty="0" err="1">
                 <a:latin typeface="Times New Roman" panose="02020603050405020304" pitchFamily="18" charset="0"/>
                 <a:cs typeface="Times New Roman" panose="02020603050405020304" pitchFamily="18" charset="0"/>
               </a:rPr>
@@ -11556,24 +11505,17 @@
                 <a:latin typeface="Times New Roman" panose="02020603050405020304" pitchFamily="18" charset="0"/>
                 <a:cs typeface="Times New Roman" panose="02020603050405020304" pitchFamily="18" charset="0"/>
               </a:rPr>
-              <a:t> </a:t>
-            </a:r>
-            <a:r>
-              <a:rPr lang="en-US" sz="2400" dirty="0" smtClean="0">
-                <a:latin typeface="Times New Roman" panose="02020603050405020304" pitchFamily="18" charset="0"/>
-                <a:cs typeface="Times New Roman" panose="02020603050405020304" pitchFamily="18" charset="0"/>
-              </a:rPr>
-              <a:t>        </a:t>
-            </a:r>
-            <a:r>
-              <a:rPr lang="en-US" sz="2400" u="sng" dirty="0" err="1" smtClean="0">
+              <a:t>         </a:t>
+            </a:r>
+            <a:r>
+              <a:rPr lang="en-US" sz="2400" u="sng" dirty="0" err="1">
                 <a:latin typeface="Times New Roman" panose="02020603050405020304" pitchFamily="18" charset="0"/>
                 <a:cs typeface="Times New Roman" panose="02020603050405020304" pitchFamily="18" charset="0"/>
               </a:rPr>
               <a:t>Thành</a:t>
             </a:r>
             <a:r>
-              <a:rPr lang="en-US" sz="2400" u="sng" dirty="0" smtClean="0">
+              <a:rPr lang="en-US" sz="2400" u="sng" dirty="0">
                 <a:latin typeface="Times New Roman" panose="02020603050405020304" pitchFamily="18" charset="0"/>
                 <a:cs typeface="Times New Roman" panose="02020603050405020304" pitchFamily="18" charset="0"/>
               </a:rPr>
@@ -11600,31 +11542,24 @@
                 <a:latin typeface="Times New Roman" panose="02020603050405020304" pitchFamily="18" charset="0"/>
                 <a:cs typeface="Times New Roman" panose="02020603050405020304" pitchFamily="18" charset="0"/>
               </a:rPr>
-              <a:t>		</a:t>
-            </a:r>
-            <a:r>
-              <a:rPr lang="en-US" sz="2400" dirty="0" smtClean="0">
-                <a:latin typeface="Times New Roman" panose="02020603050405020304" pitchFamily="18" charset="0"/>
-                <a:cs typeface="Times New Roman" panose="02020603050405020304" pitchFamily="18" charset="0"/>
-              </a:rPr>
-              <a:t>    </a:t>
-            </a:r>
-            <a:r>
-              <a:rPr lang="en-US" sz="2400" dirty="0" err="1" smtClean="0">
+              <a:t>		    </a:t>
+            </a:r>
+            <a:r>
+              <a:rPr lang="en-US" sz="2400" dirty="0" err="1">
                 <a:latin typeface="Times New Roman" panose="02020603050405020304" pitchFamily="18" charset="0"/>
                 <a:cs typeface="Times New Roman" panose="02020603050405020304" pitchFamily="18" charset="0"/>
               </a:rPr>
               <a:t>Thân</a:t>
             </a:r>
             <a:r>
-              <a:rPr lang="en-US" sz="2400" dirty="0" smtClean="0">
-                <a:latin typeface="Times New Roman" panose="02020603050405020304" pitchFamily="18" charset="0"/>
-                <a:cs typeface="Times New Roman" panose="02020603050405020304" pitchFamily="18" charset="0"/>
-              </a:rPr>
-              <a:t> </a:t>
-            </a:r>
-            <a:r>
-              <a:rPr lang="en-US" sz="2400" dirty="0" err="1" smtClean="0">
+              <a:rPr lang="en-US" sz="2400" dirty="0">
+                <a:latin typeface="Times New Roman" panose="02020603050405020304" pitchFamily="18" charset="0"/>
+                <a:cs typeface="Times New Roman" panose="02020603050405020304" pitchFamily="18" charset="0"/>
+              </a:rPr>
+              <a:t> </a:t>
+            </a:r>
+            <a:r>
+              <a:rPr lang="en-US" sz="2400" dirty="0" err="1">
                 <a:latin typeface="Times New Roman" panose="02020603050405020304" pitchFamily="18" charset="0"/>
                 <a:cs typeface="Times New Roman" panose="02020603050405020304" pitchFamily="18" charset="0"/>
               </a:rPr>
@@ -11638,51 +11573,33 @@
               <a:t> </a:t>
             </a:r>
             <a:r>
-              <a:rPr lang="en-US" sz="2400" dirty="0" err="1" smtClean="0">
+              <a:rPr lang="en-US" sz="2400" dirty="0" err="1">
                 <a:latin typeface="Times New Roman" panose="02020603050405020304" pitchFamily="18" charset="0"/>
                 <a:cs typeface="Times New Roman" panose="02020603050405020304" pitchFamily="18" charset="0"/>
               </a:rPr>
               <a:t>Huỳnh</a:t>
             </a:r>
             <a:r>
-              <a:rPr lang="en-US" sz="2400" dirty="0" smtClean="0">
-                <a:latin typeface="Times New Roman" panose="02020603050405020304" pitchFamily="18" charset="0"/>
-                <a:cs typeface="Times New Roman" panose="02020603050405020304" pitchFamily="18" charset="0"/>
-              </a:rPr>
-              <a:t> </a:t>
-            </a:r>
-            <a:r>
-              <a:rPr lang="en-US" sz="2400" dirty="0" err="1" smtClean="0">
+              <a:rPr lang="en-US" sz="2400" dirty="0">
+                <a:latin typeface="Times New Roman" panose="02020603050405020304" pitchFamily="18" charset="0"/>
+                <a:cs typeface="Times New Roman" panose="02020603050405020304" pitchFamily="18" charset="0"/>
+              </a:rPr>
+              <a:t> </a:t>
+            </a:r>
+            <a:r>
+              <a:rPr lang="en-US" sz="2400" dirty="0" err="1">
                 <a:latin typeface="Times New Roman" panose="02020603050405020304" pitchFamily="18" charset="0"/>
                 <a:cs typeface="Times New Roman" panose="02020603050405020304" pitchFamily="18" charset="0"/>
               </a:rPr>
               <a:t>Nhân</a:t>
             </a:r>
             <a:r>
-              <a:rPr lang="en-US" sz="2400" dirty="0" smtClean="0">
-                <a:latin typeface="Times New Roman" panose="02020603050405020304" pitchFamily="18" charset="0"/>
-                <a:cs typeface="Times New Roman" panose="02020603050405020304" pitchFamily="18" charset="0"/>
-              </a:rPr>
-              <a:t> </a:t>
-            </a:r>
-            <a:r>
               <a:rPr lang="en-US" sz="2400" dirty="0">
                 <a:latin typeface="Times New Roman" panose="02020603050405020304" pitchFamily="18" charset="0"/>
                 <a:cs typeface="Times New Roman" panose="02020603050405020304" pitchFamily="18" charset="0"/>
               </a:rPr>
-              <a:t>–  </a:t>
-            </a:r>
-            <a:r>
-              <a:rPr lang="en-US" sz="2400" dirty="0" smtClean="0">
-                <a:latin typeface="Times New Roman" panose="02020603050405020304" pitchFamily="18" charset="0"/>
-                <a:cs typeface="Times New Roman" panose="02020603050405020304" pitchFamily="18" charset="0"/>
-              </a:rPr>
-              <a:t>51800590</a:t>
-            </a:r>
-            <a:endParaRPr lang="en-US" sz="2400" dirty="0">
-              <a:latin typeface="Times New Roman" panose="02020603050405020304" pitchFamily="18" charset="0"/>
-              <a:cs typeface="Times New Roman" panose="02020603050405020304" pitchFamily="18" charset="0"/>
-            </a:endParaRPr>
+              <a:t> –  51800590</a:t>
+            </a:r>
           </a:p>
           <a:p>
             <a:r>
@@ -11690,61 +11607,36 @@
                 <a:latin typeface="Times New Roman" panose="02020603050405020304" pitchFamily="18" charset="0"/>
                 <a:cs typeface="Times New Roman" panose="02020603050405020304" pitchFamily="18" charset="0"/>
               </a:rPr>
-              <a:t>		</a:t>
-            </a:r>
-            <a:r>
-              <a:rPr lang="en-US" sz="2400" dirty="0" smtClean="0">
-                <a:latin typeface="Times New Roman" panose="02020603050405020304" pitchFamily="18" charset="0"/>
-                <a:cs typeface="Times New Roman" panose="02020603050405020304" pitchFamily="18" charset="0"/>
-              </a:rPr>
-              <a:t>    </a:t>
-            </a:r>
-            <a:r>
-              <a:rPr lang="en-US" sz="2400" dirty="0" err="1" smtClean="0">
+              <a:t>		    </a:t>
+            </a:r>
+            <a:r>
+              <a:rPr lang="en-US" sz="2400" dirty="0" err="1">
                 <a:latin typeface="Times New Roman" panose="02020603050405020304" pitchFamily="18" charset="0"/>
                 <a:cs typeface="Times New Roman" panose="02020603050405020304" pitchFamily="18" charset="0"/>
               </a:rPr>
               <a:t>Phạm</a:t>
             </a:r>
             <a:r>
-              <a:rPr lang="en-US" sz="2400" dirty="0" smtClean="0">
-                <a:latin typeface="Times New Roman" panose="02020603050405020304" pitchFamily="18" charset="0"/>
-                <a:cs typeface="Times New Roman" panose="02020603050405020304" pitchFamily="18" charset="0"/>
-              </a:rPr>
-              <a:t> </a:t>
-            </a:r>
-            <a:r>
-              <a:rPr lang="en-US" sz="2400" dirty="0" err="1" smtClean="0">
-                <a:latin typeface="Times New Roman" panose="02020603050405020304" pitchFamily="18" charset="0"/>
-                <a:cs typeface="Times New Roman" panose="02020603050405020304" pitchFamily="18" charset="0"/>
-              </a:rPr>
-              <a:t>Nhậ</a:t>
-            </a:r>
-            <a:r>
-              <a:rPr lang="en-US" sz="2400" dirty="0" err="1" smtClean="0">
-                <a:latin typeface="Times New Roman" panose="02020603050405020304" pitchFamily="18" charset="0"/>
-                <a:cs typeface="Times New Roman" panose="02020603050405020304" pitchFamily="18" charset="0"/>
-              </a:rPr>
-              <a:t>t</a:t>
-            </a:r>
-            <a:r>
-              <a:rPr lang="en-US" sz="2400" dirty="0" smtClean="0">
-                <a:latin typeface="Times New Roman" panose="02020603050405020304" pitchFamily="18" charset="0"/>
-                <a:cs typeface="Times New Roman" panose="02020603050405020304" pitchFamily="18" charset="0"/>
-              </a:rPr>
-              <a:t> Minh </a:t>
-            </a:r>
-            <a:r>
-              <a:rPr lang="en-US" sz="2400" dirty="0" smtClean="0">
-                <a:latin typeface="Times New Roman" panose="02020603050405020304" pitchFamily="18" charset="0"/>
-                <a:cs typeface="Times New Roman" panose="02020603050405020304" pitchFamily="18" charset="0"/>
-              </a:rPr>
-              <a:t>–  51800903</a:t>
-            </a:r>
-            <a:endParaRPr lang="en-US" sz="2400" dirty="0">
-              <a:latin typeface="Times New Roman" panose="02020603050405020304" pitchFamily="18" charset="0"/>
-              <a:cs typeface="Times New Roman" panose="02020603050405020304" pitchFamily="18" charset="0"/>
-            </a:endParaRPr>
+              <a:rPr lang="en-US" sz="2400" dirty="0">
+                <a:latin typeface="Times New Roman" panose="02020603050405020304" pitchFamily="18" charset="0"/>
+                <a:cs typeface="Times New Roman" panose="02020603050405020304" pitchFamily="18" charset="0"/>
+              </a:rPr>
+              <a:t> </a:t>
+            </a:r>
+            <a:r>
+              <a:rPr lang="en-US" sz="2400" dirty="0" err="1">
+                <a:latin typeface="Times New Roman" panose="02020603050405020304" pitchFamily="18" charset="0"/>
+                <a:cs typeface="Times New Roman" panose="02020603050405020304" pitchFamily="18" charset="0"/>
+              </a:rPr>
+              <a:t>Nhật</a:t>
+            </a:r>
+            <a:r>
+              <a:rPr lang="en-US" sz="2400" dirty="0">
+                <a:latin typeface="Times New Roman" panose="02020603050405020304" pitchFamily="18" charset="0"/>
+                <a:cs typeface="Times New Roman" panose="02020603050405020304" pitchFamily="18" charset="0"/>
+              </a:rPr>
+              <a:t> Minh –  51800903</a:t>
+            </a:r>
           </a:p>
           <a:p>
             <a:r>
@@ -11752,35 +11644,21 @@
                 <a:latin typeface="Times New Roman" panose="02020603050405020304" pitchFamily="18" charset="0"/>
                 <a:cs typeface="Times New Roman" panose="02020603050405020304" pitchFamily="18" charset="0"/>
               </a:rPr>
-              <a:t>		</a:t>
-            </a:r>
-            <a:r>
-              <a:rPr lang="en-US" sz="2400" dirty="0" smtClean="0">
-                <a:latin typeface="Times New Roman" panose="02020603050405020304" pitchFamily="18" charset="0"/>
-                <a:cs typeface="Times New Roman" panose="02020603050405020304" pitchFamily="18" charset="0"/>
-              </a:rPr>
-              <a:t>    </a:t>
-            </a:r>
-            <a:r>
-              <a:rPr lang="en-US" sz="2400" dirty="0" err="1" smtClean="0">
+              <a:t>		    </a:t>
+            </a:r>
+            <a:r>
+              <a:rPr lang="en-US" sz="2400" dirty="0" err="1">
                 <a:latin typeface="Times New Roman" panose="02020603050405020304" pitchFamily="18" charset="0"/>
                 <a:cs typeface="Times New Roman" panose="02020603050405020304" pitchFamily="18" charset="0"/>
               </a:rPr>
               <a:t>Sơn</a:t>
             </a:r>
             <a:r>
-              <a:rPr lang="en-US" sz="2400" dirty="0" smtClean="0">
-                <a:latin typeface="Times New Roman" panose="02020603050405020304" pitchFamily="18" charset="0"/>
-                <a:cs typeface="Times New Roman" panose="02020603050405020304" pitchFamily="18" charset="0"/>
-              </a:rPr>
-              <a:t> </a:t>
-            </a:r>
-            <a:r>
               <a:rPr lang="en-US" sz="2400" dirty="0">
                 <a:latin typeface="Times New Roman" panose="02020603050405020304" pitchFamily="18" charset="0"/>
                 <a:cs typeface="Times New Roman" panose="02020603050405020304" pitchFamily="18" charset="0"/>
               </a:rPr>
-              <a:t>Mai </a:t>
+              <a:t> Mai </a:t>
             </a:r>
             <a:r>
               <a:rPr lang="en-US" sz="2400" dirty="0" err="1">
@@ -11804,7 +11682,7 @@
           <p:cNvPr id="3" name="TextBox 2">
             <a:extLst>
               <a:ext uri="{FF2B5EF4-FFF2-40B4-BE49-F238E27FC236}">
-                <a16:creationId xmlns:a16="http://schemas.microsoft.com/office/drawing/2014/main" xmlns="" id="{3155FF89-7FB3-4A5D-92D2-BA7F469AEE77}"/>
+                <a16:creationId xmlns:a16="http://schemas.microsoft.com/office/drawing/2014/main" id="{3155FF89-7FB3-4A5D-92D2-BA7F469AEE77}"/>
               </a:ext>
             </a:extLst>
           </p:cNvPr>
@@ -11829,49 +11707,49 @@
           <a:p>
             <a:pPr algn="ctr"/>
             <a:r>
-              <a:rPr lang="en-US" sz="4000" dirty="0" err="1" smtClean="0">
+              <a:rPr lang="en-US" sz="4000" dirty="0" err="1">
                 <a:latin typeface="Times New Roman" panose="02020603050405020304" pitchFamily="18" charset="0"/>
                 <a:cs typeface="Times New Roman" panose="02020603050405020304" pitchFamily="18" charset="0"/>
               </a:rPr>
               <a:t>Công</a:t>
             </a:r>
             <a:r>
-              <a:rPr lang="en-US" sz="4000" dirty="0" smtClean="0">
-                <a:latin typeface="Times New Roman" panose="02020603050405020304" pitchFamily="18" charset="0"/>
-                <a:cs typeface="Times New Roman" panose="02020603050405020304" pitchFamily="18" charset="0"/>
-              </a:rPr>
-              <a:t> </a:t>
-            </a:r>
-            <a:r>
-              <a:rPr lang="en-US" sz="4000" dirty="0" err="1" smtClean="0">
+              <a:rPr lang="en-US" sz="4000" dirty="0">
+                <a:latin typeface="Times New Roman" panose="02020603050405020304" pitchFamily="18" charset="0"/>
+                <a:cs typeface="Times New Roman" panose="02020603050405020304" pitchFamily="18" charset="0"/>
+              </a:rPr>
+              <a:t> </a:t>
+            </a:r>
+            <a:r>
+              <a:rPr lang="en-US" sz="4000" dirty="0" err="1">
                 <a:latin typeface="Times New Roman" panose="02020603050405020304" pitchFamily="18" charset="0"/>
                 <a:cs typeface="Times New Roman" panose="02020603050405020304" pitchFamily="18" charset="0"/>
               </a:rPr>
               <a:t>Nghệ</a:t>
             </a:r>
             <a:r>
-              <a:rPr lang="en-US" sz="4000" dirty="0" smtClean="0">
-                <a:latin typeface="Times New Roman" panose="02020603050405020304" pitchFamily="18" charset="0"/>
-                <a:cs typeface="Times New Roman" panose="02020603050405020304" pitchFamily="18" charset="0"/>
-              </a:rPr>
-              <a:t> </a:t>
-            </a:r>
-            <a:r>
-              <a:rPr lang="en-US" sz="4000" dirty="0" err="1" smtClean="0">
+              <a:rPr lang="en-US" sz="4000" dirty="0">
+                <a:latin typeface="Times New Roman" panose="02020603050405020304" pitchFamily="18" charset="0"/>
+                <a:cs typeface="Times New Roman" panose="02020603050405020304" pitchFamily="18" charset="0"/>
+              </a:rPr>
+              <a:t> </a:t>
+            </a:r>
+            <a:r>
+              <a:rPr lang="en-US" sz="4000" dirty="0" err="1">
                 <a:latin typeface="Times New Roman" panose="02020603050405020304" pitchFamily="18" charset="0"/>
                 <a:cs typeface="Times New Roman" panose="02020603050405020304" pitchFamily="18" charset="0"/>
               </a:rPr>
               <a:t>Phần</a:t>
             </a:r>
             <a:r>
-              <a:rPr lang="en-US" sz="4000" dirty="0" smtClean="0">
-                <a:latin typeface="Times New Roman" panose="02020603050405020304" pitchFamily="18" charset="0"/>
-                <a:cs typeface="Times New Roman" panose="02020603050405020304" pitchFamily="18" charset="0"/>
-              </a:rPr>
-              <a:t> </a:t>
-            </a:r>
-            <a:r>
-              <a:rPr lang="en-US" sz="4000" dirty="0" err="1" smtClean="0">
+              <a:rPr lang="en-US" sz="4000" dirty="0">
+                <a:latin typeface="Times New Roman" panose="02020603050405020304" pitchFamily="18" charset="0"/>
+                <a:cs typeface="Times New Roman" panose="02020603050405020304" pitchFamily="18" charset="0"/>
+              </a:rPr>
+              <a:t> </a:t>
+            </a:r>
+            <a:r>
+              <a:rPr lang="en-US" sz="4000" dirty="0" err="1">
                 <a:latin typeface="Times New Roman" panose="02020603050405020304" pitchFamily="18" charset="0"/>
                 <a:cs typeface="Times New Roman" panose="02020603050405020304" pitchFamily="18" charset="0"/>
               </a:rPr>
@@ -11889,7 +11767,7 @@
           <p:cNvPr id="6" name="Picture 5">
             <a:extLst>
               <a:ext uri="{FF2B5EF4-FFF2-40B4-BE49-F238E27FC236}">
-                <a16:creationId xmlns:a16="http://schemas.microsoft.com/office/drawing/2014/main" xmlns="" id="{881D2FEE-39B6-4DCF-88EF-98C94AB1F287}"/>
+                <a16:creationId xmlns:a16="http://schemas.microsoft.com/office/drawing/2014/main" id="{881D2FEE-39B6-4DCF-88EF-98C94AB1F287}"/>
               </a:ext>
             </a:extLst>
           </p:cNvPr>
@@ -12732,56 +12610,56 @@
                 <a:latin typeface="Times New Roman" panose="02020603050405020304" pitchFamily="18" charset="0"/>
                 <a:ea typeface="Times New Roman" panose="02020603050405020304" pitchFamily="18" charset="0"/>
               </a:rPr>
-              <a:t>Sequence diagram </a:t>
-            </a:r>
-            <a:r>
-              <a:rPr lang="en-US" sz="2500" b="1" dirty="0" smtClean="0">
-                <a:latin typeface="Times New Roman" panose="02020603050405020304" pitchFamily="18" charset="0"/>
-                <a:ea typeface="Times New Roman" panose="02020603050405020304" pitchFamily="18" charset="0"/>
-              </a:rPr>
-              <a:t>- use </a:t>
+              <a:t>Sequence diagram - use case </a:t>
+            </a:r>
+            <a:r>
+              <a:rPr lang="en-US" sz="2500" b="1" dirty="0" err="1">
+                <a:latin typeface="Times New Roman" panose="02020603050405020304" pitchFamily="18" charset="0"/>
+                <a:ea typeface="Times New Roman" panose="02020603050405020304" pitchFamily="18" charset="0"/>
+              </a:rPr>
+              <a:t>Quản</a:t>
             </a:r>
             <a:r>
               <a:rPr lang="en-US" sz="2500" b="1" dirty="0">
                 <a:latin typeface="Times New Roman" panose="02020603050405020304" pitchFamily="18" charset="0"/>
                 <a:ea typeface="Times New Roman" panose="02020603050405020304" pitchFamily="18" charset="0"/>
               </a:rPr>
-              <a:t>case </a:t>
+              <a:t> </a:t>
             </a:r>
             <a:r>
               <a:rPr lang="en-US" sz="2500" b="1" dirty="0" err="1">
                 <a:latin typeface="Times New Roman" panose="02020603050405020304" pitchFamily="18" charset="0"/>
                 <a:ea typeface="Times New Roman" panose="02020603050405020304" pitchFamily="18" charset="0"/>
               </a:rPr>
-              <a:t>Quản</a:t>
+              <a:t>lý</a:t>
             </a:r>
             <a:r>
               <a:rPr lang="en-US" sz="2500" b="1" dirty="0">
                 <a:latin typeface="Times New Roman" panose="02020603050405020304" pitchFamily="18" charset="0"/>
                 <a:ea typeface="Times New Roman" panose="02020603050405020304" pitchFamily="18" charset="0"/>
               </a:rPr>
-              <a:t> </a:t>
+              <a:t> tin </a:t>
             </a:r>
             <a:r>
               <a:rPr lang="en-US" sz="2500" b="1" dirty="0" err="1">
                 <a:latin typeface="Times New Roman" panose="02020603050405020304" pitchFamily="18" charset="0"/>
                 <a:ea typeface="Times New Roman" panose="02020603050405020304" pitchFamily="18" charset="0"/>
               </a:rPr>
-              <a:t>lý</a:t>
+              <a:t>nhà</a:t>
             </a:r>
             <a:r>
               <a:rPr lang="en-US" sz="2500" b="1" dirty="0">
                 <a:latin typeface="Times New Roman" panose="02020603050405020304" pitchFamily="18" charset="0"/>
                 <a:ea typeface="Times New Roman" panose="02020603050405020304" pitchFamily="18" charset="0"/>
               </a:rPr>
-              <a:t> tin </a:t>
+              <a:t> </a:t>
             </a:r>
             <a:r>
               <a:rPr lang="en-US" sz="2500" b="1" dirty="0" err="1">
                 <a:latin typeface="Times New Roman" panose="02020603050405020304" pitchFamily="18" charset="0"/>
                 <a:ea typeface="Times New Roman" panose="02020603050405020304" pitchFamily="18" charset="0"/>
               </a:rPr>
-              <a:t>nhà</a:t>
+              <a:t>đất</a:t>
             </a:r>
             <a:r>
               <a:rPr lang="en-US" sz="2500" b="1" dirty="0">
@@ -12790,36 +12668,18 @@
               </a:rPr>
               <a:t> </a:t>
             </a:r>
-            <a:r>
-              <a:rPr lang="en-US" sz="2500" b="1" dirty="0" err="1">
-                <a:latin typeface="Times New Roman" panose="02020603050405020304" pitchFamily="18" charset="0"/>
-                <a:ea typeface="Times New Roman" panose="02020603050405020304" pitchFamily="18" charset="0"/>
-              </a:rPr>
-              <a:t>đất</a:t>
-            </a:r>
-            <a:r>
-              <a:rPr lang="en-US" sz="2500" b="1" dirty="0">
-                <a:latin typeface="Times New Roman" panose="02020603050405020304" pitchFamily="18" charset="0"/>
-                <a:ea typeface="Times New Roman" panose="02020603050405020304" pitchFamily="18" charset="0"/>
-              </a:rPr>
-              <a:t> </a:t>
-            </a:r>
-            <a:endParaRPr lang="en-US" sz="2500" b="1" dirty="0" smtClean="0">
-              <a:latin typeface="Times New Roman" panose="02020603050405020304" pitchFamily="18" charset="0"/>
-              <a:ea typeface="Times New Roman" panose="02020603050405020304" pitchFamily="18" charset="0"/>
-            </a:endParaRPr>
           </a:p>
           <a:p>
             <a:pPr algn="ctr"/>
             <a:r>
-              <a:rPr lang="en-US" sz="2500" b="1" dirty="0" err="1" smtClean="0">
+              <a:rPr lang="en-US" sz="2500" b="1" dirty="0" err="1">
                 <a:latin typeface="Times New Roman" panose="02020603050405020304" pitchFamily="18" charset="0"/>
                 <a:ea typeface="Times New Roman" panose="02020603050405020304" pitchFamily="18" charset="0"/>
               </a:rPr>
               <a:t>chức</a:t>
             </a:r>
             <a:r>
-              <a:rPr lang="en-US" sz="2500" b="1" dirty="0" smtClean="0">
+              <a:rPr lang="en-US" sz="2500" b="1" dirty="0">
                 <a:latin typeface="Times New Roman" panose="02020603050405020304" pitchFamily="18" charset="0"/>
                 <a:ea typeface="Times New Roman" panose="02020603050405020304" pitchFamily="18" charset="0"/>
               </a:rPr>
@@ -13005,21 +12865,7 @@
                 <a:latin typeface="Times New Roman" panose="02020603050405020304" pitchFamily="18" charset="0"/>
                 <a:ea typeface="Times New Roman" panose="02020603050405020304" pitchFamily="18" charset="0"/>
               </a:rPr>
-              <a:t>Sequence diagram </a:t>
-            </a:r>
-            <a:r>
-              <a:rPr lang="en-US" sz="2600" b="1" dirty="0" smtClean="0">
-                <a:latin typeface="Times New Roman" panose="02020603050405020304" pitchFamily="18" charset="0"/>
-                <a:ea typeface="Times New Roman" panose="02020603050405020304" pitchFamily="18" charset="0"/>
-              </a:rPr>
-              <a:t>- use </a:t>
-            </a:r>
-            <a:r>
-              <a:rPr lang="en-US" sz="2600" b="1" dirty="0">
-                <a:latin typeface="Times New Roman" panose="02020603050405020304" pitchFamily="18" charset="0"/>
-                <a:ea typeface="Times New Roman" panose="02020603050405020304" pitchFamily="18" charset="0"/>
-              </a:rPr>
-              <a:t>case </a:t>
+              <a:t>Sequence diagram - use case </a:t>
             </a:r>
             <a:r>
               <a:rPr lang="en-US" sz="2600" b="1" dirty="0" err="1">
@@ -13243,66 +13089,52 @@
                 <a:latin typeface="Times New Roman" panose="02020603050405020304" pitchFamily="18" charset="0"/>
                 <a:ea typeface="Times New Roman" panose="02020603050405020304" pitchFamily="18" charset="0"/>
               </a:rPr>
-              <a:t>Sequence Diagram </a:t>
-            </a:r>
-            <a:r>
-              <a:rPr lang="en-US" sz="2500" b="1" dirty="0" smtClean="0">
-                <a:latin typeface="Times New Roman" panose="02020603050405020304" pitchFamily="18" charset="0"/>
-                <a:ea typeface="Times New Roman" panose="02020603050405020304" pitchFamily="18" charset="0"/>
-              </a:rPr>
-              <a:t>- </a:t>
+              <a:t>Sequence Diagram - use case </a:t>
+            </a:r>
+            <a:r>
+              <a:rPr lang="en-US" sz="2500" b="1" dirty="0" err="1">
+                <a:latin typeface="Times New Roman" panose="02020603050405020304" pitchFamily="18" charset="0"/>
+                <a:ea typeface="Times New Roman" panose="02020603050405020304" pitchFamily="18" charset="0"/>
+              </a:rPr>
+              <a:t>Xem</a:t>
             </a:r>
             <a:r>
               <a:rPr lang="en-US" sz="2500" b="1" dirty="0">
                 <a:latin typeface="Times New Roman" panose="02020603050405020304" pitchFamily="18" charset="0"/>
                 <a:ea typeface="Times New Roman" panose="02020603050405020304" pitchFamily="18" charset="0"/>
               </a:rPr>
-              <a:t>use case </a:t>
+              <a:t> </a:t>
             </a:r>
             <a:r>
               <a:rPr lang="en-US" sz="2500" b="1" dirty="0" err="1">
                 <a:latin typeface="Times New Roman" panose="02020603050405020304" pitchFamily="18" charset="0"/>
                 <a:ea typeface="Times New Roman" panose="02020603050405020304" pitchFamily="18" charset="0"/>
               </a:rPr>
-              <a:t>Xem</a:t>
+              <a:t>thông</a:t>
             </a:r>
             <a:r>
               <a:rPr lang="en-US" sz="2500" b="1" dirty="0">
                 <a:latin typeface="Times New Roman" panose="02020603050405020304" pitchFamily="18" charset="0"/>
                 <a:ea typeface="Times New Roman" panose="02020603050405020304" pitchFamily="18" charset="0"/>
               </a:rPr>
-              <a:t> </a:t>
+              <a:t> tin </a:t>
             </a:r>
             <a:r>
               <a:rPr lang="en-US" sz="2500" b="1" dirty="0" err="1">
                 <a:latin typeface="Times New Roman" panose="02020603050405020304" pitchFamily="18" charset="0"/>
                 <a:ea typeface="Times New Roman" panose="02020603050405020304" pitchFamily="18" charset="0"/>
               </a:rPr>
-              <a:t>thông</a:t>
+              <a:t>bài</a:t>
             </a:r>
             <a:r>
               <a:rPr lang="en-US" sz="2500" b="1" dirty="0">
                 <a:latin typeface="Times New Roman" panose="02020603050405020304" pitchFamily="18" charset="0"/>
                 <a:ea typeface="Times New Roman" panose="02020603050405020304" pitchFamily="18" charset="0"/>
               </a:rPr>
-              <a:t> tin </a:t>
+              <a:t> </a:t>
             </a:r>
             <a:r>
               <a:rPr lang="en-US" sz="2500" b="1" dirty="0" err="1">
-                <a:latin typeface="Times New Roman" panose="02020603050405020304" pitchFamily="18" charset="0"/>
-                <a:ea typeface="Times New Roman" panose="02020603050405020304" pitchFamily="18" charset="0"/>
-              </a:rPr>
-              <a:t>bài</a:t>
-            </a:r>
-            <a:r>
-              <a:rPr lang="en-US" sz="2500" b="1" dirty="0">
-                <a:latin typeface="Times New Roman" panose="02020603050405020304" pitchFamily="18" charset="0"/>
-                <a:ea typeface="Times New Roman" panose="02020603050405020304" pitchFamily="18" charset="0"/>
-              </a:rPr>
-              <a:t> </a:t>
-            </a:r>
-            <a:r>
-              <a:rPr lang="en-US" sz="2500" b="1" dirty="0" err="1" smtClean="0">
                 <a:latin typeface="Times New Roman" panose="02020603050405020304" pitchFamily="18" charset="0"/>
                 <a:ea typeface="Times New Roman" panose="02020603050405020304" pitchFamily="18" charset="0"/>
               </a:rPr>
@@ -13397,21 +13229,7 @@
                 <a:latin typeface="Times New Roman" panose="02020603050405020304" pitchFamily="18" charset="0"/>
                 <a:ea typeface="Times New Roman" panose="02020603050405020304" pitchFamily="18" charset="0"/>
               </a:rPr>
-              <a:t>Sequence diagram -</a:t>
-            </a:r>
-            <a:r>
-              <a:rPr lang="en-US" sz="2500" b="1" dirty="0" smtClean="0">
-                <a:latin typeface="Times New Roman" panose="02020603050405020304" pitchFamily="18" charset="0"/>
-                <a:ea typeface="Times New Roman" panose="02020603050405020304" pitchFamily="18" charset="0"/>
-              </a:rPr>
-              <a:t> </a:t>
-            </a:r>
-            <a:r>
-              <a:rPr lang="en-US" sz="2500" b="1" dirty="0">
-                <a:latin typeface="Times New Roman" panose="02020603050405020304" pitchFamily="18" charset="0"/>
-                <a:ea typeface="Times New Roman" panose="02020603050405020304" pitchFamily="18" charset="0"/>
-              </a:rPr>
-              <a:t>use case </a:t>
+              <a:t>Sequence diagram - use case </a:t>
             </a:r>
             <a:r>
               <a:rPr lang="en-US" sz="2500" b="1" dirty="0" err="1">
@@ -13635,28 +13453,28 @@
                 <a:latin typeface="Times New Roman" panose="02020603050405020304" pitchFamily="18" charset="0"/>
                 <a:ea typeface="Times New Roman" panose="02020603050405020304" pitchFamily="18" charset="0"/>
               </a:rPr>
-              <a:t>Sequence diagram </a:t>
-            </a:r>
-            <a:r>
-              <a:rPr lang="en-US" sz="2500" b="1" dirty="0" smtClean="0">
-                <a:latin typeface="Times New Roman" panose="02020603050405020304" pitchFamily="18" charset="0"/>
-                <a:ea typeface="Times New Roman" panose="02020603050405020304" pitchFamily="18" charset="0"/>
-              </a:rPr>
-              <a:t>- use </a:t>
+              <a:t>Sequence diagram - use case </a:t>
+            </a:r>
+            <a:r>
+              <a:rPr lang="en-US" sz="2500" b="1" dirty="0" err="1">
+                <a:latin typeface="Times New Roman" panose="02020603050405020304" pitchFamily="18" charset="0"/>
+                <a:ea typeface="Times New Roman" panose="02020603050405020304" pitchFamily="18" charset="0"/>
+              </a:rPr>
+              <a:t>Quản</a:t>
             </a:r>
             <a:r>
               <a:rPr lang="en-US" sz="2500" b="1" dirty="0">
                 <a:latin typeface="Times New Roman" panose="02020603050405020304" pitchFamily="18" charset="0"/>
                 <a:ea typeface="Times New Roman" panose="02020603050405020304" pitchFamily="18" charset="0"/>
               </a:rPr>
-              <a:t>case </a:t>
+              <a:t> </a:t>
             </a:r>
             <a:r>
               <a:rPr lang="en-US" sz="2500" b="1" dirty="0" err="1">
                 <a:latin typeface="Times New Roman" panose="02020603050405020304" pitchFamily="18" charset="0"/>
                 <a:ea typeface="Times New Roman" panose="02020603050405020304" pitchFamily="18" charset="0"/>
               </a:rPr>
-              <a:t>Quản</a:t>
+              <a:t>lý</a:t>
             </a:r>
             <a:r>
               <a:rPr lang="en-US" sz="2500" b="1" dirty="0">
@@ -13670,7 +13488,7 @@
                 <a:latin typeface="Times New Roman" panose="02020603050405020304" pitchFamily="18" charset="0"/>
                 <a:ea typeface="Times New Roman" panose="02020603050405020304" pitchFamily="18" charset="0"/>
               </a:rPr>
-              <a:t>lý</a:t>
+              <a:t>kiểm</a:t>
             </a:r>
             <a:r>
               <a:rPr lang="en-US" sz="2500" b="1" dirty="0">
@@ -13684,7 +13502,7 @@
                 <a:latin typeface="Times New Roman" panose="02020603050405020304" pitchFamily="18" charset="0"/>
                 <a:ea typeface="Times New Roman" panose="02020603050405020304" pitchFamily="18" charset="0"/>
               </a:rPr>
-              <a:t>kiểm</a:t>
+              <a:t>duyệt</a:t>
             </a:r>
             <a:r>
               <a:rPr lang="en-US" sz="2500" b="1" dirty="0">
@@ -13698,7 +13516,7 @@
                 <a:latin typeface="Times New Roman" panose="02020603050405020304" pitchFamily="18" charset="0"/>
                 <a:ea typeface="Times New Roman" panose="02020603050405020304" pitchFamily="18" charset="0"/>
               </a:rPr>
-              <a:t>duyệt</a:t>
+              <a:t>viên</a:t>
             </a:r>
             <a:r>
               <a:rPr lang="en-US" sz="2500" b="1" dirty="0">
@@ -13707,36 +13525,18 @@
               </a:rPr>
               <a:t> </a:t>
             </a:r>
-            <a:r>
-              <a:rPr lang="en-US" sz="2500" b="1" dirty="0" err="1">
-                <a:latin typeface="Times New Roman" panose="02020603050405020304" pitchFamily="18" charset="0"/>
-                <a:ea typeface="Times New Roman" panose="02020603050405020304" pitchFamily="18" charset="0"/>
-              </a:rPr>
-              <a:t>viên</a:t>
-            </a:r>
-            <a:r>
-              <a:rPr lang="en-US" sz="2500" b="1" dirty="0">
-                <a:latin typeface="Times New Roman" panose="02020603050405020304" pitchFamily="18" charset="0"/>
-                <a:ea typeface="Times New Roman" panose="02020603050405020304" pitchFamily="18" charset="0"/>
-              </a:rPr>
-              <a:t> </a:t>
-            </a:r>
-            <a:endParaRPr lang="en-US" sz="2500" b="1" dirty="0" smtClean="0">
-              <a:latin typeface="Times New Roman" panose="02020603050405020304" pitchFamily="18" charset="0"/>
-              <a:ea typeface="Times New Roman" panose="02020603050405020304" pitchFamily="18" charset="0"/>
-            </a:endParaRPr>
           </a:p>
           <a:p>
             <a:pPr algn="ctr"/>
             <a:r>
-              <a:rPr lang="en-US" sz="2500" b="1" dirty="0" err="1" smtClean="0">
+              <a:rPr lang="en-US" sz="2500" b="1" dirty="0" err="1">
                 <a:latin typeface="Times New Roman" panose="02020603050405020304" pitchFamily="18" charset="0"/>
                 <a:ea typeface="Times New Roman" panose="02020603050405020304" pitchFamily="18" charset="0"/>
               </a:rPr>
               <a:t>chức</a:t>
             </a:r>
             <a:r>
-              <a:rPr lang="en-US" sz="2500" b="1" dirty="0" smtClean="0">
+              <a:rPr lang="en-US" sz="2500" b="1" dirty="0">
                 <a:latin typeface="Times New Roman" panose="02020603050405020304" pitchFamily="18" charset="0"/>
                 <a:ea typeface="Times New Roman" panose="02020603050405020304" pitchFamily="18" charset="0"/>
               </a:rPr>
@@ -14066,7 +13866,7 @@
           <p:cNvPr id="4" name="Graphic 3" descr="Lightbulb icon">
             <a:extLst>
               <a:ext uri="{FF2B5EF4-FFF2-40B4-BE49-F238E27FC236}">
-                <a16:creationId xmlns:a16="http://schemas.microsoft.com/office/drawing/2014/main" xmlns="" id="{5E124F8C-3984-4EEC-9BA8-3B255731F2B0}"/>
+                <a16:creationId xmlns:a16="http://schemas.microsoft.com/office/drawing/2014/main" id="{5E124F8C-3984-4EEC-9BA8-3B255731F2B0}"/>
               </a:ext>
             </a:extLst>
           </p:cNvPr>
@@ -14079,7 +13879,7 @@
           <a:blip r:embed="rId3">
             <a:extLst>
               <a:ext uri="{96DAC541-7B7A-43D3-8B79-37D633B846F1}">
-                <asvg:svgBlip xmlns:asvg="http://schemas.microsoft.com/office/drawing/2016/SVG/main" xmlns="" r:embed="rId4"/>
+                <asvg:svgBlip xmlns:asvg="http://schemas.microsoft.com/office/drawing/2016/SVG/main" r:embed="rId4"/>
               </a:ext>
             </a:extLst>
           </a:blip>
@@ -14124,7 +13924,7 @@
           <p:cNvPr id="3" name="Rectangle 2">
             <a:extLst>
               <a:ext uri="{FF2B5EF4-FFF2-40B4-BE49-F238E27FC236}">
-                <a16:creationId xmlns:a16="http://schemas.microsoft.com/office/drawing/2014/main" xmlns="" id="{D5E74949-2337-430F-9D60-FEC1501A44FC}"/>
+                <a16:creationId xmlns:a16="http://schemas.microsoft.com/office/drawing/2014/main" id="{D5E74949-2337-430F-9D60-FEC1501A44FC}"/>
               </a:ext>
             </a:extLst>
           </p:cNvPr>
@@ -14460,7 +14260,7 @@
           <a:p>
             <a:pPr algn="ctr"/>
             <a:r>
-              <a:rPr lang="en-US" sz="3200" b="1" dirty="0" smtClean="0">
+              <a:rPr lang="en-US" sz="3200" b="1" dirty="0">
                 <a:solidFill>
                   <a:srgbClr val="FF0000"/>
                 </a:solidFill>
@@ -14558,7 +14358,7 @@
           <a:p>
             <a:pPr algn="ctr"/>
             <a:r>
-              <a:rPr lang="en-US" sz="4800" b="1" dirty="0" smtClean="0">
+              <a:rPr lang="en-US" sz="4800" b="1" dirty="0">
                 <a:solidFill>
                   <a:srgbClr val="FF0000"/>
                 </a:solidFill>
@@ -14603,6 +14403,380 @@
 </file>
 
 <file path=ppt/slides/slide33.xml><?xml version="1.0" encoding="utf-8"?>
+<p:sld xmlns:a="http://schemas.openxmlformats.org/drawingml/2006/main" xmlns:r="http://schemas.openxmlformats.org/officeDocument/2006/relationships" xmlns:p="http://schemas.openxmlformats.org/presentationml/2006/main">
+  <p:cSld>
+    <p:spTree>
+      <p:nvGrpSpPr>
+        <p:cNvPr id="1" name=""/>
+        <p:cNvGrpSpPr/>
+        <p:nvPr/>
+      </p:nvGrpSpPr>
+      <p:grpSpPr>
+        <a:xfrm>
+          <a:off x="0" y="0"/>
+          <a:ext cx="0" cy="0"/>
+          <a:chOff x="0" y="0"/>
+          <a:chExt cx="0" cy="0"/>
+        </a:xfrm>
+      </p:grpSpPr>
+      <p:sp>
+        <p:nvSpPr>
+          <p:cNvPr id="3" name="Title 2"/>
+          <p:cNvSpPr>
+            <a:spLocks noGrp="1"/>
+          </p:cNvSpPr>
+          <p:nvPr>
+            <p:ph type="ctrTitle"/>
+          </p:nvPr>
+        </p:nvSpPr>
+        <p:spPr>
+          <a:xfrm>
+            <a:off x="0" y="2148718"/>
+            <a:ext cx="12192000" cy="1130616"/>
+          </a:xfrm>
+        </p:spPr>
+        <p:txBody>
+          <a:bodyPr>
+            <a:normAutofit/>
+          </a:bodyPr>
+          <a:lstStyle/>
+          <a:p>
+            <a:pPr algn="ctr"/>
+            <a:r>
+              <a:rPr lang="en-US" sz="7200">
+                <a:latin typeface="Times New Roman" panose="02020603050405020304" pitchFamily="18" charset="0"/>
+                <a:cs typeface="Times New Roman" panose="02020603050405020304" pitchFamily="18" charset="0"/>
+              </a:rPr>
+              <a:t>Design pattern</a:t>
+            </a:r>
+            <a:endParaRPr lang="en-US" sz="7200" dirty="0">
+              <a:latin typeface="Times New Roman" panose="02020603050405020304" pitchFamily="18" charset="0"/>
+              <a:cs typeface="Times New Roman" panose="02020603050405020304" pitchFamily="18" charset="0"/>
+            </a:endParaRPr>
+          </a:p>
+        </p:txBody>
+      </p:sp>
+    </p:spTree>
+    <p:extLst>
+      <p:ext uri="{BB962C8B-B14F-4D97-AF65-F5344CB8AC3E}">
+        <p14:creationId xmlns:p14="http://schemas.microsoft.com/office/powerpoint/2010/main" val="2204528011"/>
+      </p:ext>
+    </p:extLst>
+  </p:cSld>
+  <p:clrMapOvr>
+    <a:masterClrMapping/>
+  </p:clrMapOvr>
+  <mc:AlternateContent xmlns:mc="http://schemas.openxmlformats.org/markup-compatibility/2006">
+    <mc:Choice xmlns:p14="http://schemas.microsoft.com/office/powerpoint/2010/main" Requires="p14">
+      <p:transition spd="slow" p14:dur="800">
+        <p:circle/>
+      </p:transition>
+    </mc:Choice>
+    <mc:Fallback>
+      <p:transition spd="slow">
+        <p:circle/>
+      </p:transition>
+    </mc:Fallback>
+  </mc:AlternateContent>
+</p:sld>
+</file>
+
+<file path=ppt/slides/slide34.xml><?xml version="1.0" encoding="utf-8"?>
+<p:sld xmlns:a="http://schemas.openxmlformats.org/drawingml/2006/main" xmlns:r="http://schemas.openxmlformats.org/officeDocument/2006/relationships" xmlns:p="http://schemas.openxmlformats.org/presentationml/2006/main">
+  <p:cSld>
+    <p:spTree>
+      <p:nvGrpSpPr>
+        <p:cNvPr id="1" name=""/>
+        <p:cNvGrpSpPr/>
+        <p:nvPr/>
+      </p:nvGrpSpPr>
+      <p:grpSpPr>
+        <a:xfrm>
+          <a:off x="0" y="0"/>
+          <a:ext cx="0" cy="0"/>
+          <a:chOff x="0" y="0"/>
+          <a:chExt cx="0" cy="0"/>
+        </a:xfrm>
+      </p:grpSpPr>
+      <p:sp>
+        <p:nvSpPr>
+          <p:cNvPr id="3" name="Title 2">
+            <a:extLst>
+              <a:ext uri="{FF2B5EF4-FFF2-40B4-BE49-F238E27FC236}">
+                <a16:creationId xmlns:a16="http://schemas.microsoft.com/office/drawing/2014/main" id="{8E5929C1-629C-4C46-ADAE-3C51E59B2E6D}"/>
+              </a:ext>
+            </a:extLst>
+          </p:cNvPr>
+          <p:cNvSpPr>
+            <a:spLocks noGrp="1"/>
+          </p:cNvSpPr>
+          <p:nvPr>
+            <p:ph type="title"/>
+          </p:nvPr>
+        </p:nvSpPr>
+        <p:spPr/>
+        <p:txBody>
+          <a:bodyPr/>
+          <a:lstStyle/>
+          <a:p>
+            <a:r>
+              <a:rPr lang="en-US"/>
+              <a:t>Design pattern</a:t>
+            </a:r>
+            <a:endParaRPr lang="vi-VN"/>
+          </a:p>
+        </p:txBody>
+      </p:sp>
+      <p:sp>
+        <p:nvSpPr>
+          <p:cNvPr id="4" name="TextBox 3">
+            <a:extLst>
+              <a:ext uri="{FF2B5EF4-FFF2-40B4-BE49-F238E27FC236}">
+                <a16:creationId xmlns:a16="http://schemas.microsoft.com/office/drawing/2014/main" id="{40BE2B0E-E1BD-4EBD-AC80-48834C5E31F7}"/>
+              </a:ext>
+            </a:extLst>
+          </p:cNvPr>
+          <p:cNvSpPr txBox="1"/>
+          <p:nvPr/>
+        </p:nvSpPr>
+        <p:spPr>
+          <a:xfrm>
+            <a:off x="1294363" y="2465423"/>
+            <a:ext cx="8573548" cy="523220"/>
+          </a:xfrm>
+          <a:prstGeom prst="rect">
+            <a:avLst/>
+          </a:prstGeom>
+          <a:noFill/>
+        </p:spPr>
+        <p:txBody>
+          <a:bodyPr wrap="square" rtlCol="0">
+            <a:spAutoFit/>
+          </a:bodyPr>
+          <a:lstStyle/>
+          <a:p>
+            <a:r>
+              <a:rPr lang="en-US" sz="2800"/>
+              <a:t>Design pattern mà nhóm sử dụng là Repository.</a:t>
+            </a:r>
+            <a:endParaRPr lang="vi-VN" sz="2800"/>
+          </a:p>
+        </p:txBody>
+      </p:sp>
+    </p:spTree>
+    <p:extLst>
+      <p:ext uri="{BB962C8B-B14F-4D97-AF65-F5344CB8AC3E}">
+        <p14:creationId xmlns:p14="http://schemas.microsoft.com/office/powerpoint/2010/main" val="2280708824"/>
+      </p:ext>
+    </p:extLst>
+  </p:cSld>
+  <p:clrMapOvr>
+    <a:masterClrMapping/>
+  </p:clrMapOvr>
+</p:sld>
+</file>
+
+<file path=ppt/slides/slide35.xml><?xml version="1.0" encoding="utf-8"?>
+<p:sld xmlns:a="http://schemas.openxmlformats.org/drawingml/2006/main" xmlns:r="http://schemas.openxmlformats.org/officeDocument/2006/relationships" xmlns:p="http://schemas.openxmlformats.org/presentationml/2006/main">
+  <p:cSld>
+    <p:spTree>
+      <p:nvGrpSpPr>
+        <p:cNvPr id="1" name=""/>
+        <p:cNvGrpSpPr/>
+        <p:nvPr/>
+      </p:nvGrpSpPr>
+      <p:grpSpPr>
+        <a:xfrm>
+          <a:off x="0" y="0"/>
+          <a:ext cx="0" cy="0"/>
+          <a:chOff x="0" y="0"/>
+          <a:chExt cx="0" cy="0"/>
+        </a:xfrm>
+      </p:grpSpPr>
+      <p:sp>
+        <p:nvSpPr>
+          <p:cNvPr id="3" name="Title 2"/>
+          <p:cNvSpPr>
+            <a:spLocks noGrp="1"/>
+          </p:cNvSpPr>
+          <p:nvPr>
+            <p:ph type="ctrTitle"/>
+          </p:nvPr>
+        </p:nvSpPr>
+        <p:spPr>
+          <a:xfrm>
+            <a:off x="0" y="2148718"/>
+            <a:ext cx="12192000" cy="1130616"/>
+          </a:xfrm>
+        </p:spPr>
+        <p:txBody>
+          <a:bodyPr>
+            <a:normAutofit/>
+          </a:bodyPr>
+          <a:lstStyle/>
+          <a:p>
+            <a:pPr algn="ctr"/>
+            <a:r>
+              <a:rPr lang="en-US" sz="7200">
+                <a:latin typeface="Times New Roman" panose="02020603050405020304" pitchFamily="18" charset="0"/>
+                <a:cs typeface="Times New Roman" panose="02020603050405020304" pitchFamily="18" charset="0"/>
+              </a:rPr>
+              <a:t>Test case</a:t>
+            </a:r>
+            <a:endParaRPr lang="en-US" sz="7200" dirty="0">
+              <a:latin typeface="Times New Roman" panose="02020603050405020304" pitchFamily="18" charset="0"/>
+              <a:cs typeface="Times New Roman" panose="02020603050405020304" pitchFamily="18" charset="0"/>
+            </a:endParaRPr>
+          </a:p>
+        </p:txBody>
+      </p:sp>
+    </p:spTree>
+    <p:extLst>
+      <p:ext uri="{BB962C8B-B14F-4D97-AF65-F5344CB8AC3E}">
+        <p14:creationId xmlns:p14="http://schemas.microsoft.com/office/powerpoint/2010/main" val="2397436699"/>
+      </p:ext>
+    </p:extLst>
+  </p:cSld>
+  <p:clrMapOvr>
+    <a:masterClrMapping/>
+  </p:clrMapOvr>
+  <mc:AlternateContent xmlns:mc="http://schemas.openxmlformats.org/markup-compatibility/2006">
+    <mc:Choice xmlns:p14="http://schemas.microsoft.com/office/powerpoint/2010/main" Requires="p14">
+      <p:transition spd="slow" p14:dur="800">
+        <p:circle/>
+      </p:transition>
+    </mc:Choice>
+    <mc:Fallback>
+      <p:transition spd="slow">
+        <p:circle/>
+      </p:transition>
+    </mc:Fallback>
+  </mc:AlternateContent>
+</p:sld>
+</file>
+
+<file path=ppt/slides/slide36.xml><?xml version="1.0" encoding="utf-8"?>
+<p:sld xmlns:a="http://schemas.openxmlformats.org/drawingml/2006/main" xmlns:r="http://schemas.openxmlformats.org/officeDocument/2006/relationships" xmlns:p="http://schemas.openxmlformats.org/presentationml/2006/main">
+  <p:cSld>
+    <p:spTree>
+      <p:nvGrpSpPr>
+        <p:cNvPr id="1" name=""/>
+        <p:cNvGrpSpPr/>
+        <p:nvPr/>
+      </p:nvGrpSpPr>
+      <p:grpSpPr>
+        <a:xfrm>
+          <a:off x="0" y="0"/>
+          <a:ext cx="0" cy="0"/>
+          <a:chOff x="0" y="0"/>
+          <a:chExt cx="0" cy="0"/>
+        </a:xfrm>
+      </p:grpSpPr>
+      <p:sp>
+        <p:nvSpPr>
+          <p:cNvPr id="3" name="Title 2">
+            <a:extLst>
+              <a:ext uri="{FF2B5EF4-FFF2-40B4-BE49-F238E27FC236}">
+                <a16:creationId xmlns:a16="http://schemas.microsoft.com/office/drawing/2014/main" id="{8E5929C1-629C-4C46-ADAE-3C51E59B2E6D}"/>
+              </a:ext>
+            </a:extLst>
+          </p:cNvPr>
+          <p:cNvSpPr>
+            <a:spLocks noGrp="1"/>
+          </p:cNvSpPr>
+          <p:nvPr>
+            <p:ph type="title"/>
+          </p:nvPr>
+        </p:nvSpPr>
+        <p:spPr/>
+        <p:txBody>
+          <a:bodyPr/>
+          <a:lstStyle/>
+          <a:p>
+            <a:r>
+              <a:rPr lang="en-US"/>
+              <a:t>Test case</a:t>
+            </a:r>
+            <a:endParaRPr lang="vi-VN"/>
+          </a:p>
+        </p:txBody>
+      </p:sp>
+      <p:sp>
+        <p:nvSpPr>
+          <p:cNvPr id="4" name="TextBox 3">
+            <a:extLst>
+              <a:ext uri="{FF2B5EF4-FFF2-40B4-BE49-F238E27FC236}">
+                <a16:creationId xmlns:a16="http://schemas.microsoft.com/office/drawing/2014/main" id="{40BE2B0E-E1BD-4EBD-AC80-48834C5E31F7}"/>
+              </a:ext>
+            </a:extLst>
+          </p:cNvPr>
+          <p:cNvSpPr txBox="1"/>
+          <p:nvPr/>
+        </p:nvSpPr>
+        <p:spPr>
+          <a:xfrm>
+            <a:off x="1294363" y="1953695"/>
+            <a:ext cx="8573548" cy="1815882"/>
+          </a:xfrm>
+          <a:prstGeom prst="rect">
+            <a:avLst/>
+          </a:prstGeom>
+          <a:noFill/>
+        </p:spPr>
+        <p:txBody>
+          <a:bodyPr wrap="square" rtlCol="0">
+            <a:spAutoFit/>
+          </a:bodyPr>
+          <a:lstStyle/>
+          <a:p>
+            <a:r>
+              <a:rPr lang="en-US" sz="2800"/>
+              <a:t>Nhóm đã thực hiện các test case nh</a:t>
+            </a:r>
+            <a:r>
+              <a:rPr lang="vi-VN" sz="2800"/>
+              <a:t>ư</a:t>
+            </a:r>
+            <a:r>
+              <a:rPr lang="en-US" sz="2800"/>
+              <a:t>:</a:t>
+            </a:r>
+          </a:p>
+          <a:p>
+            <a:r>
+              <a:rPr lang="en-US" sz="2800"/>
+              <a:t>+ Test phân quyền giữa user, nhân viên, admin</a:t>
+            </a:r>
+          </a:p>
+          <a:p>
+            <a:r>
+              <a:rPr lang="en-US" sz="2800"/>
+              <a:t>+ Test các route trả về đúng json cần thiết</a:t>
+            </a:r>
+          </a:p>
+          <a:p>
+            <a:r>
+              <a:rPr lang="en-US" sz="2800"/>
+              <a:t>+ Test các hàm trong repository</a:t>
+            </a:r>
+            <a:endParaRPr lang="vi-VN" sz="2800"/>
+          </a:p>
+        </p:txBody>
+      </p:sp>
+    </p:spTree>
+    <p:extLst>
+      <p:ext uri="{BB962C8B-B14F-4D97-AF65-F5344CB8AC3E}">
+        <p14:creationId xmlns:p14="http://schemas.microsoft.com/office/powerpoint/2010/main" val="3138227496"/>
+      </p:ext>
+    </p:extLst>
+  </p:cSld>
+  <p:clrMapOvr>
+    <a:masterClrMapping/>
+  </p:clrMapOvr>
+</p:sld>
+</file>
+
+<file path=ppt/slides/slide37.xml><?xml version="1.0" encoding="utf-8"?>
 <p:sld xmlns:a="http://schemas.openxmlformats.org/drawingml/2006/main" xmlns:r="http://schemas.openxmlformats.org/officeDocument/2006/relationships" xmlns:p="http://schemas.openxmlformats.org/presentationml/2006/main">
   <p:cSld>
     <p:bg>
@@ -14680,7 +14854,7 @@
           <p:cNvPr id="5" name="Graphic 4" descr="Man and Woman icon">
             <a:extLst>
               <a:ext uri="{FF2B5EF4-FFF2-40B4-BE49-F238E27FC236}">
-                <a16:creationId xmlns:a16="http://schemas.microsoft.com/office/drawing/2014/main" xmlns="" id="{2DED0F48-76A7-437D-9746-E2DF97A1CB06}"/>
+                <a16:creationId xmlns:a16="http://schemas.microsoft.com/office/drawing/2014/main" id="{2DED0F48-76A7-437D-9746-E2DF97A1CB06}"/>
               </a:ext>
             </a:extLst>
           </p:cNvPr>
@@ -14693,7 +14867,7 @@
           <a:blip r:embed="rId2">
             <a:extLst>
               <a:ext uri="{96DAC541-7B7A-43D3-8B79-37D633B846F1}">
-                <asvg:svgBlip xmlns:asvg="http://schemas.microsoft.com/office/drawing/2016/SVG/main" xmlns="" r:embed="rId3"/>
+                <asvg:svgBlip xmlns:asvg="http://schemas.microsoft.com/office/drawing/2016/SVG/main" r:embed="rId3"/>
               </a:ext>
             </a:extLst>
           </a:blip>
@@ -14734,21 +14908,21 @@
           <a:lstStyle/>
           <a:p>
             <a:r>
-              <a:rPr lang="en-US" sz="5400" dirty="0" err="1" smtClean="0">
+              <a:rPr lang="en-US" sz="5400" dirty="0" err="1">
                 <a:latin typeface="Times New Roman" panose="02020603050405020304" pitchFamily="18" charset="0"/>
                 <a:cs typeface="Times New Roman" panose="02020603050405020304" pitchFamily="18" charset="0"/>
               </a:rPr>
               <a:t>Công</a:t>
             </a:r>
             <a:r>
-              <a:rPr lang="en-US" sz="5400" dirty="0" smtClean="0">
-                <a:latin typeface="Times New Roman" panose="02020603050405020304" pitchFamily="18" charset="0"/>
-                <a:cs typeface="Times New Roman" panose="02020603050405020304" pitchFamily="18" charset="0"/>
-              </a:rPr>
-              <a:t> </a:t>
-            </a:r>
-            <a:r>
-              <a:rPr lang="en-US" sz="5400" dirty="0" err="1" smtClean="0">
+              <a:rPr lang="en-US" sz="5400" dirty="0">
+                <a:latin typeface="Times New Roman" panose="02020603050405020304" pitchFamily="18" charset="0"/>
+                <a:cs typeface="Times New Roman" panose="02020603050405020304" pitchFamily="18" charset="0"/>
+              </a:rPr>
+              <a:t> </a:t>
+            </a:r>
+            <a:r>
+              <a:rPr lang="en-US" sz="5400" dirty="0" err="1">
                 <a:latin typeface="Times New Roman" panose="02020603050405020304" pitchFamily="18" charset="0"/>
                 <a:cs typeface="Times New Roman" panose="02020603050405020304" pitchFamily="18" charset="0"/>
               </a:rPr>
@@ -14791,139 +14965,111 @@
               <a:buChar char="ü"/>
             </a:pPr>
             <a:r>
-              <a:rPr lang="en-US" sz="2800" dirty="0" smtClean="0">
+              <a:rPr lang="en-US" sz="2800" dirty="0">
                 <a:latin typeface="Times New Roman" panose="02020603050405020304" pitchFamily="18" charset="0"/>
                 <a:cs typeface="Times New Roman" panose="02020603050405020304" pitchFamily="18" charset="0"/>
               </a:rPr>
               <a:t> T</a:t>
             </a:r>
             <a:r>
-              <a:rPr lang="vi-VN" sz="2800" dirty="0" smtClean="0">
-                <a:latin typeface="Times New Roman" panose="02020603050405020304" pitchFamily="18" charset="0"/>
-                <a:cs typeface="Times New Roman" panose="02020603050405020304" pitchFamily="18" charset="0"/>
-              </a:rPr>
-              <a:t>rang </a:t>
-            </a:r>
-            <a:r>
               <a:rPr lang="vi-VN" sz="2800" dirty="0">
                 <a:latin typeface="Times New Roman" panose="02020603050405020304" pitchFamily="18" charset="0"/>
                 <a:cs typeface="Times New Roman" panose="02020603050405020304" pitchFamily="18" charset="0"/>
               </a:rPr>
-              <a:t>web tập trung vào việc đăng sản phẩm </a:t>
-            </a:r>
-            <a:r>
-              <a:rPr lang="en-US" sz="2800" dirty="0" err="1" smtClean="0">
+              <a:t>rang web tập trung vào việc đăng sản phẩm </a:t>
+            </a:r>
+            <a:r>
+              <a:rPr lang="en-US" sz="2800" dirty="0" err="1">
                 <a:latin typeface="Times New Roman" panose="02020603050405020304" pitchFamily="18" charset="0"/>
                 <a:cs typeface="Times New Roman" panose="02020603050405020304" pitchFamily="18" charset="0"/>
               </a:rPr>
               <a:t>Bất</a:t>
             </a:r>
             <a:r>
-              <a:rPr lang="en-US" sz="2800" dirty="0" smtClean="0">
-                <a:latin typeface="Times New Roman" panose="02020603050405020304" pitchFamily="18" charset="0"/>
-                <a:cs typeface="Times New Roman" panose="02020603050405020304" pitchFamily="18" charset="0"/>
-              </a:rPr>
-              <a:t> </a:t>
-            </a:r>
-            <a:r>
-              <a:rPr lang="en-US" sz="2800" dirty="0" err="1" smtClean="0">
+              <a:rPr lang="en-US" sz="2800" dirty="0">
+                <a:latin typeface="Times New Roman" panose="02020603050405020304" pitchFamily="18" charset="0"/>
+                <a:cs typeface="Times New Roman" panose="02020603050405020304" pitchFamily="18" charset="0"/>
+              </a:rPr>
+              <a:t> </a:t>
+            </a:r>
+            <a:r>
+              <a:rPr lang="en-US" sz="2800" dirty="0" err="1">
                 <a:latin typeface="Times New Roman" panose="02020603050405020304" pitchFamily="18" charset="0"/>
                 <a:cs typeface="Times New Roman" panose="02020603050405020304" pitchFamily="18" charset="0"/>
               </a:rPr>
               <a:t>động</a:t>
             </a:r>
             <a:r>
-              <a:rPr lang="en-US" sz="2800" dirty="0" smtClean="0">
-                <a:latin typeface="Times New Roman" panose="02020603050405020304" pitchFamily="18" charset="0"/>
-                <a:cs typeface="Times New Roman" panose="02020603050405020304" pitchFamily="18" charset="0"/>
-              </a:rPr>
-              <a:t> </a:t>
-            </a:r>
-            <a:r>
-              <a:rPr lang="en-US" sz="2800" dirty="0" err="1" smtClean="0">
+              <a:rPr lang="en-US" sz="2800" dirty="0">
+                <a:latin typeface="Times New Roman" panose="02020603050405020304" pitchFamily="18" charset="0"/>
+                <a:cs typeface="Times New Roman" panose="02020603050405020304" pitchFamily="18" charset="0"/>
+              </a:rPr>
+              <a:t> </a:t>
+            </a:r>
+            <a:r>
+              <a:rPr lang="en-US" sz="2800" dirty="0" err="1">
                 <a:latin typeface="Times New Roman" panose="02020603050405020304" pitchFamily="18" charset="0"/>
                 <a:cs typeface="Times New Roman" panose="02020603050405020304" pitchFamily="18" charset="0"/>
               </a:rPr>
               <a:t>sản</a:t>
             </a:r>
             <a:r>
-              <a:rPr lang="vi-VN" sz="2800" dirty="0" smtClean="0">
-                <a:latin typeface="Times New Roman" panose="02020603050405020304" pitchFamily="18" charset="0"/>
-                <a:cs typeface="Times New Roman" panose="02020603050405020304" pitchFamily="18" charset="0"/>
-              </a:rPr>
-              <a:t> </a:t>
-            </a:r>
-            <a:r>
               <a:rPr lang="vi-VN" sz="2800" dirty="0">
                 <a:latin typeface="Times New Roman" panose="02020603050405020304" pitchFamily="18" charset="0"/>
                 <a:cs typeface="Times New Roman" panose="02020603050405020304" pitchFamily="18" charset="0"/>
               </a:rPr>
-              <a:t>phục vụ cho nhu cầu tìm để mua, bán hoặc thuê các </a:t>
-            </a:r>
-            <a:r>
-              <a:rPr lang="vi-VN" sz="2800" dirty="0" smtClean="0">
-                <a:latin typeface="Times New Roman" panose="02020603050405020304" pitchFamily="18" charset="0"/>
-                <a:cs typeface="Times New Roman" panose="02020603050405020304" pitchFamily="18" charset="0"/>
-              </a:rPr>
-              <a:t>loại</a:t>
-            </a:r>
-            <a:r>
-              <a:rPr lang="en-US" sz="2800" dirty="0" smtClean="0">
-                <a:latin typeface="Times New Roman" panose="02020603050405020304" pitchFamily="18" charset="0"/>
-                <a:cs typeface="Times New Roman" panose="02020603050405020304" pitchFamily="18" charset="0"/>
-              </a:rPr>
-              <a:t> </a:t>
-            </a:r>
-            <a:r>
-              <a:rPr lang="en-US" sz="2800" dirty="0" err="1" smtClean="0">
+              <a:t> phục vụ cho nhu cầu tìm để mua, bán hoặc thuê các loại</a:t>
+            </a:r>
+            <a:r>
+              <a:rPr lang="en-US" sz="2800" dirty="0">
+                <a:latin typeface="Times New Roman" panose="02020603050405020304" pitchFamily="18" charset="0"/>
+                <a:cs typeface="Times New Roman" panose="02020603050405020304" pitchFamily="18" charset="0"/>
+              </a:rPr>
+              <a:t> </a:t>
+            </a:r>
+            <a:r>
+              <a:rPr lang="en-US" sz="2800" dirty="0" err="1">
                 <a:latin typeface="Times New Roman" panose="02020603050405020304" pitchFamily="18" charset="0"/>
                 <a:cs typeface="Times New Roman" panose="02020603050405020304" pitchFamily="18" charset="0"/>
               </a:rPr>
               <a:t>bất</a:t>
             </a:r>
             <a:r>
-              <a:rPr lang="en-US" sz="2800" dirty="0" smtClean="0">
-                <a:latin typeface="Times New Roman" panose="02020603050405020304" pitchFamily="18" charset="0"/>
-                <a:cs typeface="Times New Roman" panose="02020603050405020304" pitchFamily="18" charset="0"/>
-              </a:rPr>
-              <a:t> </a:t>
-            </a:r>
-            <a:r>
-              <a:rPr lang="en-US" sz="2800" dirty="0" err="1" smtClean="0">
+              <a:rPr lang="en-US" sz="2800" dirty="0">
+                <a:latin typeface="Times New Roman" panose="02020603050405020304" pitchFamily="18" charset="0"/>
+                <a:cs typeface="Times New Roman" panose="02020603050405020304" pitchFamily="18" charset="0"/>
+              </a:rPr>
+              <a:t> </a:t>
+            </a:r>
+            <a:r>
+              <a:rPr lang="en-US" sz="2800" dirty="0" err="1">
                 <a:latin typeface="Times New Roman" panose="02020603050405020304" pitchFamily="18" charset="0"/>
                 <a:cs typeface="Times New Roman" panose="02020603050405020304" pitchFamily="18" charset="0"/>
               </a:rPr>
               <a:t>động</a:t>
             </a:r>
             <a:r>
-              <a:rPr lang="en-US" sz="2800" dirty="0" smtClean="0">
-                <a:latin typeface="Times New Roman" panose="02020603050405020304" pitchFamily="18" charset="0"/>
-                <a:cs typeface="Times New Roman" panose="02020603050405020304" pitchFamily="18" charset="0"/>
-              </a:rPr>
-              <a:t> </a:t>
-            </a:r>
-            <a:r>
-              <a:rPr lang="en-US" sz="2800" dirty="0" err="1" smtClean="0">
+              <a:rPr lang="en-US" sz="2800" dirty="0">
+                <a:latin typeface="Times New Roman" panose="02020603050405020304" pitchFamily="18" charset="0"/>
+                <a:cs typeface="Times New Roman" panose="02020603050405020304" pitchFamily="18" charset="0"/>
+              </a:rPr>
+              <a:t> </a:t>
+            </a:r>
+            <a:r>
+              <a:rPr lang="en-US" sz="2800" dirty="0" err="1">
                 <a:latin typeface="Times New Roman" panose="02020603050405020304" pitchFamily="18" charset="0"/>
                 <a:cs typeface="Times New Roman" panose="02020603050405020304" pitchFamily="18" charset="0"/>
               </a:rPr>
               <a:t>sản</a:t>
             </a:r>
             <a:r>
-              <a:rPr lang="vi-VN" sz="2800" dirty="0" smtClean="0">
-                <a:latin typeface="Times New Roman" panose="02020603050405020304" pitchFamily="18" charset="0"/>
-                <a:cs typeface="Times New Roman" panose="02020603050405020304" pitchFamily="18" charset="0"/>
-              </a:rPr>
-              <a:t>  </a:t>
-            </a:r>
-            <a:r>
               <a:rPr lang="vi-VN" sz="2800" dirty="0">
                 <a:latin typeface="Times New Roman" panose="02020603050405020304" pitchFamily="18" charset="0"/>
                 <a:cs typeface="Times New Roman" panose="02020603050405020304" pitchFamily="18" charset="0"/>
               </a:rPr>
-              <a:t>của người dùng. </a:t>
-            </a:r>
-            <a:endParaRPr lang="en-US" sz="2800" dirty="0" smtClean="0">
+              <a:t>  của người dùng. </a:t>
+            </a:r>
+            <a:endParaRPr lang="en-US" sz="2800" dirty="0">
               <a:latin typeface="Times New Roman" panose="02020603050405020304" pitchFamily="18" charset="0"/>
               <a:cs typeface="Times New Roman" panose="02020603050405020304" pitchFamily="18" charset="0"/>
             </a:endParaRPr>
@@ -14937,125 +15083,97 @@
               <a:buChar char="ü"/>
             </a:pPr>
             <a:r>
-              <a:rPr lang="en-US" sz="2800" dirty="0" smtClean="0">
-                <a:latin typeface="Times New Roman" panose="02020603050405020304" pitchFamily="18" charset="0"/>
-                <a:cs typeface="Times New Roman" panose="02020603050405020304" pitchFamily="18" charset="0"/>
-              </a:rPr>
-              <a:t> </a:t>
-            </a:r>
-            <a:r>
-              <a:rPr lang="vi-VN" sz="2800" dirty="0" smtClean="0">
-                <a:latin typeface="Times New Roman" panose="02020603050405020304" pitchFamily="18" charset="0"/>
-                <a:cs typeface="Times New Roman" panose="02020603050405020304" pitchFamily="18" charset="0"/>
-              </a:rPr>
-              <a:t>Đồng </a:t>
+              <a:rPr lang="en-US" sz="2800" dirty="0">
+                <a:latin typeface="Times New Roman" panose="02020603050405020304" pitchFamily="18" charset="0"/>
+                <a:cs typeface="Times New Roman" panose="02020603050405020304" pitchFamily="18" charset="0"/>
+              </a:rPr>
+              <a:t> </a:t>
             </a:r>
             <a:r>
               <a:rPr lang="vi-VN" sz="2800" dirty="0">
                 <a:latin typeface="Times New Roman" panose="02020603050405020304" pitchFamily="18" charset="0"/>
                 <a:cs typeface="Times New Roman" panose="02020603050405020304" pitchFamily="18" charset="0"/>
               </a:rPr>
-              <a:t>thời cho phép quản lý các </a:t>
-            </a:r>
-            <a:r>
-              <a:rPr lang="en-US" sz="2800" dirty="0" err="1" smtClean="0">
+              <a:t>Đồng thời cho phép quản lý các </a:t>
+            </a:r>
+            <a:r>
+              <a:rPr lang="en-US" sz="2800" dirty="0" err="1">
                 <a:latin typeface="Times New Roman" panose="02020603050405020304" pitchFamily="18" charset="0"/>
                 <a:cs typeface="Times New Roman" panose="02020603050405020304" pitchFamily="18" charset="0"/>
               </a:rPr>
               <a:t>Bất</a:t>
             </a:r>
             <a:r>
-              <a:rPr lang="en-US" sz="2800" dirty="0" smtClean="0">
-                <a:latin typeface="Times New Roman" panose="02020603050405020304" pitchFamily="18" charset="0"/>
-                <a:cs typeface="Times New Roman" panose="02020603050405020304" pitchFamily="18" charset="0"/>
-              </a:rPr>
-              <a:t> </a:t>
-            </a:r>
-            <a:r>
-              <a:rPr lang="en-US" sz="2800" dirty="0" err="1" smtClean="0">
+              <a:rPr lang="en-US" sz="2800" dirty="0">
+                <a:latin typeface="Times New Roman" panose="02020603050405020304" pitchFamily="18" charset="0"/>
+                <a:cs typeface="Times New Roman" panose="02020603050405020304" pitchFamily="18" charset="0"/>
+              </a:rPr>
+              <a:t> </a:t>
+            </a:r>
+            <a:r>
+              <a:rPr lang="en-US" sz="2800" dirty="0" err="1">
                 <a:latin typeface="Times New Roman" panose="02020603050405020304" pitchFamily="18" charset="0"/>
                 <a:cs typeface="Times New Roman" panose="02020603050405020304" pitchFamily="18" charset="0"/>
               </a:rPr>
               <a:t>động</a:t>
             </a:r>
             <a:r>
-              <a:rPr lang="en-US" sz="2800" dirty="0" smtClean="0">
-                <a:latin typeface="Times New Roman" panose="02020603050405020304" pitchFamily="18" charset="0"/>
-                <a:cs typeface="Times New Roman" panose="02020603050405020304" pitchFamily="18" charset="0"/>
-              </a:rPr>
-              <a:t> </a:t>
-            </a:r>
-            <a:r>
-              <a:rPr lang="en-US" sz="2800" dirty="0" err="1" smtClean="0">
+              <a:rPr lang="en-US" sz="2800" dirty="0">
+                <a:latin typeface="Times New Roman" panose="02020603050405020304" pitchFamily="18" charset="0"/>
+                <a:cs typeface="Times New Roman" panose="02020603050405020304" pitchFamily="18" charset="0"/>
+              </a:rPr>
+              <a:t> </a:t>
+            </a:r>
+            <a:r>
+              <a:rPr lang="en-US" sz="2800" dirty="0" err="1">
                 <a:latin typeface="Times New Roman" panose="02020603050405020304" pitchFamily="18" charset="0"/>
                 <a:cs typeface="Times New Roman" panose="02020603050405020304" pitchFamily="18" charset="0"/>
               </a:rPr>
               <a:t>sản</a:t>
             </a:r>
             <a:r>
-              <a:rPr lang="vi-VN" sz="2800" dirty="0" smtClean="0">
-                <a:latin typeface="Times New Roman" panose="02020603050405020304" pitchFamily="18" charset="0"/>
-                <a:cs typeface="Times New Roman" panose="02020603050405020304" pitchFamily="18" charset="0"/>
-              </a:rPr>
-              <a:t> </a:t>
-            </a:r>
-            <a:r>
               <a:rPr lang="vi-VN" sz="2800" dirty="0">
                 <a:latin typeface="Times New Roman" panose="02020603050405020304" pitchFamily="18" charset="0"/>
                 <a:cs typeface="Times New Roman" panose="02020603050405020304" pitchFamily="18" charset="0"/>
               </a:rPr>
-              <a:t>được đăng </a:t>
-            </a:r>
-            <a:r>
-              <a:rPr lang="en-US" sz="2800" dirty="0" err="1" smtClean="0">
+              <a:t> được đăng </a:t>
+            </a:r>
+            <a:r>
+              <a:rPr lang="en-US" sz="2800" dirty="0" err="1">
                 <a:latin typeface="Times New Roman" panose="02020603050405020304" pitchFamily="18" charset="0"/>
                 <a:cs typeface="Times New Roman" panose="02020603050405020304" pitchFamily="18" charset="0"/>
               </a:rPr>
               <a:t>tải</a:t>
             </a:r>
             <a:r>
-              <a:rPr lang="en-US" sz="2800" dirty="0" smtClean="0">
-                <a:latin typeface="Times New Roman" panose="02020603050405020304" pitchFamily="18" charset="0"/>
-                <a:cs typeface="Times New Roman" panose="02020603050405020304" pitchFamily="18" charset="0"/>
-              </a:rPr>
-              <a:t> </a:t>
-            </a:r>
-            <a:r>
-              <a:rPr lang="en-US" sz="2800" dirty="0" err="1" smtClean="0">
+              <a:rPr lang="en-US" sz="2800" dirty="0">
+                <a:latin typeface="Times New Roman" panose="02020603050405020304" pitchFamily="18" charset="0"/>
+                <a:cs typeface="Times New Roman" panose="02020603050405020304" pitchFamily="18" charset="0"/>
+              </a:rPr>
+              <a:t> </a:t>
+            </a:r>
+            <a:r>
+              <a:rPr lang="en-US" sz="2800" dirty="0" err="1">
                 <a:latin typeface="Times New Roman" panose="02020603050405020304" pitchFamily="18" charset="0"/>
                 <a:cs typeface="Times New Roman" panose="02020603050405020304" pitchFamily="18" charset="0"/>
               </a:rPr>
               <a:t>lên</a:t>
             </a:r>
             <a:r>
-              <a:rPr lang="en-US" sz="2800" dirty="0" smtClean="0">
-                <a:latin typeface="Times New Roman" panose="02020603050405020304" pitchFamily="18" charset="0"/>
-                <a:cs typeface="Times New Roman" panose="02020603050405020304" pitchFamily="18" charset="0"/>
-              </a:rPr>
-              <a:t> </a:t>
-            </a:r>
-            <a:r>
-              <a:rPr lang="vi-VN" sz="2800" dirty="0" smtClean="0">
-                <a:latin typeface="Times New Roman" panose="02020603050405020304" pitchFamily="18" charset="0"/>
-                <a:cs typeface="Times New Roman" panose="02020603050405020304" pitchFamily="18" charset="0"/>
-              </a:rPr>
-              <a:t>(admin </a:t>
+              <a:rPr lang="en-US" sz="2800" dirty="0">
+                <a:latin typeface="Times New Roman" panose="02020603050405020304" pitchFamily="18" charset="0"/>
+                <a:cs typeface="Times New Roman" panose="02020603050405020304" pitchFamily="18" charset="0"/>
+              </a:rPr>
+              <a:t> </a:t>
             </a:r>
             <a:r>
               <a:rPr lang="vi-VN" sz="2800" dirty="0">
                 <a:latin typeface="Times New Roman" panose="02020603050405020304" pitchFamily="18" charset="0"/>
                 <a:cs typeface="Times New Roman" panose="02020603050405020304" pitchFamily="18" charset="0"/>
               </a:rPr>
-              <a:t>và censor) và quản lý người dùng - khách hàng, censor (admin</a:t>
-            </a:r>
-            <a:r>
-              <a:rPr lang="vi-VN" sz="2800" dirty="0" smtClean="0">
-                <a:latin typeface="Times New Roman" panose="02020603050405020304" pitchFamily="18" charset="0"/>
-                <a:cs typeface="Times New Roman" panose="02020603050405020304" pitchFamily="18" charset="0"/>
-              </a:rPr>
-              <a:t>)</a:t>
-            </a:r>
-            <a:endParaRPr lang="en-US" sz="2800" dirty="0" smtClean="0">
+              <a:t>(admin và censor) và quản lý người dùng - khách hàng, censor (admin)</a:t>
+            </a:r>
+            <a:endParaRPr lang="en-US" sz="2800" dirty="0">
               <a:latin typeface="Times New Roman" panose="02020603050405020304" pitchFamily="18" charset="0"/>
               <a:cs typeface="Times New Roman" panose="02020603050405020304" pitchFamily="18" charset="0"/>
             </a:endParaRPr>
@@ -15100,7 +15218,7 @@
           <p:cNvPr id="4" name="Graphic 4" descr="Man and Woman icon">
             <a:extLst>
               <a:ext uri="{FF2B5EF4-FFF2-40B4-BE49-F238E27FC236}">
-                <a16:creationId xmlns:a16="http://schemas.microsoft.com/office/drawing/2014/main" xmlns="" id="{2DED0F48-76A7-437D-9746-E2DF97A1CB06}"/>
+                <a16:creationId xmlns:a16="http://schemas.microsoft.com/office/drawing/2014/main" id="{2DED0F48-76A7-437D-9746-E2DF97A1CB06}"/>
               </a:ext>
             </a:extLst>
           </p:cNvPr>
@@ -15113,7 +15231,7 @@
           <a:blip r:embed="rId2">
             <a:extLst>
               <a:ext uri="{96DAC541-7B7A-43D3-8B79-37D633B846F1}">
-                <asvg:svgBlip xmlns:asvg="http://schemas.microsoft.com/office/drawing/2016/SVG/main" xmlns="" r:embed="rId3"/>
+                <asvg:svgBlip xmlns:asvg="http://schemas.microsoft.com/office/drawing/2016/SVG/main" r:embed="rId3"/>
               </a:ext>
             </a:extLst>
           </a:blip>
@@ -15154,21 +15272,21 @@
           <a:lstStyle/>
           <a:p>
             <a:r>
-              <a:rPr lang="en-US" sz="5400" dirty="0" err="1" smtClean="0">
+              <a:rPr lang="en-US" sz="5400" dirty="0" err="1">
                 <a:latin typeface="Times New Roman" panose="02020603050405020304" pitchFamily="18" charset="0"/>
                 <a:cs typeface="Times New Roman" panose="02020603050405020304" pitchFamily="18" charset="0"/>
               </a:rPr>
               <a:t>Chức</a:t>
             </a:r>
             <a:r>
-              <a:rPr lang="en-US" sz="5400" dirty="0" smtClean="0">
-                <a:latin typeface="Times New Roman" panose="02020603050405020304" pitchFamily="18" charset="0"/>
-                <a:cs typeface="Times New Roman" panose="02020603050405020304" pitchFamily="18" charset="0"/>
-              </a:rPr>
-              <a:t> </a:t>
-            </a:r>
-            <a:r>
-              <a:rPr lang="en-US" sz="5400" dirty="0" err="1" smtClean="0">
+              <a:rPr lang="en-US" sz="5400" dirty="0">
+                <a:latin typeface="Times New Roman" panose="02020603050405020304" pitchFamily="18" charset="0"/>
+                <a:cs typeface="Times New Roman" panose="02020603050405020304" pitchFamily="18" charset="0"/>
+              </a:rPr>
+              <a:t> </a:t>
+            </a:r>
+            <a:r>
+              <a:rPr lang="en-US" sz="5400" dirty="0" err="1">
                 <a:latin typeface="Times New Roman" panose="02020603050405020304" pitchFamily="18" charset="0"/>
                 <a:cs typeface="Times New Roman" panose="02020603050405020304" pitchFamily="18" charset="0"/>
               </a:rPr>
@@ -15208,14 +15326,14 @@
               <a:buChar char="q"/>
             </a:pPr>
             <a:r>
-              <a:rPr lang="en-US" sz="2200" dirty="0" err="1" smtClean="0">
+              <a:rPr lang="en-US" sz="2200" dirty="0" err="1">
                 <a:latin typeface="Times New Roman" panose="02020603050405020304" pitchFamily="18" charset="0"/>
                 <a:cs typeface="Times New Roman" panose="02020603050405020304" pitchFamily="18" charset="0"/>
               </a:rPr>
               <a:t>Hệ</a:t>
             </a:r>
             <a:r>
-              <a:rPr lang="en-US" sz="2200" dirty="0" smtClean="0">
+              <a:rPr lang="en-US" sz="2200" dirty="0">
                 <a:latin typeface="Times New Roman" panose="02020603050405020304" pitchFamily="18" charset="0"/>
                 <a:cs typeface="Times New Roman" panose="02020603050405020304" pitchFamily="18" charset="0"/>
               </a:rPr>
@@ -15278,28 +15396,28 @@
               <a:t> </a:t>
             </a:r>
             <a:r>
-              <a:rPr lang="en-US" sz="2200" dirty="0" err="1" smtClean="0">
+              <a:rPr lang="en-US" sz="2200" dirty="0" err="1">
                 <a:latin typeface="Times New Roman" panose="02020603050405020304" pitchFamily="18" charset="0"/>
                 <a:cs typeface="Times New Roman" panose="02020603050405020304" pitchFamily="18" charset="0"/>
               </a:rPr>
               <a:t>có</a:t>
             </a:r>
             <a:r>
-              <a:rPr lang="en-US" sz="2200" dirty="0" smtClean="0">
-                <a:latin typeface="Times New Roman" panose="02020603050405020304" pitchFamily="18" charset="0"/>
-                <a:cs typeface="Times New Roman" panose="02020603050405020304" pitchFamily="18" charset="0"/>
-              </a:rPr>
-              <a:t> </a:t>
-            </a:r>
-            <a:r>
-              <a:rPr lang="en-US" sz="2200" dirty="0" err="1" smtClean="0">
+              <a:rPr lang="en-US" sz="2200" dirty="0">
+                <a:latin typeface="Times New Roman" panose="02020603050405020304" pitchFamily="18" charset="0"/>
+                <a:cs typeface="Times New Roman" panose="02020603050405020304" pitchFamily="18" charset="0"/>
+              </a:rPr>
+              <a:t> </a:t>
+            </a:r>
+            <a:r>
+              <a:rPr lang="en-US" sz="2200" dirty="0" err="1">
                 <a:latin typeface="Times New Roman" panose="02020603050405020304" pitchFamily="18" charset="0"/>
                 <a:cs typeface="Times New Roman" panose="02020603050405020304" pitchFamily="18" charset="0"/>
               </a:rPr>
               <a:t>những</a:t>
             </a:r>
             <a:r>
-              <a:rPr lang="en-US" sz="2200" dirty="0" smtClean="0">
+              <a:rPr lang="en-US" sz="2200" dirty="0">
                 <a:latin typeface="Times New Roman" panose="02020603050405020304" pitchFamily="18" charset="0"/>
                 <a:cs typeface="Times New Roman" panose="02020603050405020304" pitchFamily="18" charset="0"/>
               </a:rPr>
@@ -15334,14 +15452,14 @@
               <a:t> </a:t>
             </a:r>
             <a:r>
-              <a:rPr lang="en-US" sz="2200" dirty="0" err="1" smtClean="0">
+              <a:rPr lang="en-US" sz="2200" dirty="0" err="1">
                 <a:latin typeface="Times New Roman" panose="02020603050405020304" pitchFamily="18" charset="0"/>
                 <a:cs typeface="Times New Roman" panose="02020603050405020304" pitchFamily="18" charset="0"/>
               </a:rPr>
               <a:t>sau</a:t>
             </a:r>
             <a:r>
-              <a:rPr lang="en-US" sz="2200" dirty="0" smtClean="0">
+              <a:rPr lang="en-US" sz="2200" dirty="0">
                 <a:latin typeface="Times New Roman" panose="02020603050405020304" pitchFamily="18" charset="0"/>
                 <a:cs typeface="Times New Roman" panose="02020603050405020304" pitchFamily="18" charset="0"/>
               </a:rPr>
@@ -15350,14 +15468,7 @@
           </a:p>
           <a:p>
             <a:pPr lvl="0"/>
-            <a:endParaRPr lang="en-US" sz="2200" dirty="0" smtClean="0">
-              <a:latin typeface="Times New Roman" panose="02020603050405020304" pitchFamily="18" charset="0"/>
-              <a:cs typeface="Times New Roman" panose="02020603050405020304" pitchFamily="18" charset="0"/>
-            </a:endParaRPr>
-          </a:p>
-          <a:p>
-            <a:pPr lvl="0"/>
-            <a:endParaRPr lang="en-US" sz="2200" dirty="0" smtClean="0">
+            <a:endParaRPr lang="en-US" sz="2200" dirty="0">
               <a:latin typeface="Times New Roman" panose="02020603050405020304" pitchFamily="18" charset="0"/>
               <a:cs typeface="Times New Roman" panose="02020603050405020304" pitchFamily="18" charset="0"/>
             </a:endParaRPr>
@@ -15371,14 +15482,21 @@
           </a:p>
           <a:p>
             <a:pPr lvl="0"/>
-            <a:endParaRPr lang="en-US" sz="2200" dirty="0" smtClean="0">
+            <a:endParaRPr lang="en-US" sz="2200" dirty="0">
               <a:latin typeface="Times New Roman" panose="02020603050405020304" pitchFamily="18" charset="0"/>
               <a:cs typeface="Times New Roman" panose="02020603050405020304" pitchFamily="18" charset="0"/>
             </a:endParaRPr>
           </a:p>
           <a:p>
             <a:pPr lvl="0"/>
-            <a:endParaRPr lang="en-US" sz="2200" dirty="0" smtClean="0">
+            <a:endParaRPr lang="en-US" sz="2200" dirty="0">
+              <a:latin typeface="Times New Roman" panose="02020603050405020304" pitchFamily="18" charset="0"/>
+              <a:cs typeface="Times New Roman" panose="02020603050405020304" pitchFamily="18" charset="0"/>
+            </a:endParaRPr>
+          </a:p>
+          <a:p>
+            <a:pPr lvl="0"/>
+            <a:endParaRPr lang="en-US" sz="2200" dirty="0">
               <a:latin typeface="Times New Roman" panose="02020603050405020304" pitchFamily="18" charset="0"/>
               <a:cs typeface="Times New Roman" panose="02020603050405020304" pitchFamily="18" charset="0"/>
             </a:endParaRPr>
@@ -15389,14 +15507,14 @@
               <a:buChar char="q"/>
             </a:pPr>
             <a:r>
-              <a:rPr lang="en-US" sz="2200" dirty="0" err="1" smtClean="0">
+              <a:rPr lang="en-US" sz="2200" dirty="0" err="1">
                 <a:latin typeface="Times New Roman" panose="02020603050405020304" pitchFamily="18" charset="0"/>
                 <a:cs typeface="Times New Roman" panose="02020603050405020304" pitchFamily="18" charset="0"/>
               </a:rPr>
               <a:t>Bên</a:t>
             </a:r>
             <a:r>
-              <a:rPr lang="en-US" sz="2200" dirty="0" smtClean="0">
+              <a:rPr lang="en-US" sz="2200" dirty="0">
                 <a:latin typeface="Times New Roman" panose="02020603050405020304" pitchFamily="18" charset="0"/>
                 <a:cs typeface="Times New Roman" panose="02020603050405020304" pitchFamily="18" charset="0"/>
               </a:rPr>
@@ -15887,14 +16005,14 @@
               <a:buChar char="Ø"/>
             </a:pPr>
             <a:r>
-              <a:rPr lang="en-US" sz="2200" dirty="0" err="1" smtClean="0">
+              <a:rPr lang="en-US" sz="2200" dirty="0" err="1">
                 <a:latin typeface="Times New Roman" panose="02020603050405020304" pitchFamily="18" charset="0"/>
                 <a:cs typeface="Times New Roman" panose="02020603050405020304" pitchFamily="18" charset="0"/>
               </a:rPr>
               <a:t>Thống</a:t>
             </a:r>
             <a:r>
-              <a:rPr lang="en-US" sz="2200" dirty="0" smtClean="0">
+              <a:rPr lang="en-US" sz="2200" dirty="0">
                 <a:latin typeface="Times New Roman" panose="02020603050405020304" pitchFamily="18" charset="0"/>
                 <a:cs typeface="Times New Roman" panose="02020603050405020304" pitchFamily="18" charset="0"/>
               </a:rPr>
@@ -15920,7 +16038,7 @@
               <a:buFont typeface="Wingdings" panose="05000000000000000000" pitchFamily="2" charset="2"/>
               <a:buChar char="ü"/>
             </a:pPr>
-            <a:endParaRPr lang="en-US" sz="2200" dirty="0" smtClean="0">
+            <a:endParaRPr lang="en-US" sz="2200" dirty="0">
               <a:latin typeface="Times New Roman" panose="02020603050405020304" pitchFamily="18" charset="0"/>
               <a:cs typeface="Times New Roman" panose="02020603050405020304" pitchFamily="18" charset="0"/>
             </a:endParaRPr>
@@ -15936,7 +16054,7 @@
           <p:nvPr>
             <p:extLst>
               <p:ext uri="{D42A27DB-BD31-4B8C-83A1-F6EECF244321}">
-                <p14:modId xmlns:p14="http://schemas.microsoft.com/office/powerpoint/2010/main" val="2782134889"/>
+                <p14:modId xmlns:p14="http://schemas.microsoft.com/office/powerpoint/2010/main" val="2853304104"/>
               </p:ext>
             </p:extLst>
           </p:nvPr>
@@ -15952,8 +16070,20 @@
                 <a:tableStyleId>{2D5ABB26-0587-4C30-8999-92F81FD0307C}</a:tableStyleId>
               </a:tblPr>
               <a:tblGrid>
-                <a:gridCol w="4064000"/>
-                <a:gridCol w="4064000"/>
+                <a:gridCol w="4064000">
+                  <a:extLst>
+                    <a:ext uri="{9D8B030D-6E8A-4147-A177-3AD203B41FA5}">
+                      <a16:colId xmlns:a16="http://schemas.microsoft.com/office/drawing/2014/main" val="20000"/>
+                    </a:ext>
+                  </a:extLst>
+                </a:gridCol>
+                <a:gridCol w="4064000">
+                  <a:extLst>
+                    <a:ext uri="{9D8B030D-6E8A-4147-A177-3AD203B41FA5}">
+                      <a16:colId xmlns:a16="http://schemas.microsoft.com/office/drawing/2014/main" val="20001"/>
+                    </a:ext>
+                  </a:extLst>
+                </a:gridCol>
               </a:tblGrid>
               <a:tr h="370840">
                 <a:tc>
@@ -15966,27 +16096,27 @@
                         <a:buChar char="Ø"/>
                       </a:pPr>
                       <a:r>
-                        <a:rPr lang="en-US" sz="2200" dirty="0" err="1" smtClean="0">
+                        <a:rPr lang="en-US" sz="2200" dirty="0" err="1">
                           <a:latin typeface="Times New Roman" panose="02020603050405020304" pitchFamily="18" charset="0"/>
                           <a:cs typeface="Times New Roman" panose="02020603050405020304" pitchFamily="18" charset="0"/>
                         </a:rPr>
                         <a:t>Đăng</a:t>
                       </a:r>
                       <a:r>
-                        <a:rPr lang="en-US" sz="2200" dirty="0" smtClean="0">
+                        <a:rPr lang="en-US" sz="2200" dirty="0">
                           <a:latin typeface="Times New Roman" panose="02020603050405020304" pitchFamily="18" charset="0"/>
                           <a:cs typeface="Times New Roman" panose="02020603050405020304" pitchFamily="18" charset="0"/>
                         </a:rPr>
                         <a:t> </a:t>
                       </a:r>
                       <a:r>
-                        <a:rPr lang="en-US" sz="2200" dirty="0" err="1" smtClean="0">
+                        <a:rPr lang="en-US" sz="2200" dirty="0" err="1">
                           <a:latin typeface="Times New Roman" panose="02020603050405020304" pitchFamily="18" charset="0"/>
                           <a:cs typeface="Times New Roman" panose="02020603050405020304" pitchFamily="18" charset="0"/>
                         </a:rPr>
                         <a:t>nhập</a:t>
                       </a:r>
-                      <a:endParaRPr lang="en-US" sz="2200" dirty="0" smtClean="0">
+                      <a:endParaRPr lang="en-US" sz="2200" dirty="0">
                         <a:latin typeface="Times New Roman" panose="02020603050405020304" pitchFamily="18" charset="0"/>
                         <a:cs typeface="Times New Roman" panose="02020603050405020304" pitchFamily="18" charset="0"/>
                       </a:endParaRPr>
@@ -15997,42 +16127,18 @@
                         <a:buChar char="Ø"/>
                       </a:pPr>
                       <a:r>
-                        <a:rPr lang="en-US" sz="2200" dirty="0" err="1" smtClean="0">
+                        <a:rPr lang="en-US" sz="2200" err="1">
                           <a:latin typeface="Times New Roman" panose="02020603050405020304" pitchFamily="18" charset="0"/>
                           <a:cs typeface="Times New Roman" panose="02020603050405020304" pitchFamily="18" charset="0"/>
                         </a:rPr>
                         <a:t>Đăng</a:t>
                       </a:r>
                       <a:r>
-                        <a:rPr lang="en-US" sz="2200" dirty="0" smtClean="0">
+                        <a:rPr lang="en-US" sz="2200">
                           <a:latin typeface="Times New Roman" panose="02020603050405020304" pitchFamily="18" charset="0"/>
                           <a:cs typeface="Times New Roman" panose="02020603050405020304" pitchFamily="18" charset="0"/>
                         </a:rPr>
-                        <a:t> </a:t>
-                      </a:r>
-                      <a:r>
-                        <a:rPr lang="en-US" sz="2200" dirty="0" err="1" smtClean="0">
-                          <a:latin typeface="Times New Roman" panose="02020603050405020304" pitchFamily="18" charset="0"/>
-                          <a:cs typeface="Times New Roman" panose="02020603050405020304" pitchFamily="18" charset="0"/>
-                        </a:rPr>
-                        <a:t>ký</a:t>
-                      </a:r>
-                      <a:endParaRPr lang="en-US" sz="2200" dirty="0" smtClean="0">
-                        <a:latin typeface="Times New Roman" panose="02020603050405020304" pitchFamily="18" charset="0"/>
-                        <a:cs typeface="Times New Roman" panose="02020603050405020304" pitchFamily="18" charset="0"/>
-                      </a:endParaRPr>
-                    </a:p>
-                    <a:p>
-                      <a:pPr marL="742950" lvl="1" indent="-285750">
-                        <a:buFont typeface="Wingdings" panose="05000000000000000000" pitchFamily="2" charset="2"/>
-                        <a:buChar char="Ø"/>
-                      </a:pPr>
-                      <a:r>
-                        <a:rPr lang="en-US" sz="2200" dirty="0" smtClean="0">
-                          <a:latin typeface="Times New Roman" panose="02020603050405020304" pitchFamily="18" charset="0"/>
-                          <a:cs typeface="Times New Roman" panose="02020603050405020304" pitchFamily="18" charset="0"/>
-                        </a:rPr>
-                        <a:t>Backup database</a:t>
+                        <a:t> ký</a:t>
                       </a:r>
                     </a:p>
                     <a:p>
@@ -16041,27 +16147,26 @@
                         <a:buChar char="Ø"/>
                       </a:pPr>
                       <a:r>
-                        <a:rPr lang="en-US" sz="2200" dirty="0" err="1" smtClean="0">
+                        <a:rPr lang="en-US" sz="2200">
                           <a:latin typeface="Times New Roman" panose="02020603050405020304" pitchFamily="18" charset="0"/>
                           <a:cs typeface="Times New Roman" panose="02020603050405020304" pitchFamily="18" charset="0"/>
                         </a:rPr>
-                        <a:t>Tìm</a:t>
+                        <a:t>Tìm kiếm</a:t>
                       </a:r>
+                    </a:p>
+                    <a:p>
+                      <a:pPr marL="742950" lvl="1" indent="-285750">
+                        <a:buFont typeface="Wingdings" panose="05000000000000000000" pitchFamily="2" charset="2"/>
+                        <a:buChar char="Ø"/>
+                      </a:pPr>
                       <a:r>
-                        <a:rPr lang="en-US" sz="2200" dirty="0" smtClean="0">
+                        <a:rPr lang="en-US" sz="2200">
                           <a:latin typeface="Times New Roman" panose="02020603050405020304" pitchFamily="18" charset="0"/>
                           <a:cs typeface="Times New Roman" panose="02020603050405020304" pitchFamily="18" charset="0"/>
                         </a:rPr>
-                        <a:t> </a:t>
+                        <a:t>Nạp tiền</a:t>
                       </a:r>
-                      <a:r>
-                        <a:rPr lang="en-US" sz="2200" dirty="0" err="1" smtClean="0">
-                          <a:latin typeface="Times New Roman" panose="02020603050405020304" pitchFamily="18" charset="0"/>
-                          <a:cs typeface="Times New Roman" panose="02020603050405020304" pitchFamily="18" charset="0"/>
-                        </a:rPr>
-                        <a:t>kiếm</a:t>
-                      </a:r>
-                      <a:endParaRPr lang="en-US" sz="2200" dirty="0" smtClean="0">
+                      <a:endParaRPr lang="en-US" sz="2200" dirty="0">
                         <a:latin typeface="Times New Roman" panose="02020603050405020304" pitchFamily="18" charset="0"/>
                         <a:cs typeface="Times New Roman" panose="02020603050405020304" pitchFamily="18" charset="0"/>
                       </a:endParaRPr>
@@ -16079,55 +16184,55 @@
                         <a:buChar char="Ø"/>
                       </a:pPr>
                       <a:r>
-                        <a:rPr lang="en-US" sz="2200" dirty="0" err="1" smtClean="0">
+                        <a:rPr lang="en-US" sz="2200" dirty="0" err="1">
                           <a:latin typeface="Times New Roman" panose="02020603050405020304" pitchFamily="18" charset="0"/>
                           <a:cs typeface="Times New Roman" panose="02020603050405020304" pitchFamily="18" charset="0"/>
                         </a:rPr>
                         <a:t>Yêu</a:t>
                       </a:r>
                       <a:r>
-                        <a:rPr lang="en-US" sz="2200" dirty="0" smtClean="0">
+                        <a:rPr lang="en-US" sz="2200" dirty="0">
                           <a:latin typeface="Times New Roman" panose="02020603050405020304" pitchFamily="18" charset="0"/>
                           <a:cs typeface="Times New Roman" panose="02020603050405020304" pitchFamily="18" charset="0"/>
                         </a:rPr>
                         <a:t> </a:t>
                       </a:r>
                       <a:r>
-                        <a:rPr lang="en-US" sz="2200" dirty="0" err="1" smtClean="0">
+                        <a:rPr lang="en-US" sz="2200" dirty="0" err="1">
                           <a:latin typeface="Times New Roman" panose="02020603050405020304" pitchFamily="18" charset="0"/>
                           <a:cs typeface="Times New Roman" panose="02020603050405020304" pitchFamily="18" charset="0"/>
                         </a:rPr>
                         <a:t>cầu</a:t>
                       </a:r>
                       <a:r>
-                        <a:rPr lang="en-US" sz="2200" dirty="0" smtClean="0">
+                        <a:rPr lang="en-US" sz="2200" dirty="0">
                           <a:latin typeface="Times New Roman" panose="02020603050405020304" pitchFamily="18" charset="0"/>
                           <a:cs typeface="Times New Roman" panose="02020603050405020304" pitchFamily="18" charset="0"/>
                         </a:rPr>
                         <a:t> </a:t>
                       </a:r>
                       <a:r>
-                        <a:rPr lang="en-US" sz="2200" dirty="0" err="1" smtClean="0">
+                        <a:rPr lang="en-US" sz="2200" dirty="0" err="1">
                           <a:latin typeface="Times New Roman" panose="02020603050405020304" pitchFamily="18" charset="0"/>
                           <a:cs typeface="Times New Roman" panose="02020603050405020304" pitchFamily="18" charset="0"/>
                         </a:rPr>
                         <a:t>liên</a:t>
                       </a:r>
                       <a:r>
-                        <a:rPr lang="en-US" sz="2200" dirty="0" smtClean="0">
+                        <a:rPr lang="en-US" sz="2200" dirty="0">
                           <a:latin typeface="Times New Roman" panose="02020603050405020304" pitchFamily="18" charset="0"/>
                           <a:cs typeface="Times New Roman" panose="02020603050405020304" pitchFamily="18" charset="0"/>
                         </a:rPr>
                         <a:t> </a:t>
                       </a:r>
                       <a:r>
-                        <a:rPr lang="en-US" sz="2200" dirty="0" err="1" smtClean="0">
+                        <a:rPr lang="en-US" sz="2200" dirty="0" err="1">
                           <a:latin typeface="Times New Roman" panose="02020603050405020304" pitchFamily="18" charset="0"/>
                           <a:cs typeface="Times New Roman" panose="02020603050405020304" pitchFamily="18" charset="0"/>
                         </a:rPr>
                         <a:t>hệ</a:t>
                       </a:r>
-                      <a:endParaRPr lang="en-US" sz="2200" dirty="0" smtClean="0">
+                      <a:endParaRPr lang="en-US" sz="2200" dirty="0">
                         <a:latin typeface="Times New Roman" panose="02020603050405020304" pitchFamily="18" charset="0"/>
                         <a:cs typeface="Times New Roman" panose="02020603050405020304" pitchFamily="18" charset="0"/>
                       </a:endParaRPr>
@@ -16138,55 +16243,55 @@
                         <a:buChar char="Ø"/>
                       </a:pPr>
                       <a:r>
-                        <a:rPr lang="en-US" sz="2200" dirty="0" err="1" smtClean="0">
+                        <a:rPr lang="en-US" sz="2200" dirty="0" err="1">
                           <a:latin typeface="Times New Roman" panose="02020603050405020304" pitchFamily="18" charset="0"/>
                           <a:cs typeface="Times New Roman" panose="02020603050405020304" pitchFamily="18" charset="0"/>
                         </a:rPr>
                         <a:t>Quản</a:t>
                       </a:r>
                       <a:r>
-                        <a:rPr lang="en-US" sz="2200" dirty="0" smtClean="0">
+                        <a:rPr lang="en-US" sz="2200" dirty="0">
                           <a:latin typeface="Times New Roman" panose="02020603050405020304" pitchFamily="18" charset="0"/>
                           <a:cs typeface="Times New Roman" panose="02020603050405020304" pitchFamily="18" charset="0"/>
                         </a:rPr>
                         <a:t> </a:t>
                       </a:r>
                       <a:r>
-                        <a:rPr lang="en-US" sz="2200" dirty="0" err="1" smtClean="0">
+                        <a:rPr lang="en-US" sz="2200" dirty="0" err="1">
                           <a:latin typeface="Times New Roman" panose="02020603050405020304" pitchFamily="18" charset="0"/>
                           <a:cs typeface="Times New Roman" panose="02020603050405020304" pitchFamily="18" charset="0"/>
                         </a:rPr>
                         <a:t>lý</a:t>
                       </a:r>
                       <a:r>
-                        <a:rPr lang="en-US" sz="2200" dirty="0" smtClean="0">
+                        <a:rPr lang="en-US" sz="2200" dirty="0">
                           <a:latin typeface="Times New Roman" panose="02020603050405020304" pitchFamily="18" charset="0"/>
                           <a:cs typeface="Times New Roman" panose="02020603050405020304" pitchFamily="18" charset="0"/>
                         </a:rPr>
                         <a:t> </a:t>
                       </a:r>
                       <a:r>
-                        <a:rPr lang="en-US" sz="2200" dirty="0" err="1" smtClean="0">
+                        <a:rPr lang="en-US" sz="2200" dirty="0" err="1">
                           <a:latin typeface="Times New Roman" panose="02020603050405020304" pitchFamily="18" charset="0"/>
                           <a:cs typeface="Times New Roman" panose="02020603050405020304" pitchFamily="18" charset="0"/>
                         </a:rPr>
                         <a:t>tài</a:t>
                       </a:r>
                       <a:r>
-                        <a:rPr lang="en-US" sz="2200" dirty="0" smtClean="0">
+                        <a:rPr lang="en-US" sz="2200" dirty="0">
                           <a:latin typeface="Times New Roman" panose="02020603050405020304" pitchFamily="18" charset="0"/>
                           <a:cs typeface="Times New Roman" panose="02020603050405020304" pitchFamily="18" charset="0"/>
                         </a:rPr>
                         <a:t> </a:t>
                       </a:r>
                       <a:r>
-                        <a:rPr lang="en-US" sz="2200" dirty="0" err="1" smtClean="0">
+                        <a:rPr lang="en-US" sz="2200" dirty="0" err="1">
                           <a:latin typeface="Times New Roman" panose="02020603050405020304" pitchFamily="18" charset="0"/>
                           <a:cs typeface="Times New Roman" panose="02020603050405020304" pitchFamily="18" charset="0"/>
                         </a:rPr>
                         <a:t>khoản</a:t>
                       </a:r>
-                      <a:endParaRPr lang="en-US" sz="2200" dirty="0" smtClean="0">
+                      <a:endParaRPr lang="en-US" sz="2200" dirty="0">
                         <a:latin typeface="Times New Roman" panose="02020603050405020304" pitchFamily="18" charset="0"/>
                         <a:cs typeface="Times New Roman" panose="02020603050405020304" pitchFamily="18" charset="0"/>
                       </a:endParaRPr>
@@ -16197,41 +16302,41 @@
                         <a:buChar char="Ø"/>
                       </a:pPr>
                       <a:r>
-                        <a:rPr lang="en-US" sz="2200" dirty="0" err="1" smtClean="0">
+                        <a:rPr lang="en-US" sz="2200" dirty="0" err="1">
                           <a:latin typeface="Times New Roman" panose="02020603050405020304" pitchFamily="18" charset="0"/>
                           <a:cs typeface="Times New Roman" panose="02020603050405020304" pitchFamily="18" charset="0"/>
                         </a:rPr>
                         <a:t>Quản</a:t>
                       </a:r>
                       <a:r>
-                        <a:rPr lang="en-US" sz="2200" dirty="0" smtClean="0">
+                        <a:rPr lang="en-US" sz="2200" dirty="0">
                           <a:latin typeface="Times New Roman" panose="02020603050405020304" pitchFamily="18" charset="0"/>
                           <a:cs typeface="Times New Roman" panose="02020603050405020304" pitchFamily="18" charset="0"/>
                         </a:rPr>
                         <a:t> </a:t>
                       </a:r>
                       <a:r>
-                        <a:rPr lang="en-US" sz="2200" dirty="0" err="1" smtClean="0">
+                        <a:rPr lang="en-US" sz="2200" dirty="0" err="1">
                           <a:latin typeface="Times New Roman" panose="02020603050405020304" pitchFamily="18" charset="0"/>
                           <a:cs typeface="Times New Roman" panose="02020603050405020304" pitchFamily="18" charset="0"/>
                         </a:rPr>
                         <a:t>lý</a:t>
                       </a:r>
                       <a:r>
-                        <a:rPr lang="en-US" sz="2200" dirty="0" smtClean="0">
+                        <a:rPr lang="en-US" sz="2200" dirty="0">
                           <a:latin typeface="Times New Roman" panose="02020603050405020304" pitchFamily="18" charset="0"/>
                           <a:cs typeface="Times New Roman" panose="02020603050405020304" pitchFamily="18" charset="0"/>
                         </a:rPr>
                         <a:t> tin </a:t>
                       </a:r>
                       <a:r>
-                        <a:rPr lang="en-US" sz="2200" dirty="0" err="1" smtClean="0">
+                        <a:rPr lang="en-US" sz="2200" dirty="0" err="1">
                           <a:latin typeface="Times New Roman" panose="02020603050405020304" pitchFamily="18" charset="0"/>
                           <a:cs typeface="Times New Roman" panose="02020603050405020304" pitchFamily="18" charset="0"/>
                         </a:rPr>
                         <a:t>đăng</a:t>
                       </a:r>
-                      <a:endParaRPr lang="en-US" sz="2200" dirty="0" smtClean="0">
+                      <a:endParaRPr lang="en-US" sz="2200" dirty="0">
                         <a:latin typeface="Times New Roman" panose="02020603050405020304" pitchFamily="18" charset="0"/>
                         <a:cs typeface="Times New Roman" panose="02020603050405020304" pitchFamily="18" charset="0"/>
                       </a:endParaRPr>
@@ -16242,21 +16347,21 @@
                         <a:buChar char="Ø"/>
                       </a:pPr>
                       <a:r>
-                        <a:rPr lang="en-US" sz="2200" dirty="0" err="1" smtClean="0">
+                        <a:rPr lang="en-US" sz="2200" dirty="0" err="1">
                           <a:latin typeface="Times New Roman" panose="02020603050405020304" pitchFamily="18" charset="0"/>
                           <a:cs typeface="Times New Roman" panose="02020603050405020304" pitchFamily="18" charset="0"/>
                         </a:rPr>
                         <a:t>Liên</a:t>
                       </a:r>
                       <a:r>
-                        <a:rPr lang="en-US" sz="2200" dirty="0" smtClean="0">
+                        <a:rPr lang="en-US" sz="2200" dirty="0">
                           <a:latin typeface="Times New Roman" panose="02020603050405020304" pitchFamily="18" charset="0"/>
                           <a:cs typeface="Times New Roman" panose="02020603050405020304" pitchFamily="18" charset="0"/>
                         </a:rPr>
                         <a:t> </a:t>
                       </a:r>
                       <a:r>
-                        <a:rPr lang="en-US" sz="2200" dirty="0" err="1" smtClean="0">
+                        <a:rPr lang="en-US" sz="2200" dirty="0" err="1">
                           <a:latin typeface="Times New Roman" panose="02020603050405020304" pitchFamily="18" charset="0"/>
                           <a:cs typeface="Times New Roman" panose="02020603050405020304" pitchFamily="18" charset="0"/>
                         </a:rPr>
@@ -16270,6 +16375,11 @@
                   </a:txBody>
                   <a:tcPr/>
                 </a:tc>
+                <a:extLst>
+                  <a:ext uri="{0D108BD9-81ED-4DB2-BD59-A6C34878D82A}">
+                    <a16:rowId xmlns:a16="http://schemas.microsoft.com/office/drawing/2014/main" val="10000"/>
+                  </a:ext>
+                </a:extLst>
               </a:tr>
             </a:tbl>
           </a:graphicData>
@@ -16328,49 +16438,49 @@
           <a:lstStyle/>
           <a:p>
             <a:r>
-              <a:rPr lang="en-US" sz="4800" dirty="0" err="1" smtClean="0">
+              <a:rPr lang="en-US" sz="4800" dirty="0" err="1">
                 <a:latin typeface="Times New Roman" panose="02020603050405020304" pitchFamily="18" charset="0"/>
                 <a:cs typeface="Times New Roman" panose="02020603050405020304" pitchFamily="18" charset="0"/>
               </a:rPr>
               <a:t>Công</a:t>
             </a:r>
             <a:r>
-              <a:rPr lang="en-US" sz="4800" dirty="0" smtClean="0">
-                <a:latin typeface="Times New Roman" panose="02020603050405020304" pitchFamily="18" charset="0"/>
-                <a:cs typeface="Times New Roman" panose="02020603050405020304" pitchFamily="18" charset="0"/>
-              </a:rPr>
-              <a:t> </a:t>
-            </a:r>
-            <a:r>
-              <a:rPr lang="en-US" sz="4800" dirty="0" err="1" smtClean="0">
+              <a:rPr lang="en-US" sz="4800" dirty="0">
+                <a:latin typeface="Times New Roman" panose="02020603050405020304" pitchFamily="18" charset="0"/>
+                <a:cs typeface="Times New Roman" panose="02020603050405020304" pitchFamily="18" charset="0"/>
+              </a:rPr>
+              <a:t> </a:t>
+            </a:r>
+            <a:r>
+              <a:rPr lang="en-US" sz="4800" dirty="0" err="1">
                 <a:latin typeface="Times New Roman" panose="02020603050405020304" pitchFamily="18" charset="0"/>
                 <a:cs typeface="Times New Roman" panose="02020603050405020304" pitchFamily="18" charset="0"/>
               </a:rPr>
               <a:t>cụ</a:t>
             </a:r>
             <a:r>
-              <a:rPr lang="en-US" sz="4800" dirty="0" smtClean="0">
-                <a:latin typeface="Times New Roman" panose="02020603050405020304" pitchFamily="18" charset="0"/>
-                <a:cs typeface="Times New Roman" panose="02020603050405020304" pitchFamily="18" charset="0"/>
-              </a:rPr>
-              <a:t> </a:t>
-            </a:r>
-            <a:r>
-              <a:rPr lang="en-US" sz="4800" dirty="0" err="1" smtClean="0">
+              <a:rPr lang="en-US" sz="4800" dirty="0">
+                <a:latin typeface="Times New Roman" panose="02020603050405020304" pitchFamily="18" charset="0"/>
+                <a:cs typeface="Times New Roman" panose="02020603050405020304" pitchFamily="18" charset="0"/>
+              </a:rPr>
+              <a:t> </a:t>
+            </a:r>
+            <a:r>
+              <a:rPr lang="en-US" sz="4800" dirty="0" err="1">
                 <a:latin typeface="Times New Roman" panose="02020603050405020304" pitchFamily="18" charset="0"/>
                 <a:cs typeface="Times New Roman" panose="02020603050405020304" pitchFamily="18" charset="0"/>
               </a:rPr>
               <a:t>phát</a:t>
             </a:r>
             <a:r>
-              <a:rPr lang="en-US" sz="4800" dirty="0" smtClean="0">
-                <a:latin typeface="Times New Roman" panose="02020603050405020304" pitchFamily="18" charset="0"/>
-                <a:cs typeface="Times New Roman" panose="02020603050405020304" pitchFamily="18" charset="0"/>
-              </a:rPr>
-              <a:t> </a:t>
-            </a:r>
-            <a:r>
-              <a:rPr lang="en-US" sz="4800" dirty="0" err="1" smtClean="0">
+              <a:rPr lang="en-US" sz="4800" dirty="0">
+                <a:latin typeface="Times New Roman" panose="02020603050405020304" pitchFamily="18" charset="0"/>
+                <a:cs typeface="Times New Roman" panose="02020603050405020304" pitchFamily="18" charset="0"/>
+              </a:rPr>
+              <a:t> </a:t>
+            </a:r>
+            <a:r>
+              <a:rPr lang="en-US" sz="4800" dirty="0" err="1">
                 <a:latin typeface="Times New Roman" panose="02020603050405020304" pitchFamily="18" charset="0"/>
                 <a:cs typeface="Times New Roman" panose="02020603050405020304" pitchFamily="18" charset="0"/>
               </a:rPr>
@@ -16436,7 +16546,7 @@
           <p:cNvPr id="19" name="Graphic 5" descr="Tools icon">
             <a:extLst>
               <a:ext uri="{FF2B5EF4-FFF2-40B4-BE49-F238E27FC236}">
-                <a16:creationId xmlns:a16="http://schemas.microsoft.com/office/drawing/2014/main" xmlns="" id="{A0524D64-7C99-4DD6-A26E-C33BE01EC436}"/>
+                <a16:creationId xmlns:a16="http://schemas.microsoft.com/office/drawing/2014/main" id="{A0524D64-7C99-4DD6-A26E-C33BE01EC436}"/>
               </a:ext>
             </a:extLst>
           </p:cNvPr>
@@ -16449,7 +16559,7 @@
           <a:blip r:embed="rId4">
             <a:extLst>
               <a:ext uri="{96DAC541-7B7A-43D3-8B79-37D633B846F1}">
-                <asvg:svgBlip xmlns:asvg="http://schemas.microsoft.com/office/drawing/2016/SVG/main" xmlns="" r:embed="rId5"/>
+                <asvg:svgBlip xmlns:asvg="http://schemas.microsoft.com/office/drawing/2016/SVG/main" r:embed="rId5"/>
               </a:ext>
             </a:extLst>
           </a:blip>
@@ -16489,13 +16599,6 @@
       </p:transition>
     </mc:Fallback>
   </mc:AlternateContent>
-  <p:timing>
-    <p:tnLst>
-      <p:par>
-        <p:cTn id="1" dur="indefinite" restart="never" nodeType="tmRoot"/>
-      </p:par>
-    </p:tnLst>
-  </p:timing>
 </p:sld>
 </file>
 
@@ -16540,49 +16643,49 @@
           <a:p>
             <a:pPr algn="ctr"/>
             <a:r>
-              <a:rPr lang="en-US" sz="7200" dirty="0" err="1" smtClean="0">
+              <a:rPr lang="en-US" sz="7200" dirty="0" err="1">
                 <a:latin typeface="Times New Roman" panose="02020603050405020304" pitchFamily="18" charset="0"/>
                 <a:cs typeface="Times New Roman" panose="02020603050405020304" pitchFamily="18" charset="0"/>
               </a:rPr>
               <a:t>Phân</a:t>
             </a:r>
             <a:r>
-              <a:rPr lang="en-US" sz="7200" dirty="0" smtClean="0">
-                <a:latin typeface="Times New Roman" panose="02020603050405020304" pitchFamily="18" charset="0"/>
-                <a:cs typeface="Times New Roman" panose="02020603050405020304" pitchFamily="18" charset="0"/>
-              </a:rPr>
-              <a:t> </a:t>
-            </a:r>
-            <a:r>
-              <a:rPr lang="en-US" sz="7200" dirty="0" err="1" smtClean="0">
+              <a:rPr lang="en-US" sz="7200" dirty="0">
+                <a:latin typeface="Times New Roman" panose="02020603050405020304" pitchFamily="18" charset="0"/>
+                <a:cs typeface="Times New Roman" panose="02020603050405020304" pitchFamily="18" charset="0"/>
+              </a:rPr>
+              <a:t> </a:t>
+            </a:r>
+            <a:r>
+              <a:rPr lang="en-US" sz="7200" dirty="0" err="1">
                 <a:latin typeface="Times New Roman" panose="02020603050405020304" pitchFamily="18" charset="0"/>
                 <a:cs typeface="Times New Roman" panose="02020603050405020304" pitchFamily="18" charset="0"/>
               </a:rPr>
               <a:t>tích</a:t>
             </a:r>
             <a:r>
-              <a:rPr lang="en-US" sz="7200" dirty="0" smtClean="0">
+              <a:rPr lang="en-US" sz="7200" dirty="0">
                 <a:latin typeface="Times New Roman" panose="02020603050405020304" pitchFamily="18" charset="0"/>
                 <a:cs typeface="Times New Roman" panose="02020603050405020304" pitchFamily="18" charset="0"/>
               </a:rPr>
               <a:t> – </a:t>
             </a:r>
             <a:r>
-              <a:rPr lang="en-US" sz="7200" dirty="0" err="1" smtClean="0">
+              <a:rPr lang="en-US" sz="7200" dirty="0" err="1">
                 <a:latin typeface="Times New Roman" panose="02020603050405020304" pitchFamily="18" charset="0"/>
                 <a:cs typeface="Times New Roman" panose="02020603050405020304" pitchFamily="18" charset="0"/>
               </a:rPr>
               <a:t>thiết</a:t>
             </a:r>
             <a:r>
-              <a:rPr lang="en-US" sz="7200" dirty="0" smtClean="0">
-                <a:latin typeface="Times New Roman" panose="02020603050405020304" pitchFamily="18" charset="0"/>
-                <a:cs typeface="Times New Roman" panose="02020603050405020304" pitchFamily="18" charset="0"/>
-              </a:rPr>
-              <a:t> </a:t>
-            </a:r>
-            <a:r>
-              <a:rPr lang="en-US" sz="7200" dirty="0" err="1" smtClean="0">
+              <a:rPr lang="en-US" sz="7200" dirty="0">
+                <a:latin typeface="Times New Roman" panose="02020603050405020304" pitchFamily="18" charset="0"/>
+                <a:cs typeface="Times New Roman" panose="02020603050405020304" pitchFamily="18" charset="0"/>
+              </a:rPr>
+              <a:t> </a:t>
+            </a:r>
+            <a:r>
+              <a:rPr lang="en-US" sz="7200" dirty="0" err="1">
                 <a:latin typeface="Times New Roman" panose="02020603050405020304" pitchFamily="18" charset="0"/>
                 <a:cs typeface="Times New Roman" panose="02020603050405020304" pitchFamily="18" charset="0"/>
               </a:rPr>
@@ -16605,13 +16708,13 @@
   <p:clrMapOvr>
     <a:masterClrMapping/>
   </p:clrMapOvr>
-  <mc:AlternateContent xmlns:mc="http://schemas.openxmlformats.org/markup-compatibility/2006">
-    <mc:Choice xmlns:p14="http://schemas.microsoft.com/office/powerpoint/2010/main" Requires="p14">
+  <mc:AlternateContent xmlns:mc="http://schemas.openxmlformats.org/markup-compatibility/2006" xmlns:p14="http://schemas.microsoft.com/office/powerpoint/2010/main">
+    <mc:Choice Requires="p14">
       <p:transition spd="slow" p14:dur="800">
         <p:circle/>
       </p:transition>
     </mc:Choice>
-    <mc:Fallback>
+    <mc:Fallback xmlns="">
       <p:transition spd="slow">
         <p:circle/>
       </p:transition>
@@ -16660,65 +16763,61 @@
           <a:lstStyle/>
           <a:p>
             <a:r>
-              <a:rPr lang="en-US" sz="4800" dirty="0" err="1" smtClean="0">
+              <a:rPr lang="en-US" sz="4800" dirty="0" err="1">
                 <a:latin typeface="Times New Roman" panose="02020603050405020304" pitchFamily="18" charset="0"/>
                 <a:cs typeface="Times New Roman" panose="02020603050405020304" pitchFamily="18" charset="0"/>
               </a:rPr>
               <a:t>Phân</a:t>
             </a:r>
             <a:r>
-              <a:rPr lang="en-US" sz="4800" dirty="0" smtClean="0">
-                <a:latin typeface="Times New Roman" panose="02020603050405020304" pitchFamily="18" charset="0"/>
-                <a:cs typeface="Times New Roman" panose="02020603050405020304" pitchFamily="18" charset="0"/>
-              </a:rPr>
-              <a:t> </a:t>
-            </a:r>
-            <a:r>
-              <a:rPr lang="en-US" sz="4800" dirty="0" err="1" smtClean="0">
+              <a:rPr lang="en-US" sz="4800" dirty="0">
+                <a:latin typeface="Times New Roman" panose="02020603050405020304" pitchFamily="18" charset="0"/>
+                <a:cs typeface="Times New Roman" panose="02020603050405020304" pitchFamily="18" charset="0"/>
+              </a:rPr>
+              <a:t> </a:t>
+            </a:r>
+            <a:r>
+              <a:rPr lang="en-US" sz="4800" dirty="0" err="1">
                 <a:latin typeface="Times New Roman" panose="02020603050405020304" pitchFamily="18" charset="0"/>
                 <a:cs typeface="Times New Roman" panose="02020603050405020304" pitchFamily="18" charset="0"/>
               </a:rPr>
               <a:t>tích</a:t>
             </a:r>
             <a:r>
-              <a:rPr lang="en-US" sz="4800" dirty="0" smtClean="0">
-                <a:latin typeface="Times New Roman" panose="02020603050405020304" pitchFamily="18" charset="0"/>
-                <a:cs typeface="Times New Roman" panose="02020603050405020304" pitchFamily="18" charset="0"/>
-              </a:rPr>
-              <a:t> </a:t>
-            </a:r>
-            <a:r>
-              <a:rPr lang="en-US" sz="4800" dirty="0" err="1" smtClean="0">
+              <a:rPr lang="en-US" sz="4800" dirty="0">
+                <a:latin typeface="Times New Roman" panose="02020603050405020304" pitchFamily="18" charset="0"/>
+                <a:cs typeface="Times New Roman" panose="02020603050405020304" pitchFamily="18" charset="0"/>
+              </a:rPr>
+              <a:t> </a:t>
+            </a:r>
+            <a:r>
+              <a:rPr lang="en-US" sz="4800" dirty="0" err="1">
                 <a:latin typeface="Times New Roman" panose="02020603050405020304" pitchFamily="18" charset="0"/>
                 <a:cs typeface="Times New Roman" panose="02020603050405020304" pitchFamily="18" charset="0"/>
               </a:rPr>
               <a:t>hệ</a:t>
             </a:r>
             <a:r>
-              <a:rPr lang="en-US" sz="4800" dirty="0" smtClean="0">
-                <a:latin typeface="Times New Roman" panose="02020603050405020304" pitchFamily="18" charset="0"/>
-                <a:cs typeface="Times New Roman" panose="02020603050405020304" pitchFamily="18" charset="0"/>
-              </a:rPr>
-              <a:t> </a:t>
-            </a:r>
-            <a:r>
-              <a:rPr lang="en-US" sz="4800" dirty="0" err="1" smtClean="0">
+              <a:rPr lang="en-US" sz="4800" dirty="0">
+                <a:latin typeface="Times New Roman" panose="02020603050405020304" pitchFamily="18" charset="0"/>
+                <a:cs typeface="Times New Roman" panose="02020603050405020304" pitchFamily="18" charset="0"/>
+              </a:rPr>
+              <a:t> </a:t>
+            </a:r>
+            <a:r>
+              <a:rPr lang="en-US" sz="4800" dirty="0" err="1">
                 <a:latin typeface="Times New Roman" panose="02020603050405020304" pitchFamily="18" charset="0"/>
                 <a:cs typeface="Times New Roman" panose="02020603050405020304" pitchFamily="18" charset="0"/>
               </a:rPr>
               <a:t>thống</a:t>
             </a:r>
             <a:r>
-              <a:rPr lang="en-US" sz="4800" dirty="0" smtClean="0">
-                <a:latin typeface="Times New Roman" panose="02020603050405020304" pitchFamily="18" charset="0"/>
-                <a:cs typeface="Times New Roman" panose="02020603050405020304" pitchFamily="18" charset="0"/>
-              </a:rPr>
-              <a:t> </a:t>
-            </a:r>
-            <a:endParaRPr lang="en-US" sz="4800" dirty="0">
-              <a:latin typeface="Times New Roman" panose="02020603050405020304" pitchFamily="18" charset="0"/>
-              <a:cs typeface="Times New Roman" panose="02020603050405020304" pitchFamily="18" charset="0"/>
-            </a:endParaRPr>
+              <a:rPr lang="en-US" sz="4800" dirty="0">
+                <a:latin typeface="Times New Roman" panose="02020603050405020304" pitchFamily="18" charset="0"/>
+                <a:cs typeface="Times New Roman" panose="02020603050405020304" pitchFamily="18" charset="0"/>
+              </a:rPr>
+              <a:t> </a:t>
+            </a:r>
           </a:p>
         </p:txBody>
       </p:sp>
@@ -16727,7 +16826,7 @@
           <p:cNvPr id="7" name="Graphic 6" descr="Gears icon">
             <a:extLst>
               <a:ext uri="{FF2B5EF4-FFF2-40B4-BE49-F238E27FC236}">
-                <a16:creationId xmlns:a16="http://schemas.microsoft.com/office/drawing/2014/main" xmlns="" id="{DA9595F8-50AF-4C85-9BC5-B52646E113FB}"/>
+                <a16:creationId xmlns:a16="http://schemas.microsoft.com/office/drawing/2014/main" id="{DA9595F8-50AF-4C85-9BC5-B52646E113FB}"/>
               </a:ext>
             </a:extLst>
           </p:cNvPr>
@@ -16740,7 +16839,7 @@
           <a:blip r:embed="rId2">
             <a:extLst>
               <a:ext uri="{96DAC541-7B7A-43D3-8B79-37D633B846F1}">
-                <asvg:svgBlip xmlns:asvg="http://schemas.microsoft.com/office/drawing/2016/SVG/main" xmlns="" r:embed="rId3"/>
+                <asvg:svgBlip xmlns:asvg="http://schemas.microsoft.com/office/drawing/2016/SVG/main" r:embed="rId3"/>
               </a:ext>
             </a:extLst>
           </a:blip>
@@ -17807,7 +17906,7 @@
               <a:t> </a:t>
             </a:r>
             <a:r>
-              <a:rPr lang="en-US" sz="2250" dirty="0" err="1" smtClean="0">
+              <a:rPr lang="en-US" sz="2250" dirty="0" err="1">
                 <a:latin typeface="Times New Roman" panose="02020603050405020304" pitchFamily="18" charset="0"/>
                 <a:ea typeface="Times New Roman" panose="02020603050405020304" pitchFamily="18" charset="0"/>
               </a:rPr>
@@ -17842,13 +17941,6 @@
       </p:transition>
     </mc:Fallback>
   </mc:AlternateContent>
-  <p:timing>
-    <p:tnLst>
-      <p:par>
-        <p:cTn id="1" dur="indefinite" restart="never" nodeType="tmRoot"/>
-      </p:par>
-    </p:tnLst>
-  </p:timing>
 </p:sld>
 </file>
 
@@ -17892,65 +17984,61 @@
           <a:lstStyle/>
           <a:p>
             <a:r>
-              <a:rPr lang="en-US" sz="4800" dirty="0" err="1" smtClean="0">
+              <a:rPr lang="en-US" sz="4800" dirty="0" err="1">
                 <a:latin typeface="Times New Roman" panose="02020603050405020304" pitchFamily="18" charset="0"/>
                 <a:cs typeface="Times New Roman" panose="02020603050405020304" pitchFamily="18" charset="0"/>
               </a:rPr>
               <a:t>Phân</a:t>
             </a:r>
             <a:r>
-              <a:rPr lang="en-US" sz="4800" dirty="0" smtClean="0">
-                <a:latin typeface="Times New Roman" panose="02020603050405020304" pitchFamily="18" charset="0"/>
-                <a:cs typeface="Times New Roman" panose="02020603050405020304" pitchFamily="18" charset="0"/>
-              </a:rPr>
-              <a:t> </a:t>
-            </a:r>
-            <a:r>
-              <a:rPr lang="en-US" sz="4800" dirty="0" err="1" smtClean="0">
+              <a:rPr lang="en-US" sz="4800" dirty="0">
+                <a:latin typeface="Times New Roman" panose="02020603050405020304" pitchFamily="18" charset="0"/>
+                <a:cs typeface="Times New Roman" panose="02020603050405020304" pitchFamily="18" charset="0"/>
+              </a:rPr>
+              <a:t> </a:t>
+            </a:r>
+            <a:r>
+              <a:rPr lang="en-US" sz="4800" dirty="0" err="1">
                 <a:latin typeface="Times New Roman" panose="02020603050405020304" pitchFamily="18" charset="0"/>
                 <a:cs typeface="Times New Roman" panose="02020603050405020304" pitchFamily="18" charset="0"/>
               </a:rPr>
               <a:t>tích</a:t>
             </a:r>
             <a:r>
-              <a:rPr lang="en-US" sz="4800" dirty="0" smtClean="0">
-                <a:latin typeface="Times New Roman" panose="02020603050405020304" pitchFamily="18" charset="0"/>
-                <a:cs typeface="Times New Roman" panose="02020603050405020304" pitchFamily="18" charset="0"/>
-              </a:rPr>
-              <a:t> </a:t>
-            </a:r>
-            <a:r>
-              <a:rPr lang="en-US" sz="4800" dirty="0" err="1" smtClean="0">
+              <a:rPr lang="en-US" sz="4800" dirty="0">
+                <a:latin typeface="Times New Roman" panose="02020603050405020304" pitchFamily="18" charset="0"/>
+                <a:cs typeface="Times New Roman" panose="02020603050405020304" pitchFamily="18" charset="0"/>
+              </a:rPr>
+              <a:t> </a:t>
+            </a:r>
+            <a:r>
+              <a:rPr lang="en-US" sz="4800" dirty="0" err="1">
                 <a:latin typeface="Times New Roman" panose="02020603050405020304" pitchFamily="18" charset="0"/>
                 <a:cs typeface="Times New Roman" panose="02020603050405020304" pitchFamily="18" charset="0"/>
               </a:rPr>
               <a:t>hệ</a:t>
             </a:r>
             <a:r>
-              <a:rPr lang="en-US" sz="4800" dirty="0" smtClean="0">
-                <a:latin typeface="Times New Roman" panose="02020603050405020304" pitchFamily="18" charset="0"/>
-                <a:cs typeface="Times New Roman" panose="02020603050405020304" pitchFamily="18" charset="0"/>
-              </a:rPr>
-              <a:t> </a:t>
-            </a:r>
-            <a:r>
-              <a:rPr lang="en-US" sz="4800" dirty="0" err="1" smtClean="0">
+              <a:rPr lang="en-US" sz="4800" dirty="0">
+                <a:latin typeface="Times New Roman" panose="02020603050405020304" pitchFamily="18" charset="0"/>
+                <a:cs typeface="Times New Roman" panose="02020603050405020304" pitchFamily="18" charset="0"/>
+              </a:rPr>
+              <a:t> </a:t>
+            </a:r>
+            <a:r>
+              <a:rPr lang="en-US" sz="4800" dirty="0" err="1">
                 <a:latin typeface="Times New Roman" panose="02020603050405020304" pitchFamily="18" charset="0"/>
                 <a:cs typeface="Times New Roman" panose="02020603050405020304" pitchFamily="18" charset="0"/>
               </a:rPr>
               <a:t>thống</a:t>
             </a:r>
             <a:r>
-              <a:rPr lang="en-US" sz="4800" dirty="0" smtClean="0">
-                <a:latin typeface="Times New Roman" panose="02020603050405020304" pitchFamily="18" charset="0"/>
-                <a:cs typeface="Times New Roman" panose="02020603050405020304" pitchFamily="18" charset="0"/>
-              </a:rPr>
-              <a:t> </a:t>
-            </a:r>
-            <a:endParaRPr lang="en-US" sz="4800" dirty="0">
-              <a:latin typeface="Times New Roman" panose="02020603050405020304" pitchFamily="18" charset="0"/>
-              <a:cs typeface="Times New Roman" panose="02020603050405020304" pitchFamily="18" charset="0"/>
-            </a:endParaRPr>
+              <a:rPr lang="en-US" sz="4800" dirty="0">
+                <a:latin typeface="Times New Roman" panose="02020603050405020304" pitchFamily="18" charset="0"/>
+                <a:cs typeface="Times New Roman" panose="02020603050405020304" pitchFamily="18" charset="0"/>
+              </a:rPr>
+              <a:t> </a:t>
+            </a:r>
           </a:p>
         </p:txBody>
       </p:sp>
@@ -17959,7 +18047,7 @@
           <p:cNvPr id="7" name="Graphic 6" descr="Gears icon">
             <a:extLst>
               <a:ext uri="{FF2B5EF4-FFF2-40B4-BE49-F238E27FC236}">
-                <a16:creationId xmlns:a16="http://schemas.microsoft.com/office/drawing/2014/main" xmlns="" id="{DA9595F8-50AF-4C85-9BC5-B52646E113FB}"/>
+                <a16:creationId xmlns:a16="http://schemas.microsoft.com/office/drawing/2014/main" id="{DA9595F8-50AF-4C85-9BC5-B52646E113FB}"/>
               </a:ext>
             </a:extLst>
           </p:cNvPr>
@@ -17972,7 +18060,7 @@
           <a:blip r:embed="rId2">
             <a:extLst>
               <a:ext uri="{96DAC541-7B7A-43D3-8B79-37D633B846F1}">
-                <asvg:svgBlip xmlns:asvg="http://schemas.microsoft.com/office/drawing/2016/SVG/main" xmlns="" r:embed="rId3"/>
+                <asvg:svgBlip xmlns:asvg="http://schemas.microsoft.com/office/drawing/2016/SVG/main" r:embed="rId3"/>
               </a:ext>
             </a:extLst>
           </a:blip>
@@ -18022,14 +18110,14 @@
               <a:buChar char="q"/>
             </a:pPr>
             <a:r>
-              <a:rPr lang="en-US" sz="2400" b="1" dirty="0" err="1" smtClean="0">
+              <a:rPr lang="en-US" sz="2400" b="1" dirty="0" err="1">
                 <a:latin typeface="Times New Roman" panose="02020603050405020304" pitchFamily="18" charset="0"/>
                 <a:ea typeface="Times New Roman" panose="02020603050405020304" pitchFamily="18" charset="0"/>
               </a:rPr>
               <a:t>Lợi</a:t>
             </a:r>
             <a:r>
-              <a:rPr lang="en-US" sz="2400" b="1" dirty="0" smtClean="0">
+              <a:rPr lang="en-US" sz="2400" b="1" dirty="0">
                 <a:latin typeface="Times New Roman" panose="02020603050405020304" pitchFamily="18" charset="0"/>
                 <a:ea typeface="Times New Roman" panose="02020603050405020304" pitchFamily="18" charset="0"/>
               </a:rPr>
@@ -18946,25 +19034,18 @@
   <p:clrMapOvr>
     <a:masterClrMapping/>
   </p:clrMapOvr>
-  <mc:AlternateContent xmlns:mc="http://schemas.openxmlformats.org/markup-compatibility/2006">
-    <mc:Choice xmlns:p14="http://schemas.microsoft.com/office/powerpoint/2010/main" Requires="p14">
+  <mc:AlternateContent xmlns:mc="http://schemas.openxmlformats.org/markup-compatibility/2006" xmlns:p14="http://schemas.microsoft.com/office/powerpoint/2010/main">
+    <mc:Choice Requires="p14">
       <p:transition spd="slow" p14:dur="800">
         <p:circle/>
       </p:transition>
     </mc:Choice>
-    <mc:Fallback>
+    <mc:Fallback xmlns="">
       <p:transition spd="slow">
         <p:circle/>
       </p:transition>
     </mc:Fallback>
   </mc:AlternateContent>
-  <p:timing>
-    <p:tnLst>
-      <p:par>
-        <p:cTn id="1" dur="indefinite" restart="never" nodeType="tmRoot"/>
-      </p:par>
-    </p:tnLst>
-  </p:timing>
 </p:sld>
 </file>
 
